--- a/materials/slides/ch07-file-management.pptx
+++ b/materials/slides/ch07-file-management.pptx
@@ -7,20 +7,17 @@
   </p:sldMasterIdLst>
   <p:sldIdLst>
     <p:sldId id="260" r:id="rId3"/>
-    <p:sldId id="270" r:id="rId4"/>
-    <p:sldId id="274" r:id="rId5"/>
-    <p:sldId id="273" r:id="rId6"/>
-    <p:sldId id="275" r:id="rId7"/>
-    <p:sldId id="276" r:id="rId8"/>
-    <p:sldId id="277" r:id="rId9"/>
-    <p:sldId id="269" r:id="rId10"/>
-    <p:sldId id="278" r:id="rId11"/>
-    <p:sldId id="272" r:id="rId12"/>
-    <p:sldId id="279" r:id="rId13"/>
-    <p:sldId id="265" r:id="rId14"/>
-    <p:sldId id="266" r:id="rId15"/>
-    <p:sldId id="271" r:id="rId16"/>
-    <p:sldId id="280" r:id="rId17"/>
+    <p:sldId id="273" r:id="rId4"/>
+    <p:sldId id="276" r:id="rId5"/>
+    <p:sldId id="277" r:id="rId6"/>
+    <p:sldId id="269" r:id="rId7"/>
+    <p:sldId id="278" r:id="rId8"/>
+    <p:sldId id="272" r:id="rId9"/>
+    <p:sldId id="279" r:id="rId10"/>
+    <p:sldId id="265" r:id="rId11"/>
+    <p:sldId id="266" r:id="rId12"/>
+    <p:sldId id="271" r:id="rId13"/>
+    <p:sldId id="280" r:id="rId14"/>
   </p:sldIdLst>
   <p:sldSz cx="12192000" cy="6858000"/>
   <p:notesSz cx="6858000" cy="9144000"/>
@@ -293,7 +290,7 @@
           <a:p>
             <a:fld id="{02E60DA2-A0BC-48C9-AA88-75C78721B420}" type="datetimeFigureOut">
               <a:rPr lang="zh-CN" altLang="en-US" smtClean="0"/>
-              <a:t>2018/2/6</a:t>
+              <a:t>2018/2/25</a:t>
             </a:fld>
             <a:endParaRPr lang="zh-CN" altLang="en-US"/>
           </a:p>
@@ -515,7 +512,7 @@
           <a:p>
             <a:fld id="{02E60DA2-A0BC-48C9-AA88-75C78721B420}" type="datetimeFigureOut">
               <a:rPr lang="zh-CN" altLang="en-US" smtClean="0"/>
-              <a:t>2018/2/6</a:t>
+              <a:t>2018/2/25</a:t>
             </a:fld>
             <a:endParaRPr lang="zh-CN" altLang="en-US"/>
           </a:p>
@@ -747,7 +744,7 @@
           <a:p>
             <a:fld id="{02E60DA2-A0BC-48C9-AA88-75C78721B420}" type="datetimeFigureOut">
               <a:rPr lang="zh-CN" altLang="en-US" smtClean="0"/>
-              <a:t>2018/2/6</a:t>
+              <a:t>2018/2/25</a:t>
             </a:fld>
             <a:endParaRPr lang="zh-CN" altLang="en-US"/>
           </a:p>
@@ -997,7 +994,7 @@
           <a:p>
             <a:fld id="{02E60DA2-A0BC-48C9-AA88-75C78721B420}" type="datetimeFigureOut">
               <a:rPr lang="zh-CN" altLang="en-US" smtClean="0"/>
-              <a:t>2018/2/6</a:t>
+              <a:t>2018/2/25</a:t>
             </a:fld>
             <a:endParaRPr lang="zh-CN" altLang="en-US"/>
           </a:p>
@@ -1235,7 +1232,7 @@
           <a:p>
             <a:fld id="{02E60DA2-A0BC-48C9-AA88-75C78721B420}" type="datetimeFigureOut">
               <a:rPr lang="zh-CN" altLang="en-US" smtClean="0"/>
-              <a:t>2018/2/6</a:t>
+              <a:t>2018/2/25</a:t>
             </a:fld>
             <a:endParaRPr lang="zh-CN" altLang="en-US"/>
           </a:p>
@@ -1540,7 +1537,7 @@
           <a:p>
             <a:fld id="{02E60DA2-A0BC-48C9-AA88-75C78721B420}" type="datetimeFigureOut">
               <a:rPr lang="zh-CN" altLang="en-US" smtClean="0"/>
-              <a:t>2018/2/6</a:t>
+              <a:t>2018/2/25</a:t>
             </a:fld>
             <a:endParaRPr lang="zh-CN" altLang="en-US"/>
           </a:p>
@@ -1843,7 +1840,7 @@
           <a:p>
             <a:fld id="{02E60DA2-A0BC-48C9-AA88-75C78721B420}" type="datetimeFigureOut">
               <a:rPr lang="zh-CN" altLang="en-US" smtClean="0"/>
-              <a:t>2018/2/6</a:t>
+              <a:t>2018/2/25</a:t>
             </a:fld>
             <a:endParaRPr lang="zh-CN" altLang="en-US"/>
           </a:p>
@@ -2294,7 +2291,7 @@
           <a:p>
             <a:fld id="{02E60DA2-A0BC-48C9-AA88-75C78721B420}" type="datetimeFigureOut">
               <a:rPr lang="zh-CN" altLang="en-US" smtClean="0"/>
-              <a:t>2018/2/6</a:t>
+              <a:t>2018/2/25</a:t>
             </a:fld>
             <a:endParaRPr lang="zh-CN" altLang="en-US"/>
           </a:p>
@@ -2467,7 +2464,7 @@
           <a:p>
             <a:fld id="{02E60DA2-A0BC-48C9-AA88-75C78721B420}" type="datetimeFigureOut">
               <a:rPr lang="zh-CN" altLang="en-US" smtClean="0"/>
-              <a:t>2018/2/6</a:t>
+              <a:t>2018/2/25</a:t>
             </a:fld>
             <a:endParaRPr lang="zh-CN" altLang="en-US"/>
           </a:p>
@@ -2604,7 +2601,7 @@
           <a:p>
             <a:fld id="{02E60DA2-A0BC-48C9-AA88-75C78721B420}" type="datetimeFigureOut">
               <a:rPr lang="zh-CN" altLang="en-US" smtClean="0"/>
-              <a:t>2018/2/6</a:t>
+              <a:t>2018/2/25</a:t>
             </a:fld>
             <a:endParaRPr lang="zh-CN" altLang="en-US"/>
           </a:p>
@@ -2948,7 +2945,7 @@
           <a:p>
             <a:fld id="{02E60DA2-A0BC-48C9-AA88-75C78721B420}" type="datetimeFigureOut">
               <a:rPr lang="zh-CN" altLang="en-US" smtClean="0"/>
-              <a:t>2018/2/6</a:t>
+              <a:t>2018/2/25</a:t>
             </a:fld>
             <a:endParaRPr lang="zh-CN" altLang="en-US"/>
           </a:p>
@@ -3170,7 +3167,7 @@
           <a:p>
             <a:fld id="{02E60DA2-A0BC-48C9-AA88-75C78721B420}" type="datetimeFigureOut">
               <a:rPr lang="zh-CN" altLang="en-US" smtClean="0"/>
-              <a:t>2018/2/6</a:t>
+              <a:t>2018/2/25</a:t>
             </a:fld>
             <a:endParaRPr lang="zh-CN" altLang="en-US"/>
           </a:p>
@@ -3491,7 +3488,7 @@
           <a:p>
             <a:fld id="{02E60DA2-A0BC-48C9-AA88-75C78721B420}" type="datetimeFigureOut">
               <a:rPr lang="zh-CN" altLang="en-US" smtClean="0"/>
-              <a:t>2018/2/6</a:t>
+              <a:t>2018/2/25</a:t>
             </a:fld>
             <a:endParaRPr lang="zh-CN" altLang="en-US"/>
           </a:p>
@@ -3729,7 +3726,7 @@
           <a:p>
             <a:fld id="{02E60DA2-A0BC-48C9-AA88-75C78721B420}" type="datetimeFigureOut">
               <a:rPr lang="zh-CN" altLang="en-US" smtClean="0"/>
-              <a:t>2018/2/6</a:t>
+              <a:t>2018/2/25</a:t>
             </a:fld>
             <a:endParaRPr lang="zh-CN" altLang="en-US"/>
           </a:p>
@@ -3967,7 +3964,7 @@
           <a:p>
             <a:fld id="{02E60DA2-A0BC-48C9-AA88-75C78721B420}" type="datetimeFigureOut">
               <a:rPr lang="zh-CN" altLang="en-US" smtClean="0"/>
-              <a:t>2018/2/6</a:t>
+              <a:t>2018/2/25</a:t>
             </a:fld>
             <a:endParaRPr lang="zh-CN" altLang="en-US"/>
           </a:p>
@@ -4266,7 +4263,7 @@
           <a:p>
             <a:fld id="{02E60DA2-A0BC-48C9-AA88-75C78721B420}" type="datetimeFigureOut">
               <a:rPr lang="zh-CN" altLang="en-US" smtClean="0"/>
-              <a:t>2018/2/6</a:t>
+              <a:t>2018/2/25</a:t>
             </a:fld>
             <a:endParaRPr lang="zh-CN" altLang="en-US"/>
           </a:p>
@@ -4555,7 +4552,7 @@
           <a:p>
             <a:fld id="{02E60DA2-A0BC-48C9-AA88-75C78721B420}" type="datetimeFigureOut">
               <a:rPr lang="zh-CN" altLang="en-US" smtClean="0"/>
-              <a:t>2018/2/6</a:t>
+              <a:t>2018/2/25</a:t>
             </a:fld>
             <a:endParaRPr lang="zh-CN" altLang="en-US"/>
           </a:p>
@@ -4991,7 +4988,7 @@
           <a:p>
             <a:fld id="{02E60DA2-A0BC-48C9-AA88-75C78721B420}" type="datetimeFigureOut">
               <a:rPr lang="zh-CN" altLang="en-US" smtClean="0"/>
-              <a:t>2018/2/6</a:t>
+              <a:t>2018/2/25</a:t>
             </a:fld>
             <a:endParaRPr lang="zh-CN" altLang="en-US"/>
           </a:p>
@@ -5156,7 +5153,7 @@
           <a:p>
             <a:fld id="{02E60DA2-A0BC-48C9-AA88-75C78721B420}" type="datetimeFigureOut">
               <a:rPr lang="zh-CN" altLang="en-US" smtClean="0"/>
-              <a:t>2018/2/6</a:t>
+              <a:t>2018/2/25</a:t>
             </a:fld>
             <a:endParaRPr lang="zh-CN" altLang="en-US"/>
           </a:p>
@@ -5293,7 +5290,7 @@
           <a:p>
             <a:fld id="{02E60DA2-A0BC-48C9-AA88-75C78721B420}" type="datetimeFigureOut">
               <a:rPr lang="zh-CN" altLang="en-US" smtClean="0"/>
-              <a:t>2018/2/6</a:t>
+              <a:t>2018/2/25</a:t>
             </a:fld>
             <a:endParaRPr lang="zh-CN" altLang="en-US"/>
           </a:p>
@@ -5628,7 +5625,7 @@
           <a:p>
             <a:fld id="{02E60DA2-A0BC-48C9-AA88-75C78721B420}" type="datetimeFigureOut">
               <a:rPr lang="zh-CN" altLang="en-US" smtClean="0"/>
-              <a:t>2018/2/6</a:t>
+              <a:t>2018/2/25</a:t>
             </a:fld>
             <a:endParaRPr lang="zh-CN" altLang="en-US"/>
           </a:p>
@@ -5940,7 +5937,7 @@
           <a:p>
             <a:fld id="{02E60DA2-A0BC-48C9-AA88-75C78721B420}" type="datetimeFigureOut">
               <a:rPr lang="zh-CN" altLang="en-US" smtClean="0"/>
-              <a:t>2018/2/6</a:t>
+              <a:t>2018/2/25</a:t>
             </a:fld>
             <a:endParaRPr lang="zh-CN" altLang="en-US"/>
           </a:p>
@@ -7099,7 +7096,7 @@
             <a:r>
               <a:rPr lang="zh-CN" altLang="en-US" sz="3600" dirty="0">
                 <a:solidFill>
-                  <a:srgbClr val="FF0000"/>
+                  <a:srgbClr val="C00000"/>
                 </a:solidFill>
               </a:rPr>
               <a:t>文件管理</a:t>
@@ -7160,8 +7157,13 @@
           <a:p>
             <a:r>
               <a:rPr lang="zh-CN" altLang="en-US" dirty="0"/>
-              <a:t>文件默认权限</a:t>
-            </a:r>
+              <a:t>更改文件所属用户与所属组：</a:t>
+            </a:r>
+            <a:r>
+              <a:rPr lang="en-US" altLang="zh-CN" dirty="0" err="1"/>
+              <a:t>chown</a:t>
+            </a:r>
+            <a:endParaRPr lang="zh-CN" altLang="en-US" dirty="0"/>
           </a:p>
         </p:txBody>
       </p:sp>
@@ -7188,147 +7190,69 @@
           <a:p>
             <a:r>
               <a:rPr lang="zh-CN" altLang="en-US" sz="2000" dirty="0"/>
-              <a:t>系统创建文件时是有一个默认权限的，通过使用权限掩码进行默认权限的设置。</a:t>
+              <a:t>格式：</a:t>
+            </a:r>
+            <a:r>
+              <a:rPr lang="en-US" altLang="zh-CN" sz="2000" dirty="0"/>
+              <a:t> </a:t>
+            </a:r>
+            <a:r>
+              <a:rPr lang="en-US" altLang="zh-CN" sz="2000" dirty="0" err="1"/>
+              <a:t>chown</a:t>
+            </a:r>
+            <a:r>
+              <a:rPr lang="en-US" altLang="zh-CN" sz="2000" dirty="0"/>
+              <a:t> [OWNER][:[GROUP]] FILE...</a:t>
+            </a:r>
+          </a:p>
+          <a:p>
+            <a:r>
+              <a:rPr lang="zh-CN" altLang="en-US" sz="2000" dirty="0"/>
+              <a:t>如果只指定用户，则只改变文件所有者；如果是 </a:t>
+            </a:r>
+            <a:r>
+              <a:rPr lang="en-US" altLang="zh-CN" sz="2000" dirty="0"/>
+              <a:t>OWNER:GROUP </a:t>
+            </a:r>
+            <a:r>
+              <a:rPr lang="zh-CN" altLang="en-US" sz="2000" dirty="0"/>
+              <a:t>形式，则同时改变文件的所有者和所属组；如果是 </a:t>
+            </a:r>
+            <a:r>
+              <a:rPr lang="en-US" altLang="zh-CN" sz="2000" dirty="0"/>
+              <a:t>OWNER: </a:t>
+            </a:r>
+            <a:r>
+              <a:rPr lang="zh-CN" altLang="en-US" sz="2000" dirty="0"/>
+              <a:t>形式，则改变文件的所有者，同时把文件所属组改为该用户的基本组；如果是 </a:t>
+            </a:r>
+            <a:r>
+              <a:rPr lang="en-US" altLang="zh-CN" sz="2000" dirty="0"/>
+              <a:t>:GROUP </a:t>
+            </a:r>
+            <a:r>
+              <a:rPr lang="zh-CN" altLang="en-US" sz="2000" dirty="0"/>
+              <a:t>形式，则只改变文件的所属组，在这种情况下，功能等同于</a:t>
+            </a:r>
+            <a:r>
+              <a:rPr lang="en-US" altLang="zh-CN" sz="2000" dirty="0" err="1"/>
+              <a:t>chgrp</a:t>
+            </a:r>
+            <a:r>
+              <a:rPr lang="zh-CN" altLang="en-US" sz="2000" dirty="0"/>
+              <a:t>。</a:t>
             </a:r>
             <a:endParaRPr lang="en-US" altLang="zh-CN" sz="2000" dirty="0"/>
           </a:p>
           <a:p>
-            <a:endParaRPr lang="en-US" altLang="zh-CN" sz="2000" dirty="0"/>
-          </a:p>
-          <a:p>
-            <a:r>
-              <a:rPr lang="zh-CN" altLang="en-US" sz="2000" dirty="0"/>
-              <a:t>使用</a:t>
-            </a:r>
-            <a:r>
-              <a:rPr lang="en-US" altLang="zh-CN" sz="2000" dirty="0" err="1"/>
-              <a:t>umask</a:t>
-            </a:r>
-            <a:r>
-              <a:rPr lang="zh-CN" altLang="en-US" sz="2000" dirty="0"/>
-              <a:t>命令可以查看</a:t>
-            </a:r>
-            <a:r>
-              <a:rPr lang="en-US" altLang="zh-CN" sz="2000" dirty="0"/>
-              <a:t>/</a:t>
-            </a:r>
-            <a:r>
-              <a:rPr lang="zh-CN" altLang="en-US" sz="2000" dirty="0"/>
-              <a:t>设置权限掩码。</a:t>
-            </a:r>
-            <a:endParaRPr lang="en-US" altLang="zh-CN" sz="2000" dirty="0"/>
-          </a:p>
-          <a:p>
-            <a:pPr marL="0" indent="0">
-              <a:buNone/>
-            </a:pPr>
-            <a:r>
-              <a:rPr lang="zh-CN" altLang="en-US" sz="2000" dirty="0"/>
-              <a:t>    直接使用</a:t>
-            </a:r>
-            <a:r>
-              <a:rPr lang="en-US" altLang="zh-CN" sz="2000" dirty="0" err="1"/>
-              <a:t>umask</a:t>
-            </a:r>
-            <a:r>
-              <a:rPr lang="zh-CN" altLang="en-US" sz="2000" dirty="0"/>
-              <a:t>会以数字形式显示权限掩码（第一个数字</a:t>
-            </a:r>
-            <a:r>
-              <a:rPr lang="en-US" altLang="zh-CN" sz="2000" dirty="0"/>
-              <a:t>0</a:t>
-            </a:r>
-            <a:r>
-              <a:rPr lang="zh-CN" altLang="en-US" sz="2000" dirty="0"/>
-              <a:t>表示八进制）；使用</a:t>
-            </a:r>
-            <a:r>
-              <a:rPr lang="en-US" altLang="zh-CN" sz="2000" dirty="0" err="1"/>
-              <a:t>umask</a:t>
-            </a:r>
-            <a:r>
-              <a:rPr lang="en-US" altLang="zh-CN" sz="2000" dirty="0"/>
-              <a:t> -S</a:t>
-            </a:r>
-            <a:r>
-              <a:rPr lang="zh-CN" altLang="en-US" sz="2000" dirty="0"/>
-              <a:t>，</a:t>
-            </a:r>
-            <a:endParaRPr lang="en-US" altLang="zh-CN" sz="2000" dirty="0"/>
-          </a:p>
-          <a:p>
-            <a:pPr marL="0" indent="0">
-              <a:buNone/>
-            </a:pPr>
-            <a:r>
-              <a:rPr lang="en-US" altLang="zh-CN" sz="2000" dirty="0"/>
-              <a:t>    </a:t>
-            </a:r>
-            <a:r>
-              <a:rPr lang="zh-CN" altLang="en-US" sz="2000" dirty="0"/>
-              <a:t>会以符号形式显示权限掩码；</a:t>
-            </a:r>
-            <a:r>
-              <a:rPr lang="en-US" altLang="zh-CN" sz="2000" dirty="0" err="1"/>
-              <a:t>umask</a:t>
-            </a:r>
-            <a:r>
-              <a:rPr lang="en-US" altLang="zh-CN" sz="2000" dirty="0"/>
-              <a:t> &lt;mode&gt; </a:t>
-            </a:r>
-            <a:r>
-              <a:rPr lang="zh-CN" altLang="en-US" sz="2000" dirty="0"/>
-              <a:t>用来设置默认权限掩码。</a:t>
-            </a:r>
-            <a:endParaRPr lang="en-US" altLang="zh-CN" sz="2000" dirty="0"/>
-          </a:p>
-          <a:p>
-            <a:r>
-              <a:rPr lang="zh-CN" altLang="en-US" sz="2000" dirty="0"/>
-              <a:t>对于每一类用户</a:t>
-            </a:r>
-            <a:r>
-              <a:rPr lang="en-US" altLang="zh-CN" sz="2000" dirty="0"/>
-              <a:t>(</a:t>
-            </a:r>
-            <a:r>
-              <a:rPr lang="zh-CN" altLang="en-US" sz="2000" dirty="0"/>
-              <a:t>文件属主、文件属组、其他用户</a:t>
-            </a:r>
-            <a:r>
-              <a:rPr lang="en-US" altLang="zh-CN" sz="2000" dirty="0"/>
-              <a:t>)</a:t>
-            </a:r>
-            <a:r>
-              <a:rPr lang="zh-CN" altLang="en-US" sz="2000" dirty="0"/>
-              <a:t> 来说，系统不允许在创建一个文件时就赋予它执行权限，必须在创建后用</a:t>
-            </a:r>
-            <a:r>
-              <a:rPr lang="en-US" altLang="zh-CN" sz="2000" dirty="0" err="1"/>
-              <a:t>chmod</a:t>
-            </a:r>
-            <a:r>
-              <a:rPr lang="zh-CN" altLang="en-US" sz="2000" dirty="0"/>
-              <a:t>命令增加这一权限；目录则允许设置执行权限。</a:t>
-            </a:r>
-            <a:endParaRPr lang="en-US" altLang="zh-CN" sz="2000" dirty="0"/>
-          </a:p>
-          <a:p>
-            <a:r>
-              <a:rPr lang="zh-CN" altLang="en-US" sz="2000" dirty="0"/>
-              <a:t>默认权限计算规则：用</a:t>
-            </a:r>
-            <a:r>
-              <a:rPr lang="en-US" altLang="zh-CN" sz="2000" dirty="0"/>
-              <a:t>777</a:t>
-            </a:r>
-            <a:r>
-              <a:rPr lang="zh-CN" altLang="en-US" sz="2000" dirty="0"/>
-              <a:t>按位减去掩码中的相应位，并且文件还要减去可执行位。</a:t>
-            </a:r>
-            <a:endParaRPr lang="en-US" altLang="zh-CN" sz="2000" dirty="0"/>
-          </a:p>
-          <a:p>
+            <a:r>
+              <a:rPr lang="en-US" altLang="zh-CN" sz="2000" dirty="0"/>
+              <a:t>-R </a:t>
+            </a:r>
+            <a:r>
+              <a:rPr lang="zh-CN" altLang="en-US" sz="2000"/>
+              <a:t>以递归方式对目录和文件进行操作</a:t>
+            </a:r>
             <a:endParaRPr lang="en-US" altLang="zh-CN" sz="2000" dirty="0"/>
           </a:p>
         </p:txBody>
@@ -7336,7 +7260,7 @@
     </p:spTree>
     <p:extLst>
       <p:ext uri="{BB962C8B-B14F-4D97-AF65-F5344CB8AC3E}">
-        <p14:creationId xmlns:p14="http://schemas.microsoft.com/office/powerpoint/2010/main" val="2475136634"/>
+        <p14:creationId xmlns:p14="http://schemas.microsoft.com/office/powerpoint/2010/main" val="3129173604"/>
       </p:ext>
     </p:extLst>
   </p:cSld>
@@ -7386,708 +7310,6 @@
           <a:p>
             <a:r>
               <a:rPr lang="zh-CN" altLang="en-US" dirty="0"/>
-              <a:t>更改文件权限：</a:t>
-            </a:r>
-            <a:r>
-              <a:rPr lang="en-US" altLang="zh-CN" dirty="0" err="1"/>
-              <a:t>chmod</a:t>
-            </a:r>
-            <a:endParaRPr lang="zh-CN" altLang="en-US" dirty="0"/>
-          </a:p>
-        </p:txBody>
-      </p:sp>
-      <p:sp>
-        <p:nvSpPr>
-          <p:cNvPr id="3" name="内容占位符 2">
-            <a:extLst>
-              <a:ext uri="{FF2B5EF4-FFF2-40B4-BE49-F238E27FC236}">
-                <a16:creationId xmlns:a16="http://schemas.microsoft.com/office/drawing/2014/main" id="{0A1C6B17-780B-4799-8193-E52FD817AC0E}"/>
-              </a:ext>
-            </a:extLst>
-          </p:cNvPr>
-          <p:cNvSpPr>
-            <a:spLocks noGrp="1"/>
-          </p:cNvSpPr>
-          <p:nvPr>
-            <p:ph idx="1"/>
-          </p:nvPr>
-        </p:nvSpPr>
-        <p:spPr/>
-        <p:txBody>
-          <a:bodyPr>
-            <a:normAutofit fontScale="92500" lnSpcReduction="10000"/>
-          </a:bodyPr>
-          <a:lstStyle/>
-          <a:p>
-            <a:r>
-              <a:rPr lang="zh-CN" altLang="en-US" sz="2000" dirty="0"/>
-              <a:t>使用</a:t>
-            </a:r>
-            <a:r>
-              <a:rPr lang="en-US" altLang="zh-CN" sz="2000" dirty="0" err="1"/>
-              <a:t>chmod</a:t>
-            </a:r>
-            <a:r>
-              <a:rPr lang="zh-CN" altLang="en-US" sz="2000" dirty="0"/>
-              <a:t>命令去变更文件与目录的权限时，设置方式采用字符或数字皆可</a:t>
-            </a:r>
-            <a:endParaRPr lang="en-US" altLang="zh-CN" sz="2000" dirty="0"/>
-          </a:p>
-          <a:p>
-            <a:r>
-              <a:rPr lang="zh-CN" altLang="en-US" sz="2000" dirty="0"/>
-              <a:t>使用字符方式时，每个字符的含义如下</a:t>
-            </a:r>
-            <a:endParaRPr lang="en-US" altLang="zh-CN" sz="2000" dirty="0"/>
-          </a:p>
-          <a:p>
-            <a:pPr marL="0" indent="0">
-              <a:buNone/>
-            </a:pPr>
-            <a:r>
-              <a:rPr lang="en-US" altLang="zh-CN" sz="2000" dirty="0"/>
-              <a:t>    u </a:t>
-            </a:r>
-            <a:r>
-              <a:rPr lang="zh-CN" altLang="en-US" sz="2000" dirty="0"/>
-              <a:t>代表</a:t>
-            </a:r>
-            <a:r>
-              <a:rPr lang="en-US" altLang="zh-CN" sz="2000" dirty="0"/>
-              <a:t>User</a:t>
-            </a:r>
-            <a:r>
-              <a:rPr lang="zh-CN" altLang="en-US" sz="2000" dirty="0"/>
-              <a:t>，即文件或目录的所有者；</a:t>
-            </a:r>
-            <a:endParaRPr lang="en-US" altLang="zh-CN" sz="2000" dirty="0"/>
-          </a:p>
-          <a:p>
-            <a:pPr marL="0" indent="0">
-              <a:buNone/>
-            </a:pPr>
-            <a:r>
-              <a:rPr lang="en-US" altLang="zh-CN" sz="2000" dirty="0"/>
-              <a:t>    g </a:t>
-            </a:r>
-            <a:r>
-              <a:rPr lang="zh-CN" altLang="en-US" sz="2000" dirty="0"/>
-              <a:t>代表</a:t>
-            </a:r>
-            <a:r>
-              <a:rPr lang="en-US" altLang="zh-CN" sz="2000" dirty="0"/>
-              <a:t>Group</a:t>
-            </a:r>
-            <a:r>
-              <a:rPr lang="zh-CN" altLang="en-US" sz="2000" dirty="0"/>
-              <a:t>，即文件或目录的所属群组；</a:t>
-            </a:r>
-            <a:endParaRPr lang="en-US" altLang="zh-CN" sz="2000" dirty="0"/>
-          </a:p>
-          <a:p>
-            <a:pPr marL="0" indent="0">
-              <a:buNone/>
-            </a:pPr>
-            <a:r>
-              <a:rPr lang="en-US" altLang="zh-CN" sz="2000" dirty="0"/>
-              <a:t>    o </a:t>
-            </a:r>
-            <a:r>
-              <a:rPr lang="zh-CN" altLang="en-US" sz="2000" dirty="0"/>
-              <a:t>代表</a:t>
-            </a:r>
-            <a:r>
-              <a:rPr lang="en-US" altLang="zh-CN" sz="2000" dirty="0"/>
-              <a:t>Other</a:t>
-            </a:r>
-            <a:r>
-              <a:rPr lang="zh-CN" altLang="en-US" sz="2000" dirty="0"/>
-              <a:t>，即除了文件或目录所有者或所属群组之外，其他的用户；</a:t>
-            </a:r>
-            <a:endParaRPr lang="en-US" altLang="zh-CN" sz="2000" dirty="0"/>
-          </a:p>
-          <a:p>
-            <a:pPr marL="0" indent="0">
-              <a:buNone/>
-            </a:pPr>
-            <a:r>
-              <a:rPr lang="en-US" altLang="zh-CN" sz="2000" dirty="0"/>
-              <a:t>    a </a:t>
-            </a:r>
-            <a:r>
-              <a:rPr lang="zh-CN" altLang="en-US" sz="2000" dirty="0"/>
-              <a:t>代表</a:t>
-            </a:r>
-            <a:r>
-              <a:rPr lang="en-US" altLang="zh-CN" sz="2000" dirty="0"/>
-              <a:t>All</a:t>
-            </a:r>
-            <a:r>
-              <a:rPr lang="zh-CN" altLang="en-US" sz="2000" dirty="0"/>
-              <a:t>，即全体用户，包含所有者、所属群组以及其他用户；</a:t>
-            </a:r>
-            <a:endParaRPr lang="en-US" altLang="zh-CN" sz="2000" dirty="0"/>
-          </a:p>
-          <a:p>
-            <a:pPr marL="0" indent="0">
-              <a:buNone/>
-            </a:pPr>
-            <a:r>
-              <a:rPr lang="en-US" altLang="zh-CN" sz="2000" dirty="0"/>
-              <a:t>    r </a:t>
-            </a:r>
-            <a:r>
-              <a:rPr lang="zh-CN" altLang="en-US" sz="2000" dirty="0"/>
-              <a:t>代表读取权限，数字代号为“</a:t>
-            </a:r>
-            <a:r>
-              <a:rPr lang="en-US" altLang="zh-CN" sz="2000" dirty="0"/>
-              <a:t>4”</a:t>
-            </a:r>
-            <a:r>
-              <a:rPr lang="zh-CN" altLang="en-US" sz="2000" dirty="0"/>
-              <a:t>；</a:t>
-            </a:r>
-            <a:endParaRPr lang="en-US" altLang="zh-CN" sz="2000" dirty="0"/>
-          </a:p>
-          <a:p>
-            <a:pPr marL="0" indent="0">
-              <a:buNone/>
-            </a:pPr>
-            <a:r>
-              <a:rPr lang="en-US" altLang="zh-CN" sz="2000" dirty="0"/>
-              <a:t>    w</a:t>
-            </a:r>
-            <a:r>
-              <a:rPr lang="zh-CN" altLang="en-US" sz="2000" dirty="0"/>
-              <a:t> 代表写入权限，数字代号为“</a:t>
-            </a:r>
-            <a:r>
-              <a:rPr lang="en-US" altLang="zh-CN" sz="2000" dirty="0"/>
-              <a:t>2”</a:t>
-            </a:r>
-            <a:r>
-              <a:rPr lang="zh-CN" altLang="en-US" sz="2000" dirty="0"/>
-              <a:t>；</a:t>
-            </a:r>
-            <a:endParaRPr lang="en-US" altLang="zh-CN" sz="2000" dirty="0"/>
-          </a:p>
-          <a:p>
-            <a:pPr marL="0" indent="0">
-              <a:buNone/>
-            </a:pPr>
-            <a:r>
-              <a:rPr lang="en-US" altLang="zh-CN" sz="2000" dirty="0"/>
-              <a:t>    x </a:t>
-            </a:r>
-            <a:r>
-              <a:rPr lang="zh-CN" altLang="en-US" sz="2000" dirty="0"/>
-              <a:t>代表执行或进入权限，数字代号为“</a:t>
-            </a:r>
-            <a:r>
-              <a:rPr lang="en-US" altLang="zh-CN" sz="2000" dirty="0"/>
-              <a:t>1” </a:t>
-            </a:r>
-            <a:r>
-              <a:rPr lang="zh-CN" altLang="en-US" sz="2000" dirty="0"/>
-              <a:t>；</a:t>
-            </a:r>
-            <a:endParaRPr lang="en-US" altLang="zh-CN" sz="2000" dirty="0"/>
-          </a:p>
-          <a:p>
-            <a:pPr marL="0" indent="0">
-              <a:buNone/>
-            </a:pPr>
-            <a:r>
-              <a:rPr lang="en-US" altLang="zh-CN" sz="2000" dirty="0"/>
-              <a:t>    - </a:t>
-            </a:r>
-            <a:r>
-              <a:rPr lang="zh-CN" altLang="en-US" sz="2000" dirty="0"/>
-              <a:t>代表不具任何权限，数字代号为“</a:t>
-            </a:r>
-            <a:r>
-              <a:rPr lang="en-US" altLang="zh-CN" sz="2000" dirty="0"/>
-              <a:t>0” </a:t>
-            </a:r>
-            <a:r>
-              <a:rPr lang="zh-CN" altLang="en-US" sz="2000" dirty="0"/>
-              <a:t>；</a:t>
-            </a:r>
-            <a:endParaRPr lang="en-US" altLang="zh-CN" sz="2000" dirty="0"/>
-          </a:p>
-          <a:p>
-            <a:pPr marL="0" indent="0">
-              <a:buNone/>
-            </a:pPr>
-            <a:r>
-              <a:rPr lang="en-US" altLang="zh-CN" sz="2000" dirty="0"/>
-              <a:t>    + </a:t>
-            </a:r>
-            <a:r>
-              <a:rPr lang="zh-CN" altLang="en-US" sz="2000" dirty="0"/>
-              <a:t>代表添加权限；</a:t>
-            </a:r>
-            <a:endParaRPr lang="en-US" altLang="zh-CN" sz="2000" dirty="0"/>
-          </a:p>
-          <a:p>
-            <a:pPr marL="0" indent="0">
-              <a:buNone/>
-            </a:pPr>
-            <a:r>
-              <a:rPr lang="zh-CN" altLang="en-US" sz="2000" dirty="0"/>
-              <a:t>    －（减号）代表去除权限；</a:t>
-            </a:r>
-            <a:endParaRPr lang="en-US" altLang="zh-CN" sz="2000" dirty="0"/>
-          </a:p>
-          <a:p>
-            <a:pPr marL="0" indent="0">
-              <a:buNone/>
-            </a:pPr>
-            <a:r>
-              <a:rPr lang="en-US" altLang="zh-CN" sz="2000" dirty="0"/>
-              <a:t>     = </a:t>
-            </a:r>
-            <a:r>
-              <a:rPr lang="zh-CN" altLang="en-US" sz="2000" dirty="0"/>
-              <a:t>代表重新赋权；</a:t>
-            </a:r>
-            <a:endParaRPr lang="en-US" altLang="zh-CN" sz="2000" dirty="0"/>
-          </a:p>
-        </p:txBody>
-      </p:sp>
-    </p:spTree>
-    <p:extLst>
-      <p:ext uri="{BB962C8B-B14F-4D97-AF65-F5344CB8AC3E}">
-        <p14:creationId xmlns:p14="http://schemas.microsoft.com/office/powerpoint/2010/main" val="3473480686"/>
-      </p:ext>
-    </p:extLst>
-  </p:cSld>
-  <p:clrMapOvr>
-    <a:masterClrMapping/>
-  </p:clrMapOvr>
-</p:sld>
-</file>
-
-<file path=ppt/slides/slide12.xml><?xml version="1.0" encoding="utf-8"?>
-<p:sld xmlns:a="http://schemas.openxmlformats.org/drawingml/2006/main" xmlns:r="http://schemas.openxmlformats.org/officeDocument/2006/relationships" xmlns:p="http://schemas.openxmlformats.org/presentationml/2006/main">
-  <p:cSld>
-    <p:spTree>
-      <p:nvGrpSpPr>
-        <p:cNvPr id="1" name=""/>
-        <p:cNvGrpSpPr/>
-        <p:nvPr/>
-      </p:nvGrpSpPr>
-      <p:grpSpPr>
-        <a:xfrm>
-          <a:off x="0" y="0"/>
-          <a:ext cx="0" cy="0"/>
-          <a:chOff x="0" y="0"/>
-          <a:chExt cx="0" cy="0"/>
-        </a:xfrm>
-      </p:grpSpPr>
-      <p:sp>
-        <p:nvSpPr>
-          <p:cNvPr id="2" name="标题 1">
-            <a:extLst>
-              <a:ext uri="{FF2B5EF4-FFF2-40B4-BE49-F238E27FC236}">
-                <a16:creationId xmlns:a16="http://schemas.microsoft.com/office/drawing/2014/main" id="{8B88BACC-24DE-4087-9AB3-A099CF573089}"/>
-              </a:ext>
-            </a:extLst>
-          </p:cNvPr>
-          <p:cNvSpPr>
-            <a:spLocks noGrp="1"/>
-          </p:cNvSpPr>
-          <p:nvPr>
-            <p:ph type="title"/>
-          </p:nvPr>
-        </p:nvSpPr>
-        <p:spPr/>
-        <p:txBody>
-          <a:bodyPr/>
-          <a:lstStyle/>
-          <a:p>
-            <a:r>
-              <a:rPr lang="zh-CN" altLang="en-US" dirty="0"/>
-              <a:t>更改权限示例</a:t>
-            </a:r>
-          </a:p>
-        </p:txBody>
-      </p:sp>
-      <p:sp>
-        <p:nvSpPr>
-          <p:cNvPr id="3" name="内容占位符 2">
-            <a:extLst>
-              <a:ext uri="{FF2B5EF4-FFF2-40B4-BE49-F238E27FC236}">
-                <a16:creationId xmlns:a16="http://schemas.microsoft.com/office/drawing/2014/main" id="{0A1C6B17-780B-4799-8193-E52FD817AC0E}"/>
-              </a:ext>
-            </a:extLst>
-          </p:cNvPr>
-          <p:cNvSpPr>
-            <a:spLocks noGrp="1"/>
-          </p:cNvSpPr>
-          <p:nvPr>
-            <p:ph idx="1"/>
-          </p:nvPr>
-        </p:nvSpPr>
-        <p:spPr/>
-        <p:txBody>
-          <a:bodyPr>
-            <a:normAutofit/>
-          </a:bodyPr>
-          <a:lstStyle/>
-          <a:p>
-            <a:r>
-              <a:rPr lang="en-US" altLang="zh-CN" sz="2000" dirty="0" err="1"/>
-              <a:t>chmod</a:t>
-            </a:r>
-            <a:r>
-              <a:rPr lang="en-US" altLang="zh-CN" sz="2000" dirty="0"/>
-              <a:t> 755 test              </a:t>
-            </a:r>
-          </a:p>
-          <a:p>
-            <a:r>
-              <a:rPr lang="en-US" altLang="zh-CN" sz="2000" dirty="0" err="1"/>
-              <a:t>chmod</a:t>
-            </a:r>
-            <a:r>
-              <a:rPr lang="en-US" altLang="zh-CN" sz="2000" dirty="0"/>
-              <a:t> </a:t>
-            </a:r>
-            <a:r>
-              <a:rPr lang="en-US" altLang="zh-CN" sz="2000" dirty="0" err="1"/>
-              <a:t>u+x,g+w</a:t>
-            </a:r>
-            <a:r>
-              <a:rPr lang="en-US" altLang="zh-CN" sz="2000" dirty="0"/>
-              <a:t> test</a:t>
-            </a:r>
-            <a:r>
-              <a:rPr lang="zh-CN" altLang="en-US" sz="2000" dirty="0"/>
-              <a:t>　　</a:t>
-            </a:r>
-            <a:endParaRPr lang="en-US" altLang="zh-CN" sz="2000" dirty="0"/>
-          </a:p>
-          <a:p>
-            <a:r>
-              <a:rPr lang="en-US" altLang="zh-CN" sz="2000" dirty="0" err="1"/>
-              <a:t>chmod</a:t>
-            </a:r>
-            <a:r>
-              <a:rPr lang="en-US" altLang="zh-CN" sz="2000" dirty="0"/>
-              <a:t> u=</a:t>
-            </a:r>
-            <a:r>
-              <a:rPr lang="en-US" altLang="zh-CN" sz="2000" dirty="0" err="1"/>
-              <a:t>rwx,g</a:t>
-            </a:r>
-            <a:r>
-              <a:rPr lang="en-US" altLang="zh-CN" sz="2000" dirty="0"/>
-              <a:t>=</a:t>
-            </a:r>
-            <a:r>
-              <a:rPr lang="en-US" altLang="zh-CN" sz="2000" dirty="0" err="1"/>
-              <a:t>rw,o</a:t>
-            </a:r>
-            <a:r>
-              <a:rPr lang="en-US" altLang="zh-CN" sz="2000" dirty="0"/>
-              <a:t>=r test</a:t>
-            </a:r>
-          </a:p>
-          <a:p>
-            <a:r>
-              <a:rPr lang="en-US" altLang="zh-CN" sz="2000" dirty="0" err="1"/>
-              <a:t>chmod</a:t>
-            </a:r>
-            <a:r>
-              <a:rPr lang="en-US" altLang="zh-CN" sz="2000" dirty="0"/>
-              <a:t> </a:t>
-            </a:r>
-            <a:r>
-              <a:rPr lang="en-US" altLang="zh-CN" sz="2000" dirty="0" err="1"/>
-              <a:t>a+x</a:t>
-            </a:r>
-            <a:r>
-              <a:rPr lang="en-US" altLang="zh-CN" sz="2000" dirty="0"/>
-              <a:t> test</a:t>
-            </a:r>
-          </a:p>
-          <a:p>
-            <a:r>
-              <a:rPr lang="en-US" altLang="zh-CN" sz="2000" dirty="0" err="1"/>
-              <a:t>chmod</a:t>
-            </a:r>
-            <a:r>
-              <a:rPr lang="en-US" altLang="zh-CN" sz="2000" dirty="0"/>
-              <a:t> +x test </a:t>
-            </a:r>
-            <a:r>
-              <a:rPr lang="zh-CN" altLang="en-US" sz="2000" dirty="0"/>
-              <a:t>对全体用户和组生效　</a:t>
-            </a:r>
-            <a:endParaRPr lang="en-US" altLang="zh-CN" sz="2000" dirty="0"/>
-          </a:p>
-          <a:p>
-            <a:r>
-              <a:rPr lang="en-US" altLang="zh-CN" sz="2000" dirty="0" err="1"/>
-              <a:t>chmod</a:t>
-            </a:r>
-            <a:r>
-              <a:rPr lang="en-US" altLang="zh-CN" sz="2000" dirty="0"/>
-              <a:t> 755 -R &lt;DIR&gt; </a:t>
-            </a:r>
-            <a:r>
-              <a:rPr lang="zh-CN" altLang="en-US" sz="2000" dirty="0"/>
-              <a:t>：以递归方式对目录及文件和子目录更改权限。</a:t>
-            </a:r>
-            <a:endParaRPr lang="en-US" altLang="zh-CN" sz="2000" dirty="0"/>
-          </a:p>
-          <a:p>
-            <a:r>
-              <a:rPr lang="zh-CN" altLang="en-US" sz="2000" dirty="0"/>
-              <a:t>更改文件权限的操作仅限于当前用户的文件，更改其他用户的文件权限需要管理员或文件所属用户的权限。</a:t>
-            </a:r>
-            <a:r>
-              <a:rPr lang="en-US" altLang="zh-CN" sz="2000" dirty="0"/>
-              <a:t>root</a:t>
-            </a:r>
-            <a:r>
-              <a:rPr lang="zh-CN" altLang="en-US" sz="2000" dirty="0"/>
-              <a:t>用户的文件需要获取</a:t>
-            </a:r>
-            <a:r>
-              <a:rPr lang="en-US" altLang="zh-CN" sz="2000" dirty="0"/>
-              <a:t>root</a:t>
-            </a:r>
-            <a:r>
-              <a:rPr lang="zh-CN" altLang="en-US" sz="2000" dirty="0"/>
-              <a:t>权限才可以更改文件权限。</a:t>
-            </a:r>
-            <a:endParaRPr lang="en-US" altLang="zh-CN" sz="2000" dirty="0"/>
-          </a:p>
-          <a:p>
-            <a:r>
-              <a:rPr lang="zh-CN" altLang="en-US" sz="2000" dirty="0"/>
-              <a:t>符号连接的权限无法变更，如果用户对符号连接修改权限，其权限改变会作用在被连接的文件上，但符号连接文件本身的权限。</a:t>
-            </a:r>
-            <a:endParaRPr lang="en-US" altLang="zh-CN" sz="2000" dirty="0"/>
-          </a:p>
-          <a:p>
-            <a:r>
-              <a:rPr lang="zh-CN" altLang="en-US" sz="2000" dirty="0"/>
-              <a:t>符号连接文件是一个特殊的文件，给符号连接文件变更权限是没有意义的。如果用户对符号连接文件修改权限，其效果会作用到被连接的原始文件上，而符号连接文件本身的权限不会改变。</a:t>
-            </a:r>
-            <a:endParaRPr lang="en-US" altLang="zh-CN" sz="2000" dirty="0"/>
-          </a:p>
-        </p:txBody>
-      </p:sp>
-    </p:spTree>
-    <p:extLst>
-      <p:ext uri="{BB962C8B-B14F-4D97-AF65-F5344CB8AC3E}">
-        <p14:creationId xmlns:p14="http://schemas.microsoft.com/office/powerpoint/2010/main" val="3466496868"/>
-      </p:ext>
-    </p:extLst>
-  </p:cSld>
-  <p:clrMapOvr>
-    <a:masterClrMapping/>
-  </p:clrMapOvr>
-</p:sld>
-</file>
-
-<file path=ppt/slides/slide13.xml><?xml version="1.0" encoding="utf-8"?>
-<p:sld xmlns:a="http://schemas.openxmlformats.org/drawingml/2006/main" xmlns:r="http://schemas.openxmlformats.org/officeDocument/2006/relationships" xmlns:p="http://schemas.openxmlformats.org/presentationml/2006/main">
-  <p:cSld>
-    <p:spTree>
-      <p:nvGrpSpPr>
-        <p:cNvPr id="1" name=""/>
-        <p:cNvGrpSpPr/>
-        <p:nvPr/>
-      </p:nvGrpSpPr>
-      <p:grpSpPr>
-        <a:xfrm>
-          <a:off x="0" y="0"/>
-          <a:ext cx="0" cy="0"/>
-          <a:chOff x="0" y="0"/>
-          <a:chExt cx="0" cy="0"/>
-        </a:xfrm>
-      </p:grpSpPr>
-      <p:sp>
-        <p:nvSpPr>
-          <p:cNvPr id="2" name="标题 1">
-            <a:extLst>
-              <a:ext uri="{FF2B5EF4-FFF2-40B4-BE49-F238E27FC236}">
-                <a16:creationId xmlns:a16="http://schemas.microsoft.com/office/drawing/2014/main" id="{8B88BACC-24DE-4087-9AB3-A099CF573089}"/>
-              </a:ext>
-            </a:extLst>
-          </p:cNvPr>
-          <p:cNvSpPr>
-            <a:spLocks noGrp="1"/>
-          </p:cNvSpPr>
-          <p:nvPr>
-            <p:ph type="title"/>
-          </p:nvPr>
-        </p:nvSpPr>
-        <p:spPr/>
-        <p:txBody>
-          <a:bodyPr/>
-          <a:lstStyle/>
-          <a:p>
-            <a:r>
-              <a:rPr lang="zh-CN" altLang="en-US" dirty="0"/>
-              <a:t>更改文件所属用户与所属组：</a:t>
-            </a:r>
-            <a:r>
-              <a:rPr lang="en-US" altLang="zh-CN" dirty="0" err="1"/>
-              <a:t>chown</a:t>
-            </a:r>
-            <a:endParaRPr lang="zh-CN" altLang="en-US" dirty="0"/>
-          </a:p>
-        </p:txBody>
-      </p:sp>
-      <p:sp>
-        <p:nvSpPr>
-          <p:cNvPr id="3" name="内容占位符 2">
-            <a:extLst>
-              <a:ext uri="{FF2B5EF4-FFF2-40B4-BE49-F238E27FC236}">
-                <a16:creationId xmlns:a16="http://schemas.microsoft.com/office/drawing/2014/main" id="{0A1C6B17-780B-4799-8193-E52FD817AC0E}"/>
-              </a:ext>
-            </a:extLst>
-          </p:cNvPr>
-          <p:cNvSpPr>
-            <a:spLocks noGrp="1"/>
-          </p:cNvSpPr>
-          <p:nvPr>
-            <p:ph idx="1"/>
-          </p:nvPr>
-        </p:nvSpPr>
-        <p:spPr/>
-        <p:txBody>
-          <a:bodyPr/>
-          <a:lstStyle/>
-          <a:p>
-            <a:r>
-              <a:rPr lang="zh-CN" altLang="en-US" sz="2000" dirty="0"/>
-              <a:t>格式：</a:t>
-            </a:r>
-            <a:r>
-              <a:rPr lang="en-US" altLang="zh-CN" sz="2000" dirty="0"/>
-              <a:t> </a:t>
-            </a:r>
-            <a:r>
-              <a:rPr lang="en-US" altLang="zh-CN" sz="2000" dirty="0" err="1"/>
-              <a:t>chown</a:t>
-            </a:r>
-            <a:r>
-              <a:rPr lang="en-US" altLang="zh-CN" sz="2000" dirty="0"/>
-              <a:t> [OWNER][:[GROUP]] FILE...</a:t>
-            </a:r>
-          </a:p>
-          <a:p>
-            <a:r>
-              <a:rPr lang="zh-CN" altLang="en-US" sz="2000" dirty="0"/>
-              <a:t>如果只指定用户，则只改变文件所有者；如果是 </a:t>
-            </a:r>
-            <a:r>
-              <a:rPr lang="en-US" altLang="zh-CN" sz="2000" dirty="0"/>
-              <a:t>OWNER:GROUP </a:t>
-            </a:r>
-            <a:r>
-              <a:rPr lang="zh-CN" altLang="en-US" sz="2000" dirty="0"/>
-              <a:t>形式，则同时改变文件的所有者和所属组；如果是 </a:t>
-            </a:r>
-            <a:r>
-              <a:rPr lang="en-US" altLang="zh-CN" sz="2000" dirty="0"/>
-              <a:t>OWNER: </a:t>
-            </a:r>
-            <a:r>
-              <a:rPr lang="zh-CN" altLang="en-US" sz="2000" dirty="0"/>
-              <a:t>形式，则改变文件的所有者，同时把文件所属组改为该用户的基本组；如果是 </a:t>
-            </a:r>
-            <a:r>
-              <a:rPr lang="en-US" altLang="zh-CN" sz="2000" dirty="0"/>
-              <a:t>:GROUP </a:t>
-            </a:r>
-            <a:r>
-              <a:rPr lang="zh-CN" altLang="en-US" sz="2000" dirty="0"/>
-              <a:t>形式，则只改变文件的所属组，在这种情况下，功能等同于</a:t>
-            </a:r>
-            <a:r>
-              <a:rPr lang="en-US" altLang="zh-CN" sz="2000" dirty="0" err="1"/>
-              <a:t>chgrp</a:t>
-            </a:r>
-            <a:r>
-              <a:rPr lang="zh-CN" altLang="en-US" sz="2000" dirty="0"/>
-              <a:t>。</a:t>
-            </a:r>
-            <a:endParaRPr lang="en-US" altLang="zh-CN" sz="2000" dirty="0"/>
-          </a:p>
-          <a:p>
-            <a:r>
-              <a:rPr lang="en-US" altLang="zh-CN" sz="2000" dirty="0"/>
-              <a:t>-R </a:t>
-            </a:r>
-            <a:r>
-              <a:rPr lang="zh-CN" altLang="en-US" sz="2000"/>
-              <a:t>以递归方式对目录和文件进行操作</a:t>
-            </a:r>
-            <a:endParaRPr lang="en-US" altLang="zh-CN" sz="2000" dirty="0"/>
-          </a:p>
-        </p:txBody>
-      </p:sp>
-    </p:spTree>
-    <p:extLst>
-      <p:ext uri="{BB962C8B-B14F-4D97-AF65-F5344CB8AC3E}">
-        <p14:creationId xmlns:p14="http://schemas.microsoft.com/office/powerpoint/2010/main" val="3129173604"/>
-      </p:ext>
-    </p:extLst>
-  </p:cSld>
-  <p:clrMapOvr>
-    <a:masterClrMapping/>
-  </p:clrMapOvr>
-</p:sld>
-</file>
-
-<file path=ppt/slides/slide14.xml><?xml version="1.0" encoding="utf-8"?>
-<p:sld xmlns:a="http://schemas.openxmlformats.org/drawingml/2006/main" xmlns:r="http://schemas.openxmlformats.org/officeDocument/2006/relationships" xmlns:p="http://schemas.openxmlformats.org/presentationml/2006/main">
-  <p:cSld>
-    <p:spTree>
-      <p:nvGrpSpPr>
-        <p:cNvPr id="1" name=""/>
-        <p:cNvGrpSpPr/>
-        <p:nvPr/>
-      </p:nvGrpSpPr>
-      <p:grpSpPr>
-        <a:xfrm>
-          <a:off x="0" y="0"/>
-          <a:ext cx="0" cy="0"/>
-          <a:chOff x="0" y="0"/>
-          <a:chExt cx="0" cy="0"/>
-        </a:xfrm>
-      </p:grpSpPr>
-      <p:sp>
-        <p:nvSpPr>
-          <p:cNvPr id="2" name="标题 1">
-            <a:extLst>
-              <a:ext uri="{FF2B5EF4-FFF2-40B4-BE49-F238E27FC236}">
-                <a16:creationId xmlns:a16="http://schemas.microsoft.com/office/drawing/2014/main" id="{8B88BACC-24DE-4087-9AB3-A099CF573089}"/>
-              </a:ext>
-            </a:extLst>
-          </p:cNvPr>
-          <p:cNvSpPr>
-            <a:spLocks noGrp="1"/>
-          </p:cNvSpPr>
-          <p:nvPr>
-            <p:ph type="title"/>
-          </p:nvPr>
-        </p:nvSpPr>
-        <p:spPr/>
-        <p:txBody>
-          <a:bodyPr/>
-          <a:lstStyle/>
-          <a:p>
-            <a:r>
-              <a:rPr lang="zh-CN" altLang="en-US" dirty="0"/>
               <a:t>连接：</a:t>
             </a:r>
             <a:r>
@@ -8267,7 +7489,7 @@
 </p:sld>
 </file>
 
-<file path=ppt/slides/slide15.xml><?xml version="1.0" encoding="utf-8"?>
+<file path=ppt/slides/slide12.xml><?xml version="1.0" encoding="utf-8"?>
 <p:sld xmlns:a="http://schemas.openxmlformats.org/drawingml/2006/main" xmlns:r="http://schemas.openxmlformats.org/officeDocument/2006/relationships" xmlns:p="http://schemas.openxmlformats.org/presentationml/2006/main">
   <p:cSld>
     <p:spTree>
@@ -8454,21 +7676,8 @@
           <a:p>
             <a:r>
               <a:rPr lang="zh-CN" altLang="en-US" dirty="0"/>
-              <a:t>块（</a:t>
-            </a:r>
-            <a:r>
-              <a:rPr lang="en-US" altLang="zh-CN" dirty="0"/>
-              <a:t>block</a:t>
-            </a:r>
-            <a:r>
-              <a:rPr lang="zh-CN" altLang="en-US" dirty="0"/>
-              <a:t>）、</a:t>
-            </a:r>
-            <a:r>
-              <a:rPr lang="en-US" altLang="zh-CN" dirty="0" err="1"/>
-              <a:t>inode</a:t>
-            </a:r>
-            <a:endParaRPr lang="zh-CN" altLang="en-US" dirty="0"/>
+              <a:t>目录</a:t>
+            </a:r>
           </a:p>
         </p:txBody>
       </p:sp>
@@ -8490,9 +7699,7 @@
         </p:nvSpPr>
         <p:spPr/>
         <p:txBody>
-          <a:bodyPr>
-            <a:noAutofit/>
-          </a:bodyPr>
+          <a:bodyPr/>
           <a:lstStyle/>
           <a:p>
             <a:pPr>
@@ -8502,43 +7709,7 @@
             </a:pPr>
             <a:r>
               <a:rPr lang="zh-CN" altLang="en-US" sz="2000" dirty="0"/>
-              <a:t>块（</a:t>
-            </a:r>
-            <a:r>
-              <a:rPr lang="en-US" altLang="zh-CN" sz="2000" dirty="0"/>
-              <a:t> block </a:t>
-            </a:r>
-            <a:r>
-              <a:rPr lang="zh-CN" altLang="en-US" sz="2000" dirty="0"/>
-              <a:t>）是文件系统进行数据管理的基本单位。在</a:t>
-            </a:r>
-            <a:r>
-              <a:rPr lang="en-US" altLang="zh-CN" sz="2000" dirty="0"/>
-              <a:t>ext4</a:t>
-            </a:r>
-            <a:r>
-              <a:rPr lang="zh-CN" altLang="en-US" sz="2000" dirty="0"/>
-              <a:t>文件系统中，一个块的大小是</a:t>
-            </a:r>
-            <a:r>
-              <a:rPr lang="en-US" altLang="zh-CN" sz="2000" dirty="0"/>
-              <a:t>4096</a:t>
-            </a:r>
-            <a:r>
-              <a:rPr lang="zh-CN" altLang="en-US" sz="2000" dirty="0"/>
-              <a:t>字节。</a:t>
-            </a:r>
-            <a:endParaRPr lang="en-US" altLang="zh-CN" sz="2000" dirty="0"/>
-          </a:p>
-          <a:p>
-            <a:pPr>
-              <a:lnSpc>
-                <a:spcPct val="100000"/>
-              </a:lnSpc>
-            </a:pPr>
-            <a:r>
-              <a:rPr lang="zh-CN" altLang="en-US" sz="2000" dirty="0"/>
-              <a:t>硬盘格式化的时候，存储空间主要被分成两个区域，一个是数据区，存放文件数据；另一个是</a:t>
+              <a:t>目录也是文件，也有对应的</a:t>
             </a:r>
             <a:r>
               <a:rPr lang="en-US" altLang="zh-CN" sz="2000" dirty="0" err="1"/>
@@ -8546,55 +7717,15 @@
             </a:r>
             <a:r>
               <a:rPr lang="zh-CN" altLang="en-US" sz="2000" dirty="0"/>
-              <a:t>区（</a:t>
+              <a:t>和数据块。打开目录，实际上就是打开目录文件。目录文件的结构非常简单，就是一系列目录项的列表。每个目录项，由两部分组成：所包含文件的文件名，以及该文件名对应的</a:t>
             </a:r>
             <a:r>
               <a:rPr lang="en-US" altLang="zh-CN" sz="2000" dirty="0" err="1"/>
               <a:t>inode</a:t>
             </a:r>
             <a:r>
-              <a:rPr lang="en-US" altLang="zh-CN" sz="2000" dirty="0"/>
-              <a:t> table</a:t>
-            </a:r>
-            <a:r>
-              <a:rPr lang="zh-CN" altLang="en-US" sz="2000" dirty="0"/>
-              <a:t>），存放</a:t>
-            </a:r>
-            <a:r>
-              <a:rPr lang="en-US" altLang="zh-CN" sz="2000" dirty="0" err="1"/>
-              <a:t>inode</a:t>
-            </a:r>
-            <a:r>
-              <a:rPr lang="zh-CN" altLang="en-US" sz="2000" dirty="0"/>
-              <a:t>所包含的信息。这样，一些块被</a:t>
-            </a:r>
-            <a:r>
-              <a:rPr lang="en-US" altLang="zh-CN" sz="2000" dirty="0" err="1"/>
-              <a:t>inode</a:t>
-            </a:r>
-            <a:r>
-              <a:rPr lang="zh-CN" altLang="en-US" sz="2000" dirty="0"/>
-              <a:t>表（</a:t>
-            </a:r>
-            <a:r>
-              <a:rPr lang="en-US" altLang="zh-CN" sz="2000" dirty="0" err="1"/>
-              <a:t>inode</a:t>
-            </a:r>
-            <a:r>
-              <a:rPr lang="en-US" altLang="zh-CN" sz="2000" dirty="0"/>
-              <a:t> table</a:t>
-            </a:r>
-            <a:r>
-              <a:rPr lang="zh-CN" altLang="en-US" sz="2000" dirty="0"/>
-              <a:t>）使用，剩下的块用来存放文件数据，这些块被称为数据块（</a:t>
-            </a:r>
-            <a:r>
-              <a:rPr lang="en-US" altLang="zh-CN" sz="2000" dirty="0"/>
-              <a:t>data block</a:t>
-            </a:r>
-            <a:r>
-              <a:rPr lang="zh-CN" altLang="en-US" sz="2000" dirty="0"/>
-              <a:t>）。</a:t>
+              <a:rPr lang="zh-CN" altLang="en-US" sz="2000" dirty="0"/>
+              <a:t>号码（在这里，子目录也是以文件来对待）。</a:t>
             </a:r>
             <a:endParaRPr lang="en-US" altLang="zh-CN" sz="2000" dirty="0"/>
           </a:p>
@@ -8628,6 +7759,42 @@
                 <a:spcPct val="100000"/>
               </a:lnSpc>
             </a:pPr>
+            <a:r>
+              <a:rPr lang="zh-CN" altLang="en-US" sz="2000" dirty="0"/>
+              <a:t>通过挂载点的信息找到根目录的</a:t>
+            </a:r>
+            <a:r>
+              <a:rPr lang="en-US" altLang="zh-CN" sz="2000" dirty="0" err="1"/>
+              <a:t>inode</a:t>
+            </a:r>
+            <a:r>
+              <a:rPr lang="zh-CN" altLang="en-US" sz="2000" dirty="0"/>
+              <a:t>号码为</a:t>
+            </a:r>
+            <a:r>
+              <a:rPr lang="en-US" altLang="zh-CN" sz="2000" dirty="0"/>
+              <a:t>2</a:t>
+            </a:r>
+            <a:r>
+              <a:rPr lang="zh-CN" altLang="en-US" sz="2000" dirty="0"/>
+              <a:t>，通过号码为</a:t>
+            </a:r>
+            <a:r>
+              <a:rPr lang="en-US" altLang="zh-CN" sz="2000" dirty="0"/>
+              <a:t>2</a:t>
+            </a:r>
+            <a:r>
+              <a:rPr lang="zh-CN" altLang="en-US" sz="2000" dirty="0"/>
+              <a:t>的</a:t>
+            </a:r>
+            <a:r>
+              <a:rPr lang="en-US" altLang="zh-CN" sz="2000" dirty="0" err="1"/>
+              <a:t>inode</a:t>
+            </a:r>
+            <a:r>
+              <a:rPr lang="zh-CN" altLang="en-US" sz="2000" dirty="0"/>
+              <a:t>指向的数据块，读取根目录文件的数据项，这样一步一步，就构建了硬盘文件系统完整的目录树。</a:t>
+            </a:r>
             <a:endParaRPr lang="en-US" altLang="zh-CN" sz="2000" dirty="0"/>
           </a:p>
           <a:p>
@@ -8636,21 +7803,17 @@
                 <a:spcPct val="100000"/>
               </a:lnSpc>
             </a:pPr>
-            <a:endParaRPr lang="en-US" altLang="zh-CN" sz="2000" dirty="0"/>
-          </a:p>
-          <a:p>
-            <a:pPr>
-              <a:lnSpc>
-                <a:spcPct val="100000"/>
-              </a:lnSpc>
-            </a:pPr>
+            <a:r>
+              <a:rPr lang="zh-CN" altLang="en-US" sz="2000" dirty="0"/>
+              <a:t>根目录的父目录是自己</a:t>
+            </a:r>
             <a:endParaRPr lang="en-US" altLang="zh-CN" sz="2000" dirty="0"/>
           </a:p>
         </p:txBody>
       </p:sp>
       <p:pic>
         <p:nvPicPr>
-          <p:cNvPr id="1026" name="Picture 2" descr="https://images0.cnblogs.com/blog/413416/201402/250221581092754.png"/>
+          <p:cNvPr id="4100" name="Picture 4"/>
           <p:cNvPicPr>
             <a:picLocks noChangeAspect="1" noChangeArrowheads="1"/>
           </p:cNvPicPr>
@@ -8671,247 +7834,8 @@
         </p:blipFill>
         <p:spPr bwMode="auto">
           <a:xfrm>
-            <a:off x="1287559" y="3589342"/>
-            <a:ext cx="9616881" cy="2074611"/>
-          </a:xfrm>
-          <a:prstGeom prst="rect">
-            <a:avLst/>
-          </a:prstGeom>
-          <a:noFill/>
-          <a:extLst>
-            <a:ext uri="{909E8E84-426E-40DD-AFC4-6F175D3DCCD1}">
-              <a14:hiddenFill xmlns:a14="http://schemas.microsoft.com/office/drawing/2010/main">
-                <a:solidFill>
-                  <a:srgbClr val="FFFFFF"/>
-                </a:solidFill>
-              </a14:hiddenFill>
-            </a:ext>
-          </a:extLst>
-        </p:spPr>
-      </p:pic>
-    </p:spTree>
-    <p:extLst>
-      <p:ext uri="{BB962C8B-B14F-4D97-AF65-F5344CB8AC3E}">
-        <p14:creationId xmlns:p14="http://schemas.microsoft.com/office/powerpoint/2010/main" val="1384945451"/>
-      </p:ext>
-    </p:extLst>
-  </p:cSld>
-  <p:clrMapOvr>
-    <a:masterClrMapping/>
-  </p:clrMapOvr>
-</p:sld>
-</file>
-
-<file path=ppt/slides/slide3.xml><?xml version="1.0" encoding="utf-8"?>
-<p:sld xmlns:a="http://schemas.openxmlformats.org/drawingml/2006/main" xmlns:r="http://schemas.openxmlformats.org/officeDocument/2006/relationships" xmlns:p="http://schemas.openxmlformats.org/presentationml/2006/main">
-  <p:cSld>
-    <p:spTree>
-      <p:nvGrpSpPr>
-        <p:cNvPr id="1" name=""/>
-        <p:cNvGrpSpPr/>
-        <p:nvPr/>
-      </p:nvGrpSpPr>
-      <p:grpSpPr>
-        <a:xfrm>
-          <a:off x="0" y="0"/>
-          <a:ext cx="0" cy="0"/>
-          <a:chOff x="0" y="0"/>
-          <a:chExt cx="0" cy="0"/>
-        </a:xfrm>
-      </p:grpSpPr>
-      <p:sp>
-        <p:nvSpPr>
-          <p:cNvPr id="2" name="标题 1">
-            <a:extLst>
-              <a:ext uri="{FF2B5EF4-FFF2-40B4-BE49-F238E27FC236}">
-                <a16:creationId xmlns:a16="http://schemas.microsoft.com/office/drawing/2014/main" id="{8B88BACC-24DE-4087-9AB3-A099CF573089}"/>
-              </a:ext>
-            </a:extLst>
-          </p:cNvPr>
-          <p:cNvSpPr>
-            <a:spLocks noGrp="1"/>
-          </p:cNvSpPr>
-          <p:nvPr>
-            <p:ph type="title"/>
-          </p:nvPr>
-        </p:nvSpPr>
-        <p:spPr/>
-        <p:txBody>
-          <a:bodyPr/>
-          <a:lstStyle/>
-          <a:p>
-            <a:r>
-              <a:rPr lang="zh-CN" altLang="en-US" dirty="0"/>
-              <a:t>文件、数据块与</a:t>
-            </a:r>
-            <a:r>
-              <a:rPr lang="en-US" altLang="zh-CN" dirty="0" err="1"/>
-              <a:t>inode</a:t>
-            </a:r>
-            <a:endParaRPr lang="zh-CN" altLang="en-US" dirty="0"/>
-          </a:p>
-        </p:txBody>
-      </p:sp>
-      <p:sp>
-        <p:nvSpPr>
-          <p:cNvPr id="3" name="内容占位符 2">
-            <a:extLst>
-              <a:ext uri="{FF2B5EF4-FFF2-40B4-BE49-F238E27FC236}">
-                <a16:creationId xmlns:a16="http://schemas.microsoft.com/office/drawing/2014/main" id="{0A1C6B17-780B-4799-8193-E52FD817AC0E}"/>
-              </a:ext>
-            </a:extLst>
-          </p:cNvPr>
-          <p:cNvSpPr>
-            <a:spLocks noGrp="1"/>
-          </p:cNvSpPr>
-          <p:nvPr>
-            <p:ph idx="1"/>
-          </p:nvPr>
-        </p:nvSpPr>
-        <p:spPr/>
-        <p:txBody>
-          <a:bodyPr/>
-          <a:lstStyle/>
-          <a:p>
-            <a:r>
-              <a:rPr lang="zh-CN" altLang="en-US" sz="2000" dirty="0"/>
-              <a:t>每个数据块内最多只能放置一个文件的数据。如果文件大于数据块的大小，则一个文件会占用多个数据块。如果文件大小不能被</a:t>
-            </a:r>
-            <a:r>
-              <a:rPr lang="en-US" altLang="zh-CN" sz="2000" dirty="0"/>
-              <a:t>4096</a:t>
-            </a:r>
-            <a:r>
-              <a:rPr lang="zh-CN" altLang="en-US" sz="2000" dirty="0"/>
-              <a:t>整除，则最后一个数据块的部分空间会被浪费掉。</a:t>
-            </a:r>
-            <a:endParaRPr lang="en-US" altLang="zh-CN" sz="2000" dirty="0"/>
-          </a:p>
-          <a:p>
-            <a:r>
-              <a:rPr lang="zh-CN" altLang="en-US" sz="2000" dirty="0"/>
-              <a:t>每个文件都必须对应一个</a:t>
-            </a:r>
-            <a:r>
-              <a:rPr lang="en-US" altLang="zh-CN" sz="2000" dirty="0" err="1"/>
-              <a:t>inode</a:t>
-            </a:r>
-            <a:r>
-              <a:rPr lang="zh-CN" altLang="en-US" sz="2000" dirty="0"/>
-              <a:t>，每个</a:t>
-            </a:r>
-            <a:r>
-              <a:rPr lang="en-US" altLang="zh-CN" sz="2000" dirty="0" err="1"/>
-              <a:t>inode</a:t>
-            </a:r>
-            <a:r>
-              <a:rPr lang="zh-CN" altLang="en-US" sz="2000" dirty="0"/>
-              <a:t>都有一个号码。</a:t>
-            </a:r>
-            <a:r>
-              <a:rPr lang="en-US" altLang="zh-CN" sz="2000" dirty="0" err="1"/>
-              <a:t>inode</a:t>
-            </a:r>
-            <a:r>
-              <a:rPr lang="zh-CN" altLang="en-US" sz="2000" dirty="0"/>
-              <a:t>中保存了很多文件的元信息，比如文件类型、文件的字节数、文件拥有者的</a:t>
-            </a:r>
-            <a:r>
-              <a:rPr lang="en-US" altLang="zh-CN" sz="2000" dirty="0"/>
-              <a:t>User ID</a:t>
-            </a:r>
-            <a:r>
-              <a:rPr lang="zh-CN" altLang="en-US" sz="2000" dirty="0"/>
-              <a:t>、文件的</a:t>
-            </a:r>
-            <a:r>
-              <a:rPr lang="en-US" altLang="zh-CN" sz="2000" dirty="0"/>
-              <a:t>Group ID</a:t>
-            </a:r>
-            <a:r>
-              <a:rPr lang="zh-CN" altLang="en-US" sz="2000" dirty="0"/>
-              <a:t>、文件的读、写、执行权限、文件的时间戳、文件数据块的位置等。总之，除了文件名以外的所有文件信息，都存在</a:t>
-            </a:r>
-            <a:r>
-              <a:rPr lang="en-US" altLang="zh-CN" sz="2000" dirty="0" err="1"/>
-              <a:t>inode</a:t>
-            </a:r>
-            <a:r>
-              <a:rPr lang="zh-CN" altLang="en-US" sz="2000" dirty="0"/>
-              <a:t>之中。系统对文件的操作都是通过</a:t>
-            </a:r>
-            <a:r>
-              <a:rPr lang="en-US" altLang="zh-CN" sz="2000" dirty="0" err="1"/>
-              <a:t>inode</a:t>
-            </a:r>
-            <a:r>
-              <a:rPr lang="zh-CN" altLang="en-US" sz="2000" dirty="0"/>
-              <a:t>实现的。</a:t>
-            </a:r>
-            <a:endParaRPr lang="en-US" altLang="zh-CN" sz="2000" dirty="0"/>
-          </a:p>
-          <a:p>
-            <a:pPr>
-              <a:lnSpc>
-                <a:spcPct val="100000"/>
-              </a:lnSpc>
-            </a:pPr>
-            <a:endParaRPr lang="en-US" altLang="zh-CN" sz="2000" dirty="0"/>
-          </a:p>
-          <a:p>
-            <a:pPr>
-              <a:lnSpc>
-                <a:spcPct val="100000"/>
-              </a:lnSpc>
-            </a:pPr>
-            <a:endParaRPr lang="en-US" altLang="zh-CN" sz="2000" dirty="0"/>
-          </a:p>
-          <a:p>
-            <a:pPr>
-              <a:lnSpc>
-                <a:spcPct val="100000"/>
-              </a:lnSpc>
-            </a:pPr>
-            <a:endParaRPr lang="en-US" altLang="zh-CN" sz="2000" dirty="0"/>
-          </a:p>
-          <a:p>
-            <a:pPr>
-              <a:lnSpc>
-                <a:spcPct val="100000"/>
-              </a:lnSpc>
-            </a:pPr>
-            <a:endParaRPr lang="en-US" altLang="zh-CN" sz="2000" dirty="0"/>
-          </a:p>
-          <a:p>
-            <a:endParaRPr lang="en-US" altLang="zh-CN" sz="2000" dirty="0"/>
-          </a:p>
-        </p:txBody>
-      </p:sp>
-      <p:pic>
-        <p:nvPicPr>
-          <p:cNvPr id="5" name="Picture 3"/>
-          <p:cNvPicPr>
-            <a:picLocks noChangeAspect="1" noChangeArrowheads="1"/>
-          </p:cNvPicPr>
-          <p:nvPr/>
-        </p:nvPicPr>
-        <p:blipFill>
-          <a:blip r:embed="rId2">
-            <a:extLst>
-              <a:ext uri="{28A0092B-C50C-407E-A947-70E740481C1C}">
-                <a14:useLocalDpi xmlns:a14="http://schemas.microsoft.com/office/drawing/2010/main" val="0"/>
-              </a:ext>
-            </a:extLst>
-          </a:blip>
-          <a:srcRect/>
-          <a:stretch>
-            <a:fillRect/>
-          </a:stretch>
-        </p:blipFill>
-        <p:spPr bwMode="auto">
-          <a:xfrm>
-            <a:off x="1308914" y="4032536"/>
-            <a:ext cx="10128035" cy="2542832"/>
+            <a:off x="4672819" y="2803442"/>
+            <a:ext cx="3452028" cy="1091667"/>
           </a:xfrm>
           <a:prstGeom prst="rect">
             <a:avLst/>
@@ -8951,10 +7875,184 @@
           </a:extLst>
         </p:spPr>
       </p:pic>
+      <p:pic>
+        <p:nvPicPr>
+          <p:cNvPr id="5" name="图片 4">
+            <a:extLst>
+              <a:ext uri="{FF2B5EF4-FFF2-40B4-BE49-F238E27FC236}">
+                <a16:creationId xmlns:a16="http://schemas.microsoft.com/office/drawing/2014/main" id="{61429196-267B-4265-97F1-E1DF20EF5886}"/>
+              </a:ext>
+            </a:extLst>
+          </p:cNvPr>
+          <p:cNvPicPr>
+            <a:picLocks noChangeAspect="1"/>
+          </p:cNvPicPr>
+          <p:nvPr/>
+        </p:nvPicPr>
+        <p:blipFill>
+          <a:blip r:embed="rId3">
+            <a:extLst>
+              <a:ext uri="{28A0092B-C50C-407E-A947-70E740481C1C}">
+                <a14:useLocalDpi xmlns:a14="http://schemas.microsoft.com/office/drawing/2010/main" val="0"/>
+              </a:ext>
+            </a:extLst>
+          </a:blip>
+          <a:stretch>
+            <a:fillRect/>
+          </a:stretch>
+        </p:blipFill>
+        <p:spPr>
+          <a:xfrm>
+            <a:off x="2944613" y="5153889"/>
+            <a:ext cx="8877300" cy="1394460"/>
+          </a:xfrm>
+          <a:prstGeom prst="rect">
+            <a:avLst/>
+          </a:prstGeom>
+        </p:spPr>
+      </p:pic>
     </p:spTree>
     <p:extLst>
       <p:ext uri="{BB962C8B-B14F-4D97-AF65-F5344CB8AC3E}">
-        <p14:creationId xmlns:p14="http://schemas.microsoft.com/office/powerpoint/2010/main" val="3847632197"/>
+        <p14:creationId xmlns:p14="http://schemas.microsoft.com/office/powerpoint/2010/main" val="1019753170"/>
+      </p:ext>
+    </p:extLst>
+  </p:cSld>
+  <p:clrMapOvr>
+    <a:masterClrMapping/>
+  </p:clrMapOvr>
+</p:sld>
+</file>
+
+<file path=ppt/slides/slide3.xml><?xml version="1.0" encoding="utf-8"?>
+<p:sld xmlns:a="http://schemas.openxmlformats.org/drawingml/2006/main" xmlns:r="http://schemas.openxmlformats.org/officeDocument/2006/relationships" xmlns:p="http://schemas.openxmlformats.org/presentationml/2006/main">
+  <p:cSld>
+    <p:spTree>
+      <p:nvGrpSpPr>
+        <p:cNvPr id="1" name=""/>
+        <p:cNvGrpSpPr/>
+        <p:nvPr/>
+      </p:nvGrpSpPr>
+      <p:grpSpPr>
+        <a:xfrm>
+          <a:off x="0" y="0"/>
+          <a:ext cx="0" cy="0"/>
+          <a:chOff x="0" y="0"/>
+          <a:chExt cx="0" cy="0"/>
+        </a:xfrm>
+      </p:grpSpPr>
+      <p:sp>
+        <p:nvSpPr>
+          <p:cNvPr id="2" name="标题 1">
+            <a:extLst>
+              <a:ext uri="{FF2B5EF4-FFF2-40B4-BE49-F238E27FC236}">
+                <a16:creationId xmlns:a16="http://schemas.microsoft.com/office/drawing/2014/main" id="{8B88BACC-24DE-4087-9AB3-A099CF573089}"/>
+              </a:ext>
+            </a:extLst>
+          </p:cNvPr>
+          <p:cNvSpPr>
+            <a:spLocks noGrp="1"/>
+          </p:cNvSpPr>
+          <p:nvPr>
+            <p:ph type="title"/>
+          </p:nvPr>
+        </p:nvSpPr>
+        <p:spPr/>
+        <p:txBody>
+          <a:bodyPr/>
+          <a:lstStyle/>
+          <a:p>
+            <a:r>
+              <a:rPr lang="zh-CN" altLang="en-US" dirty="0"/>
+              <a:t>文件的创建</a:t>
+            </a:r>
+          </a:p>
+        </p:txBody>
+      </p:sp>
+      <p:sp>
+        <p:nvSpPr>
+          <p:cNvPr id="3" name="内容占位符 2">
+            <a:extLst>
+              <a:ext uri="{FF2B5EF4-FFF2-40B4-BE49-F238E27FC236}">
+                <a16:creationId xmlns:a16="http://schemas.microsoft.com/office/drawing/2014/main" id="{0A1C6B17-780B-4799-8193-E52FD817AC0E}"/>
+              </a:ext>
+            </a:extLst>
+          </p:cNvPr>
+          <p:cNvSpPr>
+            <a:spLocks noGrp="1"/>
+          </p:cNvSpPr>
+          <p:nvPr>
+            <p:ph idx="1"/>
+          </p:nvPr>
+        </p:nvSpPr>
+        <p:spPr/>
+        <p:txBody>
+          <a:bodyPr/>
+          <a:lstStyle/>
+          <a:p>
+            <a:r>
+              <a:rPr lang="zh-CN" altLang="en-US" sz="2000" dirty="0"/>
+              <a:t>创建一个文件时，系统会分配一个空白 </a:t>
+            </a:r>
+            <a:r>
+              <a:rPr lang="en-US" altLang="zh-CN" sz="2000" dirty="0" err="1"/>
+              <a:t>inode</a:t>
+            </a:r>
+            <a:r>
+              <a:rPr lang="en-US" altLang="zh-CN" sz="2000" dirty="0"/>
+              <a:t> </a:t>
+            </a:r>
+            <a:r>
+              <a:rPr lang="zh-CN" altLang="en-US" sz="2000" dirty="0"/>
+              <a:t>给该文件，并将此 </a:t>
+            </a:r>
+            <a:r>
+              <a:rPr lang="en-US" altLang="zh-CN" sz="2000" dirty="0" err="1"/>
+              <a:t>inode</a:t>
+            </a:r>
+            <a:r>
+              <a:rPr lang="en-US" altLang="zh-CN" sz="2000" dirty="0"/>
+              <a:t> </a:t>
+            </a:r>
+            <a:r>
+              <a:rPr lang="zh-CN" altLang="en-US" sz="2000" dirty="0"/>
+              <a:t>编号记入该文件所属的目录。</a:t>
+            </a:r>
+            <a:endParaRPr lang="en-US" altLang="zh-CN" sz="2000" dirty="0"/>
+          </a:p>
+          <a:p>
+            <a:r>
+              <a:rPr lang="zh-CN" altLang="en-US" sz="2000" dirty="0"/>
+              <a:t>然后选取空白的数据块，让 </a:t>
+            </a:r>
+            <a:r>
+              <a:rPr lang="en-US" altLang="zh-CN" sz="2000" dirty="0" err="1"/>
+              <a:t>inode</a:t>
+            </a:r>
+            <a:r>
+              <a:rPr lang="en-US" altLang="zh-CN" sz="2000" dirty="0"/>
+              <a:t> </a:t>
+            </a:r>
+            <a:r>
+              <a:rPr lang="zh-CN" altLang="en-US" sz="2000" dirty="0"/>
+              <a:t>的指针指向这些数据块。保存文件时，将内存中的数据写入</a:t>
+            </a:r>
+            <a:r>
+              <a:rPr lang="en-US" altLang="zh-CN" sz="2000" dirty="0" err="1"/>
+              <a:t>inode</a:t>
+            </a:r>
+            <a:r>
+              <a:rPr lang="zh-CN" altLang="en-US" sz="2000" dirty="0"/>
+              <a:t>指向的数据块。</a:t>
+            </a:r>
+            <a:endParaRPr lang="en-US" altLang="zh-CN" sz="2000" dirty="0"/>
+          </a:p>
+        </p:txBody>
+      </p:sp>
+    </p:spTree>
+    <p:extLst>
+      <p:ext uri="{BB962C8B-B14F-4D97-AF65-F5344CB8AC3E}">
+        <p14:creationId xmlns:p14="http://schemas.microsoft.com/office/powerpoint/2010/main" val="3471964219"/>
       </p:ext>
     </p:extLst>
   </p:cSld>
@@ -9004,7 +8102,7 @@
           <a:p>
             <a:r>
               <a:rPr lang="zh-CN" altLang="en-US" dirty="0"/>
-              <a:t>目录</a:t>
+              <a:t>列出文件信息</a:t>
             </a:r>
           </a:p>
         </p:txBody>
@@ -9025,19 +8123,65 @@
             <p:ph idx="1"/>
           </p:nvPr>
         </p:nvSpPr>
-        <p:spPr/>
-        <p:txBody>
-          <a:bodyPr/>
-          <a:lstStyle/>
-          <a:p>
-            <a:pPr>
-              <a:lnSpc>
-                <a:spcPct val="100000"/>
-              </a:lnSpc>
+        <p:spPr>
+          <a:xfrm>
+            <a:off x="838200" y="1704111"/>
+            <a:ext cx="10515600" cy="4996940"/>
+          </a:xfrm>
+        </p:spPr>
+        <p:txBody>
+          <a:bodyPr>
+            <a:normAutofit fontScale="92500"/>
+          </a:bodyPr>
+          <a:lstStyle/>
+          <a:p>
+            <a:r>
+              <a:rPr lang="en-US" altLang="zh-CN" sz="2000" dirty="0"/>
+              <a:t>shell</a:t>
+            </a:r>
+            <a:r>
+              <a:rPr lang="zh-CN" altLang="en-US" sz="2000" dirty="0"/>
+              <a:t>中输入</a:t>
+            </a:r>
+            <a:r>
+              <a:rPr lang="en-US" altLang="zh-CN" sz="2000" dirty="0"/>
+              <a:t>ls –ails</a:t>
+            </a:r>
+            <a:r>
+              <a:rPr lang="zh-CN" altLang="en-US" sz="2000" dirty="0"/>
+              <a:t>，回车</a:t>
+            </a:r>
+            <a:endParaRPr lang="en-US" altLang="zh-CN" sz="2000" dirty="0"/>
+          </a:p>
+          <a:p>
+            <a:pPr marL="0" indent="0">
+              <a:buNone/>
             </a:pPr>
-            <a:r>
-              <a:rPr lang="zh-CN" altLang="en-US" sz="2000" dirty="0"/>
-              <a:t>目录也是文件，也有对应的</a:t>
+            <a:endParaRPr lang="en-US" altLang="zh-CN" sz="2000" dirty="0"/>
+          </a:p>
+          <a:p>
+            <a:endParaRPr lang="en-US" altLang="zh-CN" sz="2000" dirty="0"/>
+          </a:p>
+          <a:p>
+            <a:endParaRPr lang="en-US" altLang="zh-CN" sz="2000" dirty="0"/>
+          </a:p>
+          <a:p>
+            <a:endParaRPr lang="en-US" altLang="zh-CN" sz="2000" dirty="0"/>
+          </a:p>
+          <a:p>
+            <a:r>
+              <a:rPr lang="zh-CN" altLang="en-US" sz="2000" dirty="0"/>
+              <a:t>总用量指的是所有文件（包括子目录）所占用空间的大小，单位是</a:t>
+            </a:r>
+            <a:r>
+              <a:rPr lang="en-US" altLang="zh-CN" sz="2000" dirty="0"/>
+              <a:t>KB</a:t>
+            </a:r>
+          </a:p>
+          <a:p>
+            <a:r>
+              <a:rPr lang="zh-CN" altLang="en-US" sz="2000" dirty="0"/>
+              <a:t>第一项表示文件对应的</a:t>
             </a:r>
             <a:r>
               <a:rPr lang="en-US" altLang="zh-CN" sz="2000" dirty="0" err="1"/>
@@ -9045,7 +8189,86 @@
             </a:r>
             <a:r>
               <a:rPr lang="zh-CN" altLang="en-US" sz="2000" dirty="0"/>
-              <a:t>和数据块。打开目录，实际上就是打开目录文件。目录文件的结构非常简单，就是一系列目录项的列表。每个目录项，由两部分组成：所包含文件的文件名，以及该文件名对应的</a:t>
+              <a:t>号；第二项表示文件占用空间大小，单位为</a:t>
+            </a:r>
+            <a:r>
+              <a:rPr lang="en-US" altLang="zh-CN" sz="2000" dirty="0"/>
+              <a:t>KB</a:t>
+            </a:r>
+            <a:r>
+              <a:rPr lang="zh-CN" altLang="en-US" sz="2000" dirty="0"/>
+              <a:t>；第三项</a:t>
+            </a:r>
+            <a:r>
+              <a:rPr lang="en-US" altLang="zh-CN" sz="2000" dirty="0"/>
+              <a:t>d</a:t>
+            </a:r>
+            <a:r>
+              <a:rPr lang="zh-CN" altLang="en-US" sz="2000" dirty="0"/>
+              <a:t>表示目录，</a:t>
+            </a:r>
+            <a:r>
+              <a:rPr lang="en-US" altLang="zh-CN" sz="2000" dirty="0"/>
+              <a:t>l</a:t>
+            </a:r>
+            <a:r>
+              <a:rPr lang="zh-CN" altLang="en-US" sz="2000" dirty="0"/>
+              <a:t>表示链接文件，</a:t>
+            </a:r>
+            <a:r>
+              <a:rPr lang="en-US" altLang="zh-CN" sz="2000" dirty="0"/>
+              <a:t>-</a:t>
+            </a:r>
+            <a:r>
+              <a:rPr lang="zh-CN" altLang="en-US" sz="2000" dirty="0"/>
+              <a:t>是普通文件，</a:t>
+            </a:r>
+            <a:r>
+              <a:rPr lang="en-US" altLang="zh-CN" sz="2000" dirty="0"/>
+              <a:t>r</a:t>
+            </a:r>
+            <a:r>
+              <a:rPr lang="zh-CN" altLang="en-US" sz="2000" dirty="0"/>
+              <a:t>，</a:t>
+            </a:r>
+            <a:r>
+              <a:rPr lang="en-US" altLang="zh-CN" sz="2000" dirty="0"/>
+              <a:t>w</a:t>
+            </a:r>
+            <a:r>
+              <a:rPr lang="zh-CN" altLang="en-US" sz="2000" dirty="0"/>
+              <a:t>，</a:t>
+            </a:r>
+            <a:r>
+              <a:rPr lang="en-US" altLang="zh-CN" sz="2000" dirty="0"/>
+              <a:t>x</a:t>
+            </a:r>
+            <a:r>
+              <a:rPr lang="zh-CN" altLang="en-US" sz="2000" dirty="0"/>
+              <a:t>分别表示可读，可写，可执行。连续三个</a:t>
+            </a:r>
+            <a:r>
+              <a:rPr lang="en-US" altLang="zh-CN" sz="2000" dirty="0" err="1"/>
+              <a:t>rwx</a:t>
+            </a:r>
+            <a:r>
+              <a:rPr lang="zh-CN" altLang="en-US" sz="2000" dirty="0"/>
+              <a:t>，分别表示文件所属用户具有的权限，文件所属组具有的权限，其他用户具有的权限。</a:t>
+            </a:r>
+            <a:r>
+              <a:rPr lang="en-US" altLang="zh-CN" sz="2000" dirty="0"/>
+              <a:t>-</a:t>
+            </a:r>
+            <a:r>
+              <a:rPr lang="zh-CN" altLang="en-US" sz="2000" dirty="0"/>
+              <a:t>表示没有权限。</a:t>
+            </a:r>
+            <a:endParaRPr lang="en-US" altLang="zh-CN" sz="2000" dirty="0"/>
+          </a:p>
+          <a:p>
+            <a:r>
+              <a:rPr lang="zh-CN" altLang="en-US" sz="2000" dirty="0"/>
+              <a:t>第四项代表的是文件指向的</a:t>
             </a:r>
             <a:r>
               <a:rPr lang="en-US" altLang="zh-CN" sz="2000" dirty="0" err="1"/>
@@ -9053,162 +8276,56 @@
             </a:r>
             <a:r>
               <a:rPr lang="zh-CN" altLang="en-US" sz="2000" dirty="0"/>
-              <a:t>号码（在这里，子目录也是以文件来对待）。</a:t>
+              <a:t>数，如果是普通文件，值为</a:t>
+            </a:r>
+            <a:r>
+              <a:rPr lang="en-US" altLang="zh-CN" sz="2000" dirty="0"/>
+              <a:t>1</a:t>
+            </a:r>
+            <a:r>
+              <a:rPr lang="zh-CN" altLang="en-US" sz="2000" dirty="0"/>
+              <a:t>；如果是目录文件，数值等于该目录下的当前目录（</a:t>
+            </a:r>
+            <a:r>
+              <a:rPr lang="en-US" altLang="zh-CN" sz="2000" dirty="0"/>
+              <a:t>.</a:t>
+            </a:r>
+            <a:r>
+              <a:rPr lang="zh-CN" altLang="en-US" sz="2000" dirty="0"/>
+              <a:t>）、当前目录的父目录（</a:t>
+            </a:r>
+            <a:r>
+              <a:rPr lang="en-US" altLang="zh-CN" sz="2000" dirty="0"/>
+              <a:t>..</a:t>
+            </a:r>
+            <a:r>
+              <a:rPr lang="zh-CN" altLang="en-US" sz="2000" dirty="0"/>
+              <a:t>）以及当前目录下的所有文件和子目录的和。</a:t>
             </a:r>
             <a:endParaRPr lang="en-US" altLang="zh-CN" sz="2000" dirty="0"/>
           </a:p>
           <a:p>
-            <a:pPr>
-              <a:lnSpc>
-                <a:spcPct val="100000"/>
-              </a:lnSpc>
-            </a:pPr>
+            <a:r>
+              <a:rPr lang="zh-CN" altLang="en-US" sz="2000" dirty="0"/>
+              <a:t>接下来的第五项和第六项分别指文件所属用户和文件所属组。所属用户默认为文件的创建者，所属组默认为创建者所属的基本组。</a:t>
+            </a:r>
             <a:endParaRPr lang="en-US" altLang="zh-CN" sz="2000" dirty="0"/>
           </a:p>
           <a:p>
-            <a:pPr>
-              <a:lnSpc>
-                <a:spcPct val="100000"/>
-              </a:lnSpc>
-            </a:pPr>
+            <a:r>
+              <a:rPr lang="zh-CN" altLang="en-US" sz="2000" dirty="0"/>
+              <a:t>第七项是文件大小，以字节为单位。第八项是文件创建日期。第九项是文件的名称。</a:t>
+            </a:r>
             <a:endParaRPr lang="en-US" altLang="zh-CN" sz="2000" dirty="0"/>
           </a:p>
-          <a:p>
-            <a:pPr>
-              <a:lnSpc>
-                <a:spcPct val="100000"/>
-              </a:lnSpc>
-            </a:pPr>
-            <a:endParaRPr lang="en-US" altLang="zh-CN" sz="2000" dirty="0"/>
-          </a:p>
-          <a:p>
-            <a:pPr>
-              <a:lnSpc>
-                <a:spcPct val="100000"/>
-              </a:lnSpc>
-            </a:pPr>
-            <a:r>
-              <a:rPr lang="zh-CN" altLang="en-US" sz="2000" dirty="0"/>
-              <a:t>通过挂载点的信息找到根目录的</a:t>
-            </a:r>
-            <a:r>
-              <a:rPr lang="en-US" altLang="zh-CN" sz="2000" dirty="0" err="1"/>
-              <a:t>inode</a:t>
-            </a:r>
-            <a:r>
-              <a:rPr lang="zh-CN" altLang="en-US" sz="2000" dirty="0"/>
-              <a:t>号码为</a:t>
-            </a:r>
-            <a:r>
-              <a:rPr lang="en-US" altLang="zh-CN" sz="2000" dirty="0"/>
-              <a:t>2</a:t>
-            </a:r>
-            <a:r>
-              <a:rPr lang="zh-CN" altLang="en-US" sz="2000" dirty="0"/>
-              <a:t>，通过号码为</a:t>
-            </a:r>
-            <a:r>
-              <a:rPr lang="en-US" altLang="zh-CN" sz="2000" dirty="0"/>
-              <a:t>2</a:t>
-            </a:r>
-            <a:r>
-              <a:rPr lang="zh-CN" altLang="en-US" sz="2000" dirty="0"/>
-              <a:t>的</a:t>
-            </a:r>
-            <a:r>
-              <a:rPr lang="en-US" altLang="zh-CN" sz="2000" dirty="0" err="1"/>
-              <a:t>inode</a:t>
-            </a:r>
-            <a:r>
-              <a:rPr lang="zh-CN" altLang="en-US" sz="2000" dirty="0"/>
-              <a:t>指向的数据块，读取根目录文件的数据项，这样一步一步，就构建了硬盘文件系统完整的目录树。</a:t>
-            </a:r>
-            <a:endParaRPr lang="en-US" altLang="zh-CN" sz="2000" dirty="0"/>
-          </a:p>
-          <a:p>
-            <a:pPr>
-              <a:lnSpc>
-                <a:spcPct val="100000"/>
-              </a:lnSpc>
-            </a:pPr>
-            <a:r>
-              <a:rPr lang="zh-CN" altLang="en-US" sz="2000" dirty="0"/>
-              <a:t>根目录的父目录是自己</a:t>
-            </a:r>
-            <a:endParaRPr lang="en-US" altLang="zh-CN" sz="2000" dirty="0"/>
-          </a:p>
-        </p:txBody>
-      </p:sp>
-      <p:pic>
-        <p:nvPicPr>
-          <p:cNvPr id="4100" name="Picture 4"/>
-          <p:cNvPicPr>
-            <a:picLocks noChangeAspect="1" noChangeArrowheads="1"/>
-          </p:cNvPicPr>
-          <p:nvPr/>
-        </p:nvPicPr>
-        <p:blipFill>
-          <a:blip r:embed="rId2">
-            <a:extLst>
-              <a:ext uri="{28A0092B-C50C-407E-A947-70E740481C1C}">
-                <a14:useLocalDpi xmlns:a14="http://schemas.microsoft.com/office/drawing/2010/main" val="0"/>
-              </a:ext>
-            </a:extLst>
-          </a:blip>
-          <a:srcRect/>
-          <a:stretch>
-            <a:fillRect/>
-          </a:stretch>
-        </p:blipFill>
-        <p:spPr bwMode="auto">
-          <a:xfrm>
-            <a:off x="4672819" y="2803442"/>
-            <a:ext cx="3452028" cy="1091667"/>
-          </a:xfrm>
-          <a:prstGeom prst="rect">
-            <a:avLst/>
-          </a:prstGeom>
-          <a:noFill/>
-          <a:ln>
-            <a:noFill/>
-          </a:ln>
-          <a:effectLst/>
-          <a:extLst>
-            <a:ext uri="{909E8E84-426E-40DD-AFC4-6F175D3DCCD1}">
-              <a14:hiddenFill xmlns:a14="http://schemas.microsoft.com/office/drawing/2010/main">
-                <a:solidFill>
-                  <a:schemeClr val="accent1"/>
-                </a:solidFill>
-              </a14:hiddenFill>
-            </a:ext>
-            <a:ext uri="{91240B29-F687-4F45-9708-019B960494DF}">
-              <a14:hiddenLine xmlns:a14="http://schemas.microsoft.com/office/drawing/2010/main" w="9525">
-                <a:solidFill>
-                  <a:schemeClr val="tx1"/>
-                </a:solidFill>
-                <a:miter lim="800000"/>
-                <a:headEnd/>
-                <a:tailEnd/>
-              </a14:hiddenLine>
-            </a:ext>
-            <a:ext uri="{AF507438-7753-43E0-B8FC-AC1667EBCBE1}">
-              <a14:hiddenEffects xmlns:a14="http://schemas.microsoft.com/office/drawing/2010/main">
-                <a:effectLst>
-                  <a:outerShdw dist="35921" dir="2700000" algn="ctr" rotWithShape="0">
-                    <a:schemeClr val="bg2"/>
-                  </a:outerShdw>
-                </a:effectLst>
-              </a14:hiddenEffects>
-            </a:ext>
-          </a:extLst>
-        </p:spPr>
-      </p:pic>
+        </p:txBody>
+      </p:sp>
       <p:pic>
         <p:nvPicPr>
           <p:cNvPr id="5" name="图片 4">
             <a:extLst>
               <a:ext uri="{FF2B5EF4-FFF2-40B4-BE49-F238E27FC236}">
-                <a16:creationId xmlns:a16="http://schemas.microsoft.com/office/drawing/2014/main" id="{61429196-267B-4265-97F1-E1DF20EF5886}"/>
+                <a16:creationId xmlns:a16="http://schemas.microsoft.com/office/drawing/2014/main" id="{853006F5-D829-4D2A-80C2-63DEE2C7E9DD}"/>
               </a:ext>
             </a:extLst>
           </p:cNvPr>
@@ -9218,7 +8335,7 @@
           <p:nvPr/>
         </p:nvPicPr>
         <p:blipFill>
-          <a:blip r:embed="rId3">
+          <a:blip r:embed="rId2">
             <a:extLst>
               <a:ext uri="{28A0092B-C50C-407E-A947-70E740481C1C}">
                 <a14:useLocalDpi xmlns:a14="http://schemas.microsoft.com/office/drawing/2010/main" val="0"/>
@@ -9231,8 +8348,8 @@
         </p:blipFill>
         <p:spPr>
           <a:xfrm>
-            <a:off x="2944613" y="5153889"/>
-            <a:ext cx="8877300" cy="1394460"/>
+            <a:off x="1102051" y="1975689"/>
+            <a:ext cx="8494710" cy="1677875"/>
           </a:xfrm>
           <a:prstGeom prst="rect">
             <a:avLst/>
@@ -9242,7 +8359,7 @@
     </p:spTree>
     <p:extLst>
       <p:ext uri="{BB962C8B-B14F-4D97-AF65-F5344CB8AC3E}">
-        <p14:creationId xmlns:p14="http://schemas.microsoft.com/office/powerpoint/2010/main" val="1019753170"/>
+        <p14:creationId xmlns:p14="http://schemas.microsoft.com/office/powerpoint/2010/main" val="3145881099"/>
       </p:ext>
     </p:extLst>
   </p:cSld>
@@ -9292,83 +8409,325 @@
           <a:p>
             <a:r>
               <a:rPr lang="zh-CN" altLang="en-US" dirty="0"/>
-              <a:t>文件系统结构图</a:t>
-            </a:r>
-          </a:p>
-        </p:txBody>
-      </p:sp>
-      <p:pic>
-        <p:nvPicPr>
-          <p:cNvPr id="5" name="内容占位符 4"/>
-          <p:cNvPicPr>
-            <a:picLocks noGrp="1" noChangeAspect="1"/>
-          </p:cNvPicPr>
+              <a:t>文件权限与标志位</a:t>
+            </a:r>
+          </a:p>
+        </p:txBody>
+      </p:sp>
+      <p:sp>
+        <p:nvSpPr>
+          <p:cNvPr id="3" name="内容占位符 2">
+            <a:extLst>
+              <a:ext uri="{FF2B5EF4-FFF2-40B4-BE49-F238E27FC236}">
+                <a16:creationId xmlns:a16="http://schemas.microsoft.com/office/drawing/2014/main" id="{0A1C6B17-780B-4799-8193-E52FD817AC0E}"/>
+              </a:ext>
+            </a:extLst>
+          </p:cNvPr>
+          <p:cNvSpPr>
+            <a:spLocks noGrp="1"/>
+          </p:cNvSpPr>
           <p:nvPr>
             <p:ph idx="1"/>
           </p:nvPr>
-        </p:nvPicPr>
-        <p:blipFill>
-          <a:blip r:embed="rId2">
-            <a:extLst>
-              <a:ext uri="{28A0092B-C50C-407E-A947-70E740481C1C}">
-                <a14:useLocalDpi xmlns:a14="http://schemas.microsoft.com/office/drawing/2010/main" val="0"/>
-              </a:ext>
-            </a:extLst>
-          </a:blip>
-          <a:stretch>
-            <a:fillRect/>
-          </a:stretch>
-        </p:blipFill>
-        <p:spPr>
-          <a:xfrm>
-            <a:off x="1667734" y="2282969"/>
-            <a:ext cx="7591676" cy="4502363"/>
-          </a:xfrm>
-        </p:spPr>
-      </p:pic>
-      <p:sp>
-        <p:nvSpPr>
-          <p:cNvPr id="8" name="TextBox 7"/>
-          <p:cNvSpPr txBox="1"/>
-          <p:nvPr/>
-        </p:nvSpPr>
-        <p:spPr>
-          <a:xfrm>
-            <a:off x="771896" y="1816925"/>
-            <a:ext cx="10604665" cy="369332"/>
-          </a:xfrm>
-          <a:prstGeom prst="rect">
-            <a:avLst/>
-          </a:prstGeom>
-          <a:noFill/>
-        </p:spPr>
-        <p:txBody>
-          <a:bodyPr wrap="square" rtlCol="0">
-            <a:spAutoFit/>
+        </p:nvSpPr>
+        <p:spPr/>
+        <p:txBody>
+          <a:bodyPr>
+            <a:normAutofit lnSpcReduction="10000"/>
           </a:bodyPr>
           <a:lstStyle/>
           <a:p>
-            <a:pPr marL="228600" indent="-228600">
-              <a:lnSpc>
-                <a:spcPct val="90000"/>
-              </a:lnSpc>
-              <a:spcBef>
-                <a:spcPts val="1000"/>
-              </a:spcBef>
-              <a:buFont typeface="Arial" panose="020B0604020202020204" pitchFamily="34" charset="0"/>
-              <a:buChar char="•"/>
+            <a:r>
+              <a:rPr lang="zh-CN" altLang="en-US" sz="2000" dirty="0"/>
+              <a:t>文件的权限用标志位来表示。所属用户、所属组、其他用户的权限分别用三个二进制标志位来表示，这三个标志位分别对应读、写、执行这三种权限，标志位为</a:t>
+            </a:r>
+            <a:r>
+              <a:rPr lang="en-US" altLang="zh-CN" sz="2000" dirty="0"/>
+              <a:t>0</a:t>
+            </a:r>
+            <a:r>
+              <a:rPr lang="zh-CN" altLang="en-US" sz="2000" dirty="0"/>
+              <a:t>表示没有权限，标志位为</a:t>
+            </a:r>
+            <a:r>
+              <a:rPr lang="en-US" altLang="zh-CN" sz="2000" dirty="0"/>
+              <a:t>1</a:t>
+            </a:r>
+            <a:r>
+              <a:rPr lang="zh-CN" altLang="en-US" sz="2000" dirty="0"/>
+              <a:t>表示有权限。我们用</a:t>
+            </a:r>
+            <a:r>
+              <a:rPr lang="en-US" altLang="zh-CN" sz="2000" dirty="0"/>
+              <a:t>ls -l</a:t>
+            </a:r>
+            <a:r>
+              <a:rPr lang="zh-CN" altLang="en-US" sz="2000" dirty="0"/>
+              <a:t>显示文件详细信息的时候，就是通过判断标志位来显示 </a:t>
+            </a:r>
+            <a:r>
+              <a:rPr lang="en-US" altLang="zh-CN" sz="2000" dirty="0"/>
+              <a:t>r/w/x/-</a:t>
+            </a:r>
+            <a:r>
+              <a:rPr lang="zh-CN" altLang="en-US" sz="2000" dirty="0"/>
+              <a:t>的。</a:t>
+            </a:r>
+            <a:endParaRPr lang="en-US" altLang="zh-CN" sz="2000" dirty="0"/>
+          </a:p>
+          <a:p>
+            <a:r>
+              <a:rPr lang="zh-CN" altLang="en-US" sz="2000" dirty="0"/>
+              <a:t>文件权限的另一种表示方法是使用十进制数字。以三个标志位为一组，最左边的</a:t>
+            </a:r>
+            <a:r>
+              <a:rPr lang="en-US" altLang="zh-CN" sz="2000" dirty="0"/>
+              <a:t>1</a:t>
+            </a:r>
+            <a:r>
+              <a:rPr lang="zh-CN" altLang="en-US" sz="2000" dirty="0"/>
+              <a:t>代表十进制</a:t>
+            </a:r>
+            <a:r>
+              <a:rPr lang="en-US" altLang="zh-CN" sz="2000" dirty="0"/>
+              <a:t>4</a:t>
+            </a:r>
+            <a:r>
+              <a:rPr lang="zh-CN" altLang="en-US" sz="2000" dirty="0"/>
+              <a:t>，中间的</a:t>
+            </a:r>
+            <a:r>
+              <a:rPr lang="en-US" altLang="zh-CN" sz="2000" dirty="0"/>
+              <a:t>1</a:t>
+            </a:r>
+            <a:r>
+              <a:rPr lang="zh-CN" altLang="en-US" sz="2000" dirty="0"/>
+              <a:t>代表十进制</a:t>
+            </a:r>
+            <a:r>
+              <a:rPr lang="en-US" altLang="zh-CN" sz="2000" dirty="0"/>
+              <a:t>2</a:t>
+            </a:r>
+            <a:r>
+              <a:rPr lang="zh-CN" altLang="en-US" sz="2000" dirty="0"/>
+              <a:t>，最右边的</a:t>
+            </a:r>
+            <a:r>
+              <a:rPr lang="en-US" altLang="zh-CN" sz="2000" dirty="0"/>
+              <a:t>1</a:t>
+            </a:r>
+            <a:r>
+              <a:rPr lang="zh-CN" altLang="en-US" sz="2000" dirty="0"/>
+              <a:t>代表十进制</a:t>
+            </a:r>
+            <a:r>
+              <a:rPr lang="en-US" altLang="zh-CN" sz="2000" dirty="0"/>
+              <a:t>1</a:t>
+            </a:r>
+            <a:r>
+              <a:rPr lang="zh-CN" altLang="en-US" sz="2000" dirty="0"/>
+              <a:t>，三个数字相加的结果即是</a:t>
+            </a:r>
+            <a:r>
+              <a:rPr lang="en-US" altLang="zh-CN" sz="2000" dirty="0" err="1"/>
+              <a:t>rwx</a:t>
+            </a:r>
+            <a:r>
+              <a:rPr lang="zh-CN" altLang="en-US" sz="2000" dirty="0"/>
+              <a:t>的另一种表示，即用数字</a:t>
+            </a:r>
+            <a:r>
+              <a:rPr lang="en-US" altLang="zh-CN" sz="2000" dirty="0"/>
+              <a:t>0-7</a:t>
+            </a:r>
+            <a:r>
+              <a:rPr lang="zh-CN" altLang="en-US" sz="2000" dirty="0"/>
+              <a:t>表示出了 </a:t>
+            </a:r>
+            <a:r>
+              <a:rPr lang="en-US" altLang="zh-CN" sz="2000" dirty="0"/>
+              <a:t>r/w/x/- </a:t>
+            </a:r>
+            <a:r>
+              <a:rPr lang="zh-CN" altLang="en-US" sz="2000" dirty="0"/>
+              <a:t>之间的所有组合。</a:t>
+            </a:r>
+            <a:endParaRPr lang="en-US" altLang="zh-CN" sz="2000" dirty="0"/>
+          </a:p>
+          <a:p>
+            <a:r>
+              <a:rPr lang="zh-CN" altLang="en-US" sz="2000" dirty="0"/>
+              <a:t>例如，</a:t>
+            </a:r>
+            <a:r>
+              <a:rPr lang="en-US" altLang="zh-CN" sz="2000" dirty="0"/>
+              <a:t>-</a:t>
+            </a:r>
+            <a:r>
+              <a:rPr lang="en-US" altLang="zh-CN" sz="2000" dirty="0" err="1"/>
+              <a:t>rwxr</a:t>
+            </a:r>
+            <a:r>
+              <a:rPr lang="en-US" altLang="zh-CN" sz="2000" dirty="0"/>
+              <a:t>-</a:t>
+            </a:r>
+            <a:r>
+              <a:rPr lang="en-US" altLang="zh-CN" sz="2000" dirty="0" err="1"/>
+              <a:t>xr</a:t>
+            </a:r>
+            <a:r>
+              <a:rPr lang="en-US" altLang="zh-CN" sz="2000" dirty="0"/>
+              <a:t>-x</a:t>
+            </a:r>
+            <a:r>
+              <a:rPr lang="zh-CN" altLang="en-US" sz="2000" dirty="0"/>
+              <a:t>用数字表示就是</a:t>
+            </a:r>
+            <a:r>
+              <a:rPr lang="en-US" altLang="zh-CN" sz="2000" dirty="0"/>
+              <a:t>755</a:t>
+            </a:r>
+          </a:p>
+          <a:p>
+            <a:r>
+              <a:rPr lang="zh-CN" altLang="en-US" sz="2000" dirty="0"/>
+              <a:t>文件权限的意义：</a:t>
+            </a:r>
+            <a:endParaRPr lang="en-US" altLang="zh-CN" sz="2000" dirty="0"/>
+          </a:p>
+          <a:p>
+            <a:pPr marL="0" indent="0">
+              <a:buNone/>
             </a:pPr>
             <a:r>
-              <a:rPr lang="zh-CN" altLang="en-US" sz="2000" dirty="0"/>
-              <a:t>为便于区分，把存放目录文件的数据块叫做目录块，其实是一种数据块。</a:t>
-            </a:r>
+              <a:rPr lang="en-US" altLang="zh-CN" sz="2000" dirty="0"/>
+              <a:t>    r</a:t>
+            </a:r>
+            <a:r>
+              <a:rPr lang="zh-CN" altLang="en-US" sz="2000" dirty="0"/>
+              <a:t>：可以读这个文件的具体内容；</a:t>
+            </a:r>
+          </a:p>
+          <a:p>
+            <a:pPr marL="0" indent="0">
+              <a:buNone/>
+            </a:pPr>
+            <a:r>
+              <a:rPr lang="en-US" altLang="zh-CN" sz="2000" dirty="0"/>
+              <a:t>    w</a:t>
+            </a:r>
+            <a:r>
+              <a:rPr lang="zh-CN" altLang="en-US" sz="2000" dirty="0"/>
+              <a:t>：可以编辑这个文件的内容，包括增加删除文件的具体内容；</a:t>
+            </a:r>
+          </a:p>
+          <a:p>
+            <a:pPr marL="0" indent="0">
+              <a:buNone/>
+            </a:pPr>
+            <a:r>
+              <a:rPr lang="en-US" altLang="zh-CN" sz="2000" dirty="0"/>
+              <a:t>    x</a:t>
+            </a:r>
+            <a:r>
+              <a:rPr lang="zh-CN" altLang="en-US" sz="2000" dirty="0"/>
+              <a:t>：文件具有可执行的权限</a:t>
+            </a:r>
+            <a:r>
+              <a:rPr lang="en-US" altLang="zh-CN" sz="2000" dirty="0"/>
+              <a:t>-------</a:t>
+            </a:r>
+            <a:r>
+              <a:rPr lang="zh-CN" altLang="en-US" sz="2000" dirty="0"/>
+              <a:t>注意：这里和</a:t>
+            </a:r>
+            <a:r>
+              <a:rPr lang="en-US" altLang="zh-CN" sz="2000" dirty="0"/>
+              <a:t>windows</a:t>
+            </a:r>
+            <a:r>
+              <a:rPr lang="zh-CN" altLang="en-US" sz="2000" dirty="0"/>
+              <a:t>不一样，在</a:t>
+            </a:r>
+            <a:r>
+              <a:rPr lang="en-US" altLang="zh-CN" sz="2000" dirty="0"/>
+              <a:t>win</a:t>
+            </a:r>
+            <a:r>
+              <a:rPr lang="zh-CN" altLang="en-US" sz="2000" dirty="0"/>
+              <a:t>中，文件的可</a:t>
+            </a:r>
+            <a:endParaRPr lang="en-US" altLang="zh-CN" sz="2000" dirty="0"/>
+          </a:p>
+          <a:p>
+            <a:pPr marL="0" indent="0">
+              <a:buNone/>
+            </a:pPr>
+            <a:r>
+              <a:rPr lang="en-US" altLang="zh-CN" sz="2000" dirty="0"/>
+              <a:t>     </a:t>
+            </a:r>
+            <a:r>
+              <a:rPr lang="zh-CN" altLang="en-US" sz="2000" dirty="0"/>
+              <a:t>   执行权限是通过扩展名表现出来的，如</a:t>
+            </a:r>
+            <a:r>
+              <a:rPr lang="en-US" altLang="zh-CN" sz="2000" dirty="0"/>
+              <a:t>exe</a:t>
+            </a:r>
+            <a:r>
+              <a:rPr lang="zh-CN" altLang="en-US" sz="2000" dirty="0"/>
+              <a:t>、</a:t>
+            </a:r>
+            <a:r>
+              <a:rPr lang="en-US" altLang="zh-CN" sz="2000" dirty="0"/>
+              <a:t>bat</a:t>
+            </a:r>
+            <a:r>
+              <a:rPr lang="zh-CN" altLang="en-US" sz="2000" dirty="0"/>
+              <a:t>等，但是在</a:t>
+            </a:r>
+            <a:r>
+              <a:rPr lang="en-US" altLang="zh-CN" sz="2000" dirty="0" err="1"/>
+              <a:t>linux</a:t>
+            </a:r>
+            <a:r>
+              <a:rPr lang="zh-CN" altLang="en-US" sz="2000" dirty="0"/>
+              <a:t>中文件的可执行权限是</a:t>
+            </a:r>
+            <a:endParaRPr lang="en-US" altLang="zh-CN" sz="2000" dirty="0"/>
+          </a:p>
+          <a:p>
+            <a:pPr marL="0" indent="0">
+              <a:buNone/>
+            </a:pPr>
+            <a:r>
+              <a:rPr lang="en-US" altLang="zh-CN" sz="2000" dirty="0"/>
+              <a:t>        </a:t>
+            </a:r>
+            <a:r>
+              <a:rPr lang="zh-CN" altLang="en-US" sz="2000" dirty="0"/>
+              <a:t>通过这个</a:t>
+            </a:r>
+            <a:r>
+              <a:rPr lang="en-US" altLang="zh-CN" sz="2000" dirty="0"/>
+              <a:t>x</a:t>
+            </a:r>
+            <a:r>
+              <a:rPr lang="zh-CN" altLang="en-US" sz="2000" dirty="0"/>
+              <a:t>决定的，与文件名没有什么关系。</a:t>
+            </a:r>
+            <a:endParaRPr lang="en-US" altLang="zh-CN" sz="2000" dirty="0"/>
+          </a:p>
+          <a:p>
+            <a:endParaRPr lang="en-US" altLang="zh-CN" sz="2000" dirty="0"/>
           </a:p>
         </p:txBody>
       </p:sp>
     </p:spTree>
     <p:extLst>
       <p:ext uri="{BB962C8B-B14F-4D97-AF65-F5344CB8AC3E}">
-        <p14:creationId xmlns:p14="http://schemas.microsoft.com/office/powerpoint/2010/main" val="2929723527"/>
+        <p14:creationId xmlns:p14="http://schemas.microsoft.com/office/powerpoint/2010/main" val="593718680"/>
       </p:ext>
     </p:extLst>
   </p:cSld>
@@ -9397,13 +8756,7 @@
       </p:grpSpPr>
       <p:sp>
         <p:nvSpPr>
-          <p:cNvPr id="2" name="标题 1">
-            <a:extLst>
-              <a:ext uri="{FF2B5EF4-FFF2-40B4-BE49-F238E27FC236}">
-                <a16:creationId xmlns:a16="http://schemas.microsoft.com/office/drawing/2014/main" id="{8B88BACC-24DE-4087-9AB3-A099CF573089}"/>
-              </a:ext>
-            </a:extLst>
-          </p:cNvPr>
+          <p:cNvPr id="2" name="标题 1"/>
           <p:cNvSpPr>
             <a:spLocks noGrp="1"/>
           </p:cNvSpPr>
@@ -9418,20 +8771,14 @@
           <a:p>
             <a:r>
               <a:rPr lang="zh-CN" altLang="en-US" dirty="0"/>
-              <a:t>文件的创建</a:t>
-            </a:r>
-          </a:p>
-        </p:txBody>
-      </p:sp>
-      <p:sp>
-        <p:nvSpPr>
-          <p:cNvPr id="3" name="内容占位符 2">
-            <a:extLst>
-              <a:ext uri="{FF2B5EF4-FFF2-40B4-BE49-F238E27FC236}">
-                <a16:creationId xmlns:a16="http://schemas.microsoft.com/office/drawing/2014/main" id="{0A1C6B17-780B-4799-8193-E52FD817AC0E}"/>
-              </a:ext>
-            </a:extLst>
-          </p:cNvPr>
+              <a:t>目录权限</a:t>
+            </a:r>
+          </a:p>
+        </p:txBody>
+      </p:sp>
+      <p:sp>
+        <p:nvSpPr>
+          <p:cNvPr id="3" name="内容占位符 2"/>
           <p:cNvSpPr>
             <a:spLocks noGrp="1"/>
           </p:cNvSpPr>
@@ -9441,72 +8788,80 @@
         </p:nvSpPr>
         <p:spPr/>
         <p:txBody>
-          <a:bodyPr/>
-          <a:lstStyle/>
-          <a:p>
-            <a:r>
-              <a:rPr lang="zh-CN" altLang="en-US" sz="2000" dirty="0"/>
-              <a:t>创建一个文件时，系统会分配一个空白 </a:t>
-            </a:r>
-            <a:r>
-              <a:rPr lang="en-US" altLang="zh-CN" sz="2000" dirty="0" err="1"/>
-              <a:t>inode</a:t>
-            </a:r>
-            <a:r>
-              <a:rPr lang="en-US" altLang="zh-CN" sz="2000" dirty="0"/>
-              <a:t> </a:t>
-            </a:r>
-            <a:r>
-              <a:rPr lang="zh-CN" altLang="en-US" sz="2000" dirty="0"/>
-              <a:t>给该文件，并将此 </a:t>
-            </a:r>
-            <a:r>
-              <a:rPr lang="en-US" altLang="zh-CN" sz="2000" dirty="0" err="1"/>
-              <a:t>inode</a:t>
-            </a:r>
-            <a:r>
-              <a:rPr lang="en-US" altLang="zh-CN" sz="2000" dirty="0"/>
-              <a:t> </a:t>
-            </a:r>
-            <a:r>
-              <a:rPr lang="zh-CN" altLang="en-US" sz="2000" dirty="0"/>
-              <a:t>编号记入该文件所属的目录。</a:t>
+          <a:bodyPr>
+            <a:noAutofit/>
+          </a:bodyPr>
+          <a:lstStyle/>
+          <a:p>
+            <a:r>
+              <a:rPr lang="en-US" altLang="zh-CN" sz="2000" dirty="0"/>
+              <a:t>r:</a:t>
+            </a:r>
+            <a:r>
+              <a:rPr lang="zh-CN" altLang="en-US" sz="2000" dirty="0"/>
+              <a:t>可以查看此目录下的完整文件信息列表</a:t>
             </a:r>
             <a:endParaRPr lang="en-US" altLang="zh-CN" sz="2000" dirty="0"/>
           </a:p>
           <a:p>
-            <a:r>
-              <a:rPr lang="zh-CN" altLang="en-US" sz="2000" dirty="0"/>
-              <a:t>然后选取空白的数据块，让 </a:t>
-            </a:r>
-            <a:r>
-              <a:rPr lang="en-US" altLang="zh-CN" sz="2000" dirty="0" err="1"/>
-              <a:t>inode</a:t>
-            </a:r>
-            <a:r>
-              <a:rPr lang="en-US" altLang="zh-CN" sz="2000" dirty="0"/>
-              <a:t> </a:t>
-            </a:r>
-            <a:r>
-              <a:rPr lang="zh-CN" altLang="en-US" sz="2000" dirty="0"/>
-              <a:t>的指针指向这些数据块。保存文件时，将内存中的数据写入</a:t>
-            </a:r>
-            <a:r>
-              <a:rPr lang="en-US" altLang="zh-CN" sz="2000" dirty="0" err="1"/>
-              <a:t>inode</a:t>
-            </a:r>
-            <a:r>
-              <a:rPr lang="zh-CN" altLang="en-US" sz="2000" dirty="0"/>
-              <a:t>指向的数据块。</a:t>
-            </a:r>
-            <a:endParaRPr lang="en-US" altLang="zh-CN" sz="2000" dirty="0"/>
+            <a:endParaRPr lang="zh-CN" altLang="en-US" sz="2000" dirty="0"/>
+          </a:p>
+          <a:p>
+            <a:r>
+              <a:rPr lang="en-US" altLang="zh-CN" sz="2000" dirty="0"/>
+              <a:t>w</a:t>
+            </a:r>
+            <a:r>
+              <a:rPr lang="zh-CN" altLang="en-US" sz="2000" dirty="0"/>
+              <a:t>：可以对此目录下的所有的文件及目录进行相关的更改，也就是可以更改这个目录下的结构列表，即：</a:t>
+            </a:r>
+          </a:p>
+          <a:p>
+            <a:pPr marL="0" indent="0">
+              <a:buNone/>
+            </a:pPr>
+            <a:r>
+              <a:rPr lang="zh-CN" altLang="en-US" sz="2000" dirty="0"/>
+              <a:t>    可以在此目录下创建新的文件或目录；</a:t>
+            </a:r>
+          </a:p>
+          <a:p>
+            <a:pPr marL="0" indent="0">
+              <a:buNone/>
+            </a:pPr>
+            <a:r>
+              <a:rPr lang="zh-CN" altLang="en-US" sz="2000" dirty="0"/>
+              <a:t>    可以在此目录下删除存在的文件或目录（不论该文件的权限是什么，这点要格外注意！）</a:t>
+            </a:r>
+          </a:p>
+          <a:p>
+            <a:pPr marL="0" indent="0">
+              <a:buNone/>
+            </a:pPr>
+            <a:r>
+              <a:rPr lang="zh-CN" altLang="en-US" sz="2000" dirty="0"/>
+              <a:t>    可以重命名及改变文件或目录的位置。</a:t>
+            </a:r>
+          </a:p>
+          <a:p>
+            <a:endParaRPr lang="zh-CN" altLang="en-US" sz="2000" dirty="0"/>
+          </a:p>
+          <a:p>
+            <a:r>
+              <a:rPr lang="en-US" altLang="zh-CN" sz="2000" dirty="0"/>
+              <a:t>x</a:t>
+            </a:r>
+            <a:r>
+              <a:rPr lang="zh-CN" altLang="en-US" sz="2000" dirty="0"/>
+              <a:t>：目录的可执行权限，指的是进入这个目录的权限。</a:t>
+            </a:r>
           </a:p>
         </p:txBody>
       </p:sp>
     </p:spTree>
     <p:extLst>
       <p:ext uri="{BB962C8B-B14F-4D97-AF65-F5344CB8AC3E}">
-        <p14:creationId xmlns:p14="http://schemas.microsoft.com/office/powerpoint/2010/main" val="3471964219"/>
+        <p14:creationId xmlns:p14="http://schemas.microsoft.com/office/powerpoint/2010/main" val="682001193"/>
       </p:ext>
     </p:extLst>
   </p:cSld>
@@ -9556,7 +8911,7 @@
           <a:p>
             <a:r>
               <a:rPr lang="zh-CN" altLang="en-US" dirty="0"/>
-              <a:t>列出文件信息</a:t>
+              <a:t>文件默认权限</a:t>
             </a:r>
           </a:p>
         </p:txBody>
@@ -9577,243 +8932,162 @@
             <p:ph idx="1"/>
           </p:nvPr>
         </p:nvSpPr>
-        <p:spPr>
-          <a:xfrm>
-            <a:off x="838200" y="1704111"/>
-            <a:ext cx="10515600" cy="4996940"/>
-          </a:xfrm>
-        </p:spPr>
-        <p:txBody>
-          <a:bodyPr>
-            <a:normAutofit fontScale="92500"/>
-          </a:bodyPr>
-          <a:lstStyle/>
-          <a:p>
-            <a:r>
-              <a:rPr lang="en-US" altLang="zh-CN" sz="2000" dirty="0"/>
-              <a:t>shell</a:t>
-            </a:r>
-            <a:r>
-              <a:rPr lang="zh-CN" altLang="en-US" sz="2000" dirty="0"/>
-              <a:t>中输入</a:t>
-            </a:r>
-            <a:r>
-              <a:rPr lang="en-US" altLang="zh-CN" sz="2000" dirty="0"/>
-              <a:t>ls –ails</a:t>
-            </a:r>
-            <a:r>
-              <a:rPr lang="zh-CN" altLang="en-US" sz="2000" dirty="0"/>
-              <a:t>，回车</a:t>
+        <p:spPr/>
+        <p:txBody>
+          <a:bodyPr/>
+          <a:lstStyle/>
+          <a:p>
+            <a:r>
+              <a:rPr lang="zh-CN" altLang="en-US" sz="2000" dirty="0"/>
+              <a:t>系统创建文件时是有一个默认权限的，通过使用权限掩码进行默认权限的设置。</a:t>
             </a:r>
             <a:endParaRPr lang="en-US" altLang="zh-CN" sz="2000" dirty="0"/>
           </a:p>
           <a:p>
+            <a:endParaRPr lang="en-US" altLang="zh-CN" sz="2000" dirty="0"/>
+          </a:p>
+          <a:p>
+            <a:r>
+              <a:rPr lang="zh-CN" altLang="en-US" sz="2000" dirty="0"/>
+              <a:t>使用</a:t>
+            </a:r>
+            <a:r>
+              <a:rPr lang="en-US" altLang="zh-CN" sz="2000" dirty="0" err="1"/>
+              <a:t>umask</a:t>
+            </a:r>
+            <a:r>
+              <a:rPr lang="zh-CN" altLang="en-US" sz="2000" dirty="0"/>
+              <a:t>命令可以查看</a:t>
+            </a:r>
+            <a:r>
+              <a:rPr lang="en-US" altLang="zh-CN" sz="2000" dirty="0"/>
+              <a:t>/</a:t>
+            </a:r>
+            <a:r>
+              <a:rPr lang="zh-CN" altLang="en-US" sz="2000" dirty="0"/>
+              <a:t>设置权限掩码。</a:t>
+            </a:r>
+            <a:endParaRPr lang="en-US" altLang="zh-CN" sz="2000" dirty="0"/>
+          </a:p>
+          <a:p>
             <a:pPr marL="0" indent="0">
               <a:buNone/>
             </a:pPr>
+            <a:r>
+              <a:rPr lang="zh-CN" altLang="en-US" sz="2000" dirty="0"/>
+              <a:t>    直接使用</a:t>
+            </a:r>
+            <a:r>
+              <a:rPr lang="en-US" altLang="zh-CN" sz="2000" dirty="0" err="1"/>
+              <a:t>umask</a:t>
+            </a:r>
+            <a:r>
+              <a:rPr lang="zh-CN" altLang="en-US" sz="2000" dirty="0"/>
+              <a:t>会以数字形式显示权限掩码（第一个数字</a:t>
+            </a:r>
+            <a:r>
+              <a:rPr lang="en-US" altLang="zh-CN" sz="2000" dirty="0"/>
+              <a:t>0</a:t>
+            </a:r>
+            <a:r>
+              <a:rPr lang="zh-CN" altLang="en-US" sz="2000" dirty="0"/>
+              <a:t>表示八进制）；使用</a:t>
+            </a:r>
+            <a:r>
+              <a:rPr lang="en-US" altLang="zh-CN" sz="2000" dirty="0" err="1"/>
+              <a:t>umask</a:t>
+            </a:r>
+            <a:r>
+              <a:rPr lang="en-US" altLang="zh-CN" sz="2000" dirty="0"/>
+              <a:t> -S</a:t>
+            </a:r>
+            <a:r>
+              <a:rPr lang="zh-CN" altLang="en-US" sz="2000" dirty="0"/>
+              <a:t>，</a:t>
+            </a:r>
             <a:endParaRPr lang="en-US" altLang="zh-CN" sz="2000" dirty="0"/>
           </a:p>
           <a:p>
+            <a:pPr marL="0" indent="0">
+              <a:buNone/>
+            </a:pPr>
+            <a:r>
+              <a:rPr lang="en-US" altLang="zh-CN" sz="2000" dirty="0"/>
+              <a:t>    </a:t>
+            </a:r>
+            <a:r>
+              <a:rPr lang="zh-CN" altLang="en-US" sz="2000" dirty="0"/>
+              <a:t>会以符号形式显示权限掩码；</a:t>
+            </a:r>
+            <a:r>
+              <a:rPr lang="en-US" altLang="zh-CN" sz="2000" dirty="0" err="1"/>
+              <a:t>umask</a:t>
+            </a:r>
+            <a:r>
+              <a:rPr lang="en-US" altLang="zh-CN" sz="2000" dirty="0"/>
+              <a:t> &lt;mode&gt; </a:t>
+            </a:r>
+            <a:r>
+              <a:rPr lang="zh-CN" altLang="en-US" sz="2000" dirty="0"/>
+              <a:t>用来设置默认权限掩码。</a:t>
+            </a:r>
             <a:endParaRPr lang="en-US" altLang="zh-CN" sz="2000" dirty="0"/>
           </a:p>
           <a:p>
+            <a:r>
+              <a:rPr lang="zh-CN" altLang="en-US" sz="2000" dirty="0"/>
+              <a:t>对于每一类用户</a:t>
+            </a:r>
+            <a:r>
+              <a:rPr lang="en-US" altLang="zh-CN" sz="2000" dirty="0"/>
+              <a:t>(</a:t>
+            </a:r>
+            <a:r>
+              <a:rPr lang="zh-CN" altLang="en-US" sz="2000" dirty="0"/>
+              <a:t>文件属主、文件属组、其他用户</a:t>
+            </a:r>
+            <a:r>
+              <a:rPr lang="en-US" altLang="zh-CN" sz="2000" dirty="0"/>
+              <a:t>)</a:t>
+            </a:r>
+            <a:r>
+              <a:rPr lang="zh-CN" altLang="en-US" sz="2000" dirty="0"/>
+              <a:t> 来说，系统不允许在创建一个文件时就赋予它执行权限，必须在创建后用</a:t>
+            </a:r>
+            <a:r>
+              <a:rPr lang="en-US" altLang="zh-CN" sz="2000" dirty="0" err="1"/>
+              <a:t>chmod</a:t>
+            </a:r>
+            <a:r>
+              <a:rPr lang="zh-CN" altLang="en-US" sz="2000" dirty="0"/>
+              <a:t>命令增加这一权限；目录则允许设置执行权限。</a:t>
+            </a:r>
             <a:endParaRPr lang="en-US" altLang="zh-CN" sz="2000" dirty="0"/>
           </a:p>
           <a:p>
+            <a:r>
+              <a:rPr lang="zh-CN" altLang="en-US" sz="2000" dirty="0"/>
+              <a:t>默认权限计算规则：用</a:t>
+            </a:r>
+            <a:r>
+              <a:rPr lang="en-US" altLang="zh-CN" sz="2000" dirty="0"/>
+              <a:t>777</a:t>
+            </a:r>
+            <a:r>
+              <a:rPr lang="zh-CN" altLang="en-US" sz="2000" dirty="0"/>
+              <a:t>按位减去掩码中的相应位，并且文件还要减去可执行位。</a:t>
+            </a:r>
             <a:endParaRPr lang="en-US" altLang="zh-CN" sz="2000" dirty="0"/>
           </a:p>
           <a:p>
-            <a:r>
-              <a:rPr lang="zh-CN" altLang="en-US" sz="2000" dirty="0"/>
-              <a:t>总用量指的是所有文件（包括子目录）所占用空间的大小，单位是</a:t>
-            </a:r>
-            <a:r>
-              <a:rPr lang="en-US" altLang="zh-CN" sz="2000" dirty="0"/>
-              <a:t>KB</a:t>
-            </a:r>
-          </a:p>
-          <a:p>
-            <a:r>
-              <a:rPr lang="zh-CN" altLang="en-US" sz="2000" dirty="0"/>
-              <a:t>第一项表示文件对应的</a:t>
-            </a:r>
-            <a:r>
-              <a:rPr lang="en-US" altLang="zh-CN" sz="2000" dirty="0" err="1"/>
-              <a:t>inode</a:t>
-            </a:r>
-            <a:r>
-              <a:rPr lang="zh-CN" altLang="en-US" sz="2000" dirty="0"/>
-              <a:t>号；第二项表示文件占用空间大小，单位为</a:t>
-            </a:r>
-            <a:r>
-              <a:rPr lang="en-US" altLang="zh-CN" sz="2000" dirty="0"/>
-              <a:t>KB</a:t>
-            </a:r>
-            <a:r>
-              <a:rPr lang="zh-CN" altLang="en-US" sz="2000" dirty="0"/>
-              <a:t>；第三项</a:t>
-            </a:r>
-            <a:r>
-              <a:rPr lang="en-US" altLang="zh-CN" sz="2000" dirty="0"/>
-              <a:t>d</a:t>
-            </a:r>
-            <a:r>
-              <a:rPr lang="zh-CN" altLang="en-US" sz="2000" dirty="0"/>
-              <a:t>表示目录，</a:t>
-            </a:r>
-            <a:r>
-              <a:rPr lang="en-US" altLang="zh-CN" sz="2000" dirty="0"/>
-              <a:t>l</a:t>
-            </a:r>
-            <a:r>
-              <a:rPr lang="zh-CN" altLang="en-US" sz="2000" dirty="0"/>
-              <a:t>表示链接文件，</a:t>
-            </a:r>
-            <a:r>
-              <a:rPr lang="en-US" altLang="zh-CN" sz="2000" dirty="0"/>
-              <a:t>-</a:t>
-            </a:r>
-            <a:r>
-              <a:rPr lang="zh-CN" altLang="en-US" sz="2000" dirty="0"/>
-              <a:t>是普通文件，</a:t>
-            </a:r>
-            <a:r>
-              <a:rPr lang="en-US" altLang="zh-CN" sz="2000" dirty="0"/>
-              <a:t>r</a:t>
-            </a:r>
-            <a:r>
-              <a:rPr lang="zh-CN" altLang="en-US" sz="2000" dirty="0"/>
-              <a:t>，</a:t>
-            </a:r>
-            <a:r>
-              <a:rPr lang="en-US" altLang="zh-CN" sz="2000" dirty="0"/>
-              <a:t>w</a:t>
-            </a:r>
-            <a:r>
-              <a:rPr lang="zh-CN" altLang="en-US" sz="2000" dirty="0"/>
-              <a:t>，</a:t>
-            </a:r>
-            <a:r>
-              <a:rPr lang="en-US" altLang="zh-CN" sz="2000" dirty="0"/>
-              <a:t>x</a:t>
-            </a:r>
-            <a:r>
-              <a:rPr lang="zh-CN" altLang="en-US" sz="2000" dirty="0"/>
-              <a:t>分别表示可读，可写，可执行。连续三个</a:t>
-            </a:r>
-            <a:r>
-              <a:rPr lang="en-US" altLang="zh-CN" sz="2000" dirty="0" err="1"/>
-              <a:t>rwx</a:t>
-            </a:r>
-            <a:r>
-              <a:rPr lang="zh-CN" altLang="en-US" sz="2000" dirty="0"/>
-              <a:t>，分别表示文件所属用户具有的权限，文件所属组具有的权限，其他用户具有的权限。</a:t>
-            </a:r>
-            <a:r>
-              <a:rPr lang="en-US" altLang="zh-CN" sz="2000" dirty="0"/>
-              <a:t>-</a:t>
-            </a:r>
-            <a:r>
-              <a:rPr lang="zh-CN" altLang="en-US" sz="2000" dirty="0"/>
-              <a:t>表示没有权限。</a:t>
-            </a:r>
             <a:endParaRPr lang="en-US" altLang="zh-CN" sz="2000" dirty="0"/>
           </a:p>
-          <a:p>
-            <a:r>
-              <a:rPr lang="zh-CN" altLang="en-US" sz="2000" dirty="0"/>
-              <a:t>第四项代表的是文件指向的</a:t>
-            </a:r>
-            <a:r>
-              <a:rPr lang="en-US" altLang="zh-CN" sz="2000" dirty="0" err="1"/>
-              <a:t>inode</a:t>
-            </a:r>
-            <a:r>
-              <a:rPr lang="zh-CN" altLang="en-US" sz="2000" dirty="0"/>
-              <a:t>数，如果是普通文件，值为</a:t>
-            </a:r>
-            <a:r>
-              <a:rPr lang="en-US" altLang="zh-CN" sz="2000" dirty="0"/>
-              <a:t>1</a:t>
-            </a:r>
-            <a:r>
-              <a:rPr lang="zh-CN" altLang="en-US" sz="2000" dirty="0"/>
-              <a:t>；如果是目录文件，数值等于该目录下的当前目录（</a:t>
-            </a:r>
-            <a:r>
-              <a:rPr lang="en-US" altLang="zh-CN" sz="2000" dirty="0"/>
-              <a:t>.</a:t>
-            </a:r>
-            <a:r>
-              <a:rPr lang="zh-CN" altLang="en-US" sz="2000" dirty="0"/>
-              <a:t>）、当前目录的父目录（</a:t>
-            </a:r>
-            <a:r>
-              <a:rPr lang="en-US" altLang="zh-CN" sz="2000" dirty="0"/>
-              <a:t>..</a:t>
-            </a:r>
-            <a:r>
-              <a:rPr lang="zh-CN" altLang="en-US" sz="2000" dirty="0"/>
-              <a:t>）以及当前目录下的所有文件和子目录的和。</a:t>
-            </a:r>
-            <a:endParaRPr lang="en-US" altLang="zh-CN" sz="2000" dirty="0"/>
-          </a:p>
-          <a:p>
-            <a:r>
-              <a:rPr lang="zh-CN" altLang="en-US" sz="2000" dirty="0"/>
-              <a:t>接下来的第五项和第六项分别指文件所属用户和文件所属组。所属用户默认为文件的创建者，所属组默认为创建者所属的基本组。</a:t>
-            </a:r>
-            <a:endParaRPr lang="en-US" altLang="zh-CN" sz="2000" dirty="0"/>
-          </a:p>
-          <a:p>
-            <a:r>
-              <a:rPr lang="zh-CN" altLang="en-US" sz="2000" dirty="0"/>
-              <a:t>第七项是文件大小，以字节为单位。第八项是文件创建日期。第九项是文件的名称。</a:t>
-            </a:r>
-            <a:endParaRPr lang="en-US" altLang="zh-CN" sz="2000" dirty="0"/>
-          </a:p>
-        </p:txBody>
-      </p:sp>
-      <p:pic>
-        <p:nvPicPr>
-          <p:cNvPr id="5" name="图片 4">
-            <a:extLst>
-              <a:ext uri="{FF2B5EF4-FFF2-40B4-BE49-F238E27FC236}">
-                <a16:creationId xmlns:a16="http://schemas.microsoft.com/office/drawing/2014/main" id="{853006F5-D829-4D2A-80C2-63DEE2C7E9DD}"/>
-              </a:ext>
-            </a:extLst>
-          </p:cNvPr>
-          <p:cNvPicPr>
-            <a:picLocks noChangeAspect="1"/>
-          </p:cNvPicPr>
-          <p:nvPr/>
-        </p:nvPicPr>
-        <p:blipFill>
-          <a:blip r:embed="rId2">
-            <a:extLst>
-              <a:ext uri="{28A0092B-C50C-407E-A947-70E740481C1C}">
-                <a14:useLocalDpi xmlns:a14="http://schemas.microsoft.com/office/drawing/2010/main" val="0"/>
-              </a:ext>
-            </a:extLst>
-          </a:blip>
-          <a:stretch>
-            <a:fillRect/>
-          </a:stretch>
-        </p:blipFill>
-        <p:spPr>
-          <a:xfrm>
-            <a:off x="1102051" y="1975689"/>
-            <a:ext cx="8494710" cy="1677875"/>
-          </a:xfrm>
-          <a:prstGeom prst="rect">
-            <a:avLst/>
-          </a:prstGeom>
-        </p:spPr>
-      </p:pic>
+        </p:txBody>
+      </p:sp>
     </p:spTree>
     <p:extLst>
       <p:ext uri="{BB962C8B-B14F-4D97-AF65-F5344CB8AC3E}">
-        <p14:creationId xmlns:p14="http://schemas.microsoft.com/office/powerpoint/2010/main" val="3145881099"/>
+        <p14:creationId xmlns:p14="http://schemas.microsoft.com/office/powerpoint/2010/main" val="2475136634"/>
       </p:ext>
     </p:extLst>
   </p:cSld>
@@ -9863,8 +9137,13 @@
           <a:p>
             <a:r>
               <a:rPr lang="zh-CN" altLang="en-US" dirty="0"/>
-              <a:t>文件权限与标志位</a:t>
-            </a:r>
+              <a:t>更改文件权限：</a:t>
+            </a:r>
+            <a:r>
+              <a:rPr lang="en-US" altLang="zh-CN" dirty="0" err="1"/>
+              <a:t>chmod</a:t>
+            </a:r>
+            <a:endParaRPr lang="zh-CN" altLang="en-US" dirty="0"/>
           </a:p>
         </p:txBody>
       </p:sp>
@@ -9887,165 +9166,50 @@
         <p:spPr/>
         <p:txBody>
           <a:bodyPr>
-            <a:normAutofit lnSpcReduction="10000"/>
+            <a:normAutofit fontScale="92500" lnSpcReduction="10000"/>
           </a:bodyPr>
           <a:lstStyle/>
           <a:p>
             <a:r>
               <a:rPr lang="zh-CN" altLang="en-US" sz="2000" dirty="0"/>
-              <a:t>文件的权限用标志位来表示。所属用户、所属组、其他用户的权限分别用三个二进制标志位来表示，这三个标志位分别对应读、写、执行这三种权限，标志位为</a:t>
-            </a:r>
-            <a:r>
-              <a:rPr lang="en-US" altLang="zh-CN" sz="2000" dirty="0"/>
-              <a:t>0</a:t>
-            </a:r>
-            <a:r>
-              <a:rPr lang="zh-CN" altLang="en-US" sz="2000" dirty="0"/>
-              <a:t>表示没有权限，标志位为</a:t>
-            </a:r>
-            <a:r>
-              <a:rPr lang="en-US" altLang="zh-CN" sz="2000" dirty="0"/>
-              <a:t>1</a:t>
-            </a:r>
-            <a:r>
-              <a:rPr lang="zh-CN" altLang="en-US" sz="2000" dirty="0"/>
-              <a:t>表示有权限。我们用</a:t>
-            </a:r>
-            <a:r>
-              <a:rPr lang="en-US" altLang="zh-CN" sz="2000" dirty="0"/>
-              <a:t>ls -l</a:t>
-            </a:r>
-            <a:r>
-              <a:rPr lang="zh-CN" altLang="en-US" sz="2000" dirty="0"/>
-              <a:t>显示文件详细信息的时候，就是通过判断标志位来显示 </a:t>
-            </a:r>
-            <a:r>
-              <a:rPr lang="en-US" altLang="zh-CN" sz="2000" dirty="0"/>
-              <a:t>r/w/x/-</a:t>
-            </a:r>
-            <a:r>
-              <a:rPr lang="zh-CN" altLang="en-US" sz="2000" dirty="0"/>
-              <a:t>的。</a:t>
+              <a:t>使用</a:t>
+            </a:r>
+            <a:r>
+              <a:rPr lang="en-US" altLang="zh-CN" sz="2000" dirty="0" err="1"/>
+              <a:t>chmod</a:t>
+            </a:r>
+            <a:r>
+              <a:rPr lang="zh-CN" altLang="en-US" sz="2000" dirty="0"/>
+              <a:t>命令去变更文件与目录的权限时，设置方式采用字符或数字皆可</a:t>
             </a:r>
             <a:endParaRPr lang="en-US" altLang="zh-CN" sz="2000" dirty="0"/>
           </a:p>
           <a:p>
             <a:r>
               <a:rPr lang="zh-CN" altLang="en-US" sz="2000" dirty="0"/>
-              <a:t>文件权限的另一种表示方法是使用十进制数字。以三个标志位为一组，最左边的</a:t>
-            </a:r>
-            <a:r>
-              <a:rPr lang="en-US" altLang="zh-CN" sz="2000" dirty="0"/>
-              <a:t>1</a:t>
-            </a:r>
-            <a:r>
-              <a:rPr lang="zh-CN" altLang="en-US" sz="2000" dirty="0"/>
-              <a:t>代表十进制</a:t>
-            </a:r>
-            <a:r>
-              <a:rPr lang="en-US" altLang="zh-CN" sz="2000" dirty="0"/>
-              <a:t>4</a:t>
-            </a:r>
-            <a:r>
-              <a:rPr lang="zh-CN" altLang="en-US" sz="2000" dirty="0"/>
-              <a:t>，中间的</a:t>
-            </a:r>
-            <a:r>
-              <a:rPr lang="en-US" altLang="zh-CN" sz="2000" dirty="0"/>
-              <a:t>1</a:t>
-            </a:r>
-            <a:r>
-              <a:rPr lang="zh-CN" altLang="en-US" sz="2000" dirty="0"/>
-              <a:t>代表十进制</a:t>
-            </a:r>
-            <a:r>
-              <a:rPr lang="en-US" altLang="zh-CN" sz="2000" dirty="0"/>
-              <a:t>2</a:t>
-            </a:r>
-            <a:r>
-              <a:rPr lang="zh-CN" altLang="en-US" sz="2000" dirty="0"/>
-              <a:t>，最右边的</a:t>
-            </a:r>
-            <a:r>
-              <a:rPr lang="en-US" altLang="zh-CN" sz="2000" dirty="0"/>
-              <a:t>1</a:t>
-            </a:r>
-            <a:r>
-              <a:rPr lang="zh-CN" altLang="en-US" sz="2000" dirty="0"/>
-              <a:t>代表十进制</a:t>
-            </a:r>
-            <a:r>
-              <a:rPr lang="en-US" altLang="zh-CN" sz="2000" dirty="0"/>
-              <a:t>1</a:t>
-            </a:r>
-            <a:r>
-              <a:rPr lang="zh-CN" altLang="en-US" sz="2000" dirty="0"/>
-              <a:t>，三个数字相加的结果即是</a:t>
-            </a:r>
-            <a:r>
-              <a:rPr lang="en-US" altLang="zh-CN" sz="2000" dirty="0" err="1"/>
-              <a:t>rwx</a:t>
-            </a:r>
-            <a:r>
-              <a:rPr lang="zh-CN" altLang="en-US" sz="2000" dirty="0"/>
-              <a:t>的另一种表示，即用数字</a:t>
-            </a:r>
-            <a:r>
-              <a:rPr lang="en-US" altLang="zh-CN" sz="2000" dirty="0"/>
-              <a:t>0-7</a:t>
-            </a:r>
-            <a:r>
-              <a:rPr lang="zh-CN" altLang="en-US" sz="2000" dirty="0"/>
-              <a:t>表示出了 </a:t>
-            </a:r>
-            <a:r>
-              <a:rPr lang="en-US" altLang="zh-CN" sz="2000" dirty="0"/>
-              <a:t>r/w/x/- </a:t>
-            </a:r>
-            <a:r>
-              <a:rPr lang="zh-CN" altLang="en-US" sz="2000" dirty="0"/>
-              <a:t>之间的所有组合。</a:t>
+              <a:t>使用字符方式时，每个字符的含义如下</a:t>
             </a:r>
             <a:endParaRPr lang="en-US" altLang="zh-CN" sz="2000" dirty="0"/>
           </a:p>
           <a:p>
-            <a:r>
-              <a:rPr lang="zh-CN" altLang="en-US" sz="2000" dirty="0"/>
-              <a:t>例如，</a:t>
-            </a:r>
-            <a:r>
-              <a:rPr lang="en-US" altLang="zh-CN" sz="2000" dirty="0"/>
-              <a:t>-</a:t>
-            </a:r>
-            <a:r>
-              <a:rPr lang="en-US" altLang="zh-CN" sz="2000" dirty="0" err="1"/>
-              <a:t>rwxr</a:t>
-            </a:r>
-            <a:r>
-              <a:rPr lang="en-US" altLang="zh-CN" sz="2000" dirty="0"/>
-              <a:t>-</a:t>
-            </a:r>
-            <a:r>
-              <a:rPr lang="en-US" altLang="zh-CN" sz="2000" dirty="0" err="1"/>
-              <a:t>xr</a:t>
-            </a:r>
-            <a:r>
-              <a:rPr lang="en-US" altLang="zh-CN" sz="2000" dirty="0"/>
-              <a:t>-x</a:t>
-            </a:r>
-            <a:r>
-              <a:rPr lang="zh-CN" altLang="en-US" sz="2000" dirty="0"/>
-              <a:t>用数字表示就是</a:t>
-            </a:r>
-            <a:r>
-              <a:rPr lang="en-US" altLang="zh-CN" sz="2000" dirty="0"/>
-              <a:t>755</a:t>
-            </a:r>
-          </a:p>
-          <a:p>
-            <a:r>
-              <a:rPr lang="zh-CN" altLang="en-US" sz="2000" dirty="0"/>
-              <a:t>文件权限的意义：</a:t>
+            <a:pPr marL="0" indent="0">
+              <a:buNone/>
+            </a:pPr>
+            <a:r>
+              <a:rPr lang="en-US" altLang="zh-CN" sz="2000" dirty="0"/>
+              <a:t>    u </a:t>
+            </a:r>
+            <a:r>
+              <a:rPr lang="zh-CN" altLang="en-US" sz="2000" dirty="0"/>
+              <a:t>代表</a:t>
+            </a:r>
+            <a:r>
+              <a:rPr lang="en-US" altLang="zh-CN" sz="2000" dirty="0"/>
+              <a:t>User</a:t>
+            </a:r>
+            <a:r>
+              <a:rPr lang="zh-CN" altLang="en-US" sz="2000" dirty="0"/>
+              <a:t>，即文件或目录的所有者；</a:t>
             </a:r>
             <a:endParaRPr lang="en-US" altLang="zh-CN" sz="2000" dirty="0"/>
           </a:p>
@@ -10055,12 +9219,21 @@
             </a:pPr>
             <a:r>
               <a:rPr lang="en-US" altLang="zh-CN" sz="2000" dirty="0"/>
-              <a:t>    r</a:t>
-            </a:r>
-            <a:r>
-              <a:rPr lang="zh-CN" altLang="en-US" sz="2000" dirty="0"/>
-              <a:t>：可以读这个文件的具体内容；</a:t>
-            </a:r>
+              <a:t>    g </a:t>
+            </a:r>
+            <a:r>
+              <a:rPr lang="zh-CN" altLang="en-US" sz="2000" dirty="0"/>
+              <a:t>代表</a:t>
+            </a:r>
+            <a:r>
+              <a:rPr lang="en-US" altLang="zh-CN" sz="2000" dirty="0"/>
+              <a:t>Group</a:t>
+            </a:r>
+            <a:r>
+              <a:rPr lang="zh-CN" altLang="en-US" sz="2000" dirty="0"/>
+              <a:t>，即文件或目录的所属群组；</a:t>
+            </a:r>
+            <a:endParaRPr lang="en-US" altLang="zh-CN" sz="2000" dirty="0"/>
           </a:p>
           <a:p>
             <a:pPr marL="0" indent="0">
@@ -10068,12 +9241,87 @@
             </a:pPr>
             <a:r>
               <a:rPr lang="en-US" altLang="zh-CN" sz="2000" dirty="0"/>
+              <a:t>    o </a:t>
+            </a:r>
+            <a:r>
+              <a:rPr lang="zh-CN" altLang="en-US" sz="2000" dirty="0"/>
+              <a:t>代表</a:t>
+            </a:r>
+            <a:r>
+              <a:rPr lang="en-US" altLang="zh-CN" sz="2000" dirty="0"/>
+              <a:t>Other</a:t>
+            </a:r>
+            <a:r>
+              <a:rPr lang="zh-CN" altLang="en-US" sz="2000" dirty="0"/>
+              <a:t>，即除了文件或目录所有者或所属群组之外，其他的用户；</a:t>
+            </a:r>
+            <a:endParaRPr lang="en-US" altLang="zh-CN" sz="2000" dirty="0"/>
+          </a:p>
+          <a:p>
+            <a:pPr marL="0" indent="0">
+              <a:buNone/>
+            </a:pPr>
+            <a:r>
+              <a:rPr lang="en-US" altLang="zh-CN" sz="2000" dirty="0"/>
+              <a:t>    a </a:t>
+            </a:r>
+            <a:r>
+              <a:rPr lang="zh-CN" altLang="en-US" sz="2000" dirty="0"/>
+              <a:t>代表</a:t>
+            </a:r>
+            <a:r>
+              <a:rPr lang="en-US" altLang="zh-CN" sz="2000" dirty="0"/>
+              <a:t>All</a:t>
+            </a:r>
+            <a:r>
+              <a:rPr lang="zh-CN" altLang="en-US" sz="2000" dirty="0"/>
+              <a:t>，即全体用户，包含所有者、所属群组以及其他用户；</a:t>
+            </a:r>
+            <a:endParaRPr lang="en-US" altLang="zh-CN" sz="2000" dirty="0"/>
+          </a:p>
+          <a:p>
+            <a:pPr marL="0" indent="0">
+              <a:buNone/>
+            </a:pPr>
+            <a:r>
+              <a:rPr lang="en-US" altLang="zh-CN" sz="2000" dirty="0"/>
+              <a:t>    r </a:t>
+            </a:r>
+            <a:r>
+              <a:rPr lang="zh-CN" altLang="en-US" sz="2000" dirty="0"/>
+              <a:t>代表读取权限，数字代号为“</a:t>
+            </a:r>
+            <a:r>
+              <a:rPr lang="en-US" altLang="zh-CN" sz="2000" dirty="0"/>
+              <a:t>4”</a:t>
+            </a:r>
+            <a:r>
+              <a:rPr lang="zh-CN" altLang="en-US" sz="2000" dirty="0"/>
+              <a:t>；</a:t>
+            </a:r>
+            <a:endParaRPr lang="en-US" altLang="zh-CN" sz="2000" dirty="0"/>
+          </a:p>
+          <a:p>
+            <a:pPr marL="0" indent="0">
+              <a:buNone/>
+            </a:pPr>
+            <a:r>
+              <a:rPr lang="en-US" altLang="zh-CN" sz="2000" dirty="0"/>
               <a:t>    w</a:t>
             </a:r>
             <a:r>
               <a:rPr lang="zh-CN" altLang="en-US" sz="2000" dirty="0"/>
-              <a:t>：可以编辑这个文件的内容，包括增加删除文件的具体内容；</a:t>
-            </a:r>
+              <a:t> 代表写入权限，数字代号为“</a:t>
+            </a:r>
+            <a:r>
+              <a:rPr lang="en-US" altLang="zh-CN" sz="2000" dirty="0"/>
+              <a:t>2”</a:t>
+            </a:r>
+            <a:r>
+              <a:rPr lang="zh-CN" altLang="en-US" sz="2000" dirty="0"/>
+              <a:t>；</a:t>
+            </a:r>
+            <a:endParaRPr lang="en-US" altLang="zh-CN" sz="2000" dirty="0"/>
           </a:p>
           <a:p>
             <a:pPr marL="0" indent="0">
@@ -10081,35 +9329,19 @@
             </a:pPr>
             <a:r>
               <a:rPr lang="en-US" altLang="zh-CN" sz="2000" dirty="0"/>
-              <a:t>    x</a:t>
-            </a:r>
-            <a:r>
-              <a:rPr lang="zh-CN" altLang="en-US" sz="2000" dirty="0"/>
-              <a:t>：文件具有可执行的权限</a:t>
-            </a:r>
-            <a:r>
-              <a:rPr lang="en-US" altLang="zh-CN" sz="2000" dirty="0"/>
-              <a:t>-------</a:t>
-            </a:r>
-            <a:r>
-              <a:rPr lang="zh-CN" altLang="en-US" sz="2000" dirty="0"/>
-              <a:t>注意：这里和</a:t>
-            </a:r>
-            <a:r>
-              <a:rPr lang="en-US" altLang="zh-CN" sz="2000" dirty="0"/>
-              <a:t>windows</a:t>
-            </a:r>
-            <a:r>
-              <a:rPr lang="zh-CN" altLang="en-US" sz="2000" dirty="0"/>
-              <a:t>不一样，在</a:t>
-            </a:r>
-            <a:r>
-              <a:rPr lang="en-US" altLang="zh-CN" sz="2000" dirty="0"/>
-              <a:t>win</a:t>
-            </a:r>
-            <a:r>
-              <a:rPr lang="zh-CN" altLang="en-US" sz="2000" dirty="0"/>
-              <a:t>中，文件的可</a:t>
+              <a:t>    x </a:t>
+            </a:r>
+            <a:r>
+              <a:rPr lang="zh-CN" altLang="en-US" sz="2000" dirty="0"/>
+              <a:t>代表执行或进入权限，数字代号为“</a:t>
+            </a:r>
+            <a:r>
+              <a:rPr lang="en-US" altLang="zh-CN" sz="2000" dirty="0"/>
+              <a:t>1” </a:t>
+            </a:r>
+            <a:r>
+              <a:rPr lang="zh-CN" altLang="en-US" sz="2000" dirty="0"/>
+              <a:t>；</a:t>
             </a:r>
             <a:endParaRPr lang="en-US" altLang="zh-CN" sz="2000" dirty="0"/>
           </a:p>
@@ -10119,35 +9351,19 @@
             </a:pPr>
             <a:r>
               <a:rPr lang="en-US" altLang="zh-CN" sz="2000" dirty="0"/>
-              <a:t>     </a:t>
-            </a:r>
-            <a:r>
-              <a:rPr lang="zh-CN" altLang="en-US" sz="2000" dirty="0"/>
-              <a:t>   执行权限是通过扩展名表现出来的，如</a:t>
-            </a:r>
-            <a:r>
-              <a:rPr lang="en-US" altLang="zh-CN" sz="2000" dirty="0"/>
-              <a:t>exe</a:t>
-            </a:r>
-            <a:r>
-              <a:rPr lang="zh-CN" altLang="en-US" sz="2000" dirty="0"/>
-              <a:t>、</a:t>
-            </a:r>
-            <a:r>
-              <a:rPr lang="en-US" altLang="zh-CN" sz="2000" dirty="0"/>
-              <a:t>bat</a:t>
-            </a:r>
-            <a:r>
-              <a:rPr lang="zh-CN" altLang="en-US" sz="2000" dirty="0"/>
-              <a:t>等，但是在</a:t>
-            </a:r>
-            <a:r>
-              <a:rPr lang="en-US" altLang="zh-CN" sz="2000" dirty="0" err="1"/>
-              <a:t>linux</a:t>
-            </a:r>
-            <a:r>
-              <a:rPr lang="zh-CN" altLang="en-US" sz="2000" dirty="0"/>
-              <a:t>中文件的可执行权限是</a:t>
+              <a:t>    - </a:t>
+            </a:r>
+            <a:r>
+              <a:rPr lang="zh-CN" altLang="en-US" sz="2000" dirty="0"/>
+              <a:t>代表不具任何权限，数字代号为“</a:t>
+            </a:r>
+            <a:r>
+              <a:rPr lang="en-US" altLang="zh-CN" sz="2000" dirty="0"/>
+              <a:t>0” </a:t>
+            </a:r>
+            <a:r>
+              <a:rPr lang="zh-CN" altLang="en-US" sz="2000" dirty="0"/>
+              <a:t>；</a:t>
             </a:r>
             <a:endParaRPr lang="en-US" altLang="zh-CN" sz="2000" dirty="0"/>
           </a:p>
@@ -10157,23 +9373,36 @@
             </a:pPr>
             <a:r>
               <a:rPr lang="en-US" altLang="zh-CN" sz="2000" dirty="0"/>
-              <a:t>        </a:t>
-            </a:r>
-            <a:r>
-              <a:rPr lang="zh-CN" altLang="en-US" sz="2000" dirty="0"/>
-              <a:t>通过这个</a:t>
-            </a:r>
-            <a:r>
-              <a:rPr lang="en-US" altLang="zh-CN" sz="2000" dirty="0"/>
-              <a:t>x</a:t>
-            </a:r>
-            <a:r>
-              <a:rPr lang="zh-CN" altLang="en-US" sz="2000" dirty="0"/>
-              <a:t>决定的，与文件名没有什么关系。</a:t>
+              <a:t>    + </a:t>
+            </a:r>
+            <a:r>
+              <a:rPr lang="zh-CN" altLang="en-US" sz="2000" dirty="0"/>
+              <a:t>代表添加权限；</a:t>
             </a:r>
             <a:endParaRPr lang="en-US" altLang="zh-CN" sz="2000" dirty="0"/>
           </a:p>
           <a:p>
+            <a:pPr marL="0" indent="0">
+              <a:buNone/>
+            </a:pPr>
+            <a:r>
+              <a:rPr lang="zh-CN" altLang="en-US" sz="2000" dirty="0"/>
+              <a:t>    －（减号）代表去除权限；</a:t>
+            </a:r>
+            <a:endParaRPr lang="en-US" altLang="zh-CN" sz="2000" dirty="0"/>
+          </a:p>
+          <a:p>
+            <a:pPr marL="0" indent="0">
+              <a:buNone/>
+            </a:pPr>
+            <a:r>
+              <a:rPr lang="en-US" altLang="zh-CN" sz="2000" dirty="0"/>
+              <a:t>     = </a:t>
+            </a:r>
+            <a:r>
+              <a:rPr lang="zh-CN" altLang="en-US" sz="2000" dirty="0"/>
+              <a:t>代表重新赋权；</a:t>
+            </a:r>
             <a:endParaRPr lang="en-US" altLang="zh-CN" sz="2000" dirty="0"/>
           </a:p>
         </p:txBody>
@@ -10181,7 +9410,7 @@
     </p:spTree>
     <p:extLst>
       <p:ext uri="{BB962C8B-B14F-4D97-AF65-F5344CB8AC3E}">
-        <p14:creationId xmlns:p14="http://schemas.microsoft.com/office/powerpoint/2010/main" val="593718680"/>
+        <p14:creationId xmlns:p14="http://schemas.microsoft.com/office/powerpoint/2010/main" val="3473480686"/>
       </p:ext>
     </p:extLst>
   </p:cSld>
@@ -10210,7 +9439,13 @@
       </p:grpSpPr>
       <p:sp>
         <p:nvSpPr>
-          <p:cNvPr id="2" name="标题 1"/>
+          <p:cNvPr id="2" name="标题 1">
+            <a:extLst>
+              <a:ext uri="{FF2B5EF4-FFF2-40B4-BE49-F238E27FC236}">
+                <a16:creationId xmlns:a16="http://schemas.microsoft.com/office/drawing/2014/main" id="{8B88BACC-24DE-4087-9AB3-A099CF573089}"/>
+              </a:ext>
+            </a:extLst>
+          </p:cNvPr>
           <p:cNvSpPr>
             <a:spLocks noGrp="1"/>
           </p:cNvSpPr>
@@ -10225,14 +9460,20 @@
           <a:p>
             <a:r>
               <a:rPr lang="zh-CN" altLang="en-US" dirty="0"/>
-              <a:t>目录权限</a:t>
-            </a:r>
-          </a:p>
-        </p:txBody>
-      </p:sp>
-      <p:sp>
-        <p:nvSpPr>
-          <p:cNvPr id="3" name="内容占位符 2"/>
+              <a:t>更改权限示例</a:t>
+            </a:r>
+          </a:p>
+        </p:txBody>
+      </p:sp>
+      <p:sp>
+        <p:nvSpPr>
+          <p:cNvPr id="3" name="内容占位符 2">
+            <a:extLst>
+              <a:ext uri="{FF2B5EF4-FFF2-40B4-BE49-F238E27FC236}">
+                <a16:creationId xmlns:a16="http://schemas.microsoft.com/office/drawing/2014/main" id="{0A1C6B17-780B-4799-8193-E52FD817AC0E}"/>
+              </a:ext>
+            </a:extLst>
+          </p:cNvPr>
           <p:cNvSpPr>
             <a:spLocks noGrp="1"/>
           </p:cNvSpPr>
@@ -10243,79 +9484,159 @@
         <p:spPr/>
         <p:txBody>
           <a:bodyPr>
-            <a:noAutofit/>
+            <a:normAutofit/>
           </a:bodyPr>
           <a:lstStyle/>
           <a:p>
             <a:r>
-              <a:rPr lang="en-US" altLang="zh-CN" sz="2000" dirty="0"/>
-              <a:t>r:</a:t>
-            </a:r>
-            <a:r>
-              <a:rPr lang="zh-CN" altLang="en-US" sz="2000" dirty="0"/>
-              <a:t>可以查看此目录下的完整文件信息列表</a:t>
+              <a:rPr lang="en-US" altLang="zh-CN" sz="2000" dirty="0" err="1"/>
+              <a:t>chmod</a:t>
+            </a:r>
+            <a:r>
+              <a:rPr lang="en-US" altLang="zh-CN" sz="2000" dirty="0"/>
+              <a:t> 755 test              </a:t>
+            </a:r>
+          </a:p>
+          <a:p>
+            <a:r>
+              <a:rPr lang="en-US" altLang="zh-CN" sz="2000" dirty="0" err="1"/>
+              <a:t>chmod</a:t>
+            </a:r>
+            <a:r>
+              <a:rPr lang="en-US" altLang="zh-CN" sz="2000" dirty="0"/>
+              <a:t> </a:t>
+            </a:r>
+            <a:r>
+              <a:rPr lang="en-US" altLang="zh-CN" sz="2000" dirty="0" err="1"/>
+              <a:t>u+x,g+w</a:t>
+            </a:r>
+            <a:r>
+              <a:rPr lang="en-US" altLang="zh-CN" sz="2000" dirty="0"/>
+              <a:t> test</a:t>
+            </a:r>
+            <a:r>
+              <a:rPr lang="zh-CN" altLang="en-US" sz="2000" dirty="0"/>
+              <a:t>　　</a:t>
             </a:r>
             <a:endParaRPr lang="en-US" altLang="zh-CN" sz="2000" dirty="0"/>
           </a:p>
           <a:p>
-            <a:endParaRPr lang="zh-CN" altLang="en-US" sz="2000" dirty="0"/>
-          </a:p>
-          <a:p>
-            <a:r>
-              <a:rPr lang="en-US" altLang="zh-CN" sz="2000" dirty="0"/>
-              <a:t>w</a:t>
-            </a:r>
-            <a:r>
-              <a:rPr lang="zh-CN" altLang="en-US" sz="2000" dirty="0"/>
-              <a:t>：可以对此目录下的所有的文件及目录进行相关的更改，也就是可以更改这个目录下的结构列表，即：</a:t>
-            </a:r>
-          </a:p>
-          <a:p>
-            <a:pPr marL="0" indent="0">
-              <a:buNone/>
-            </a:pPr>
-            <a:r>
-              <a:rPr lang="zh-CN" altLang="en-US" sz="2000" dirty="0"/>
-              <a:t>    可以在此目录下创建新的文件或目录；</a:t>
-            </a:r>
-          </a:p>
-          <a:p>
-            <a:pPr marL="0" indent="0">
-              <a:buNone/>
-            </a:pPr>
-            <a:r>
-              <a:rPr lang="zh-CN" altLang="en-US" sz="2000" dirty="0"/>
-              <a:t>    可以在此目录下删除存在的文件或目录（不论该文件的权限是什么，这点要格外注意！）</a:t>
-            </a:r>
-          </a:p>
-          <a:p>
-            <a:pPr marL="0" indent="0">
-              <a:buNone/>
-            </a:pPr>
-            <a:r>
-              <a:rPr lang="zh-CN" altLang="en-US" sz="2000" dirty="0"/>
-              <a:t>    可以重命名及改变文件或目录的位置。</a:t>
-            </a:r>
-          </a:p>
-          <a:p>
-            <a:endParaRPr lang="zh-CN" altLang="en-US" sz="2000" dirty="0"/>
-          </a:p>
-          <a:p>
-            <a:r>
-              <a:rPr lang="en-US" altLang="zh-CN" sz="2000" dirty="0"/>
-              <a:t>x</a:t>
-            </a:r>
-            <a:r>
-              <a:rPr lang="zh-CN" altLang="en-US" sz="2000" dirty="0"/>
-              <a:t>：目录的可执行权限，指的是进入这个目录的权限。</a:t>
-            </a:r>
+            <a:r>
+              <a:rPr lang="en-US" altLang="zh-CN" sz="2000" dirty="0" err="1"/>
+              <a:t>chmod</a:t>
+            </a:r>
+            <a:r>
+              <a:rPr lang="en-US" altLang="zh-CN" sz="2000" dirty="0"/>
+              <a:t> u=</a:t>
+            </a:r>
+            <a:r>
+              <a:rPr lang="en-US" altLang="zh-CN" sz="2000" dirty="0" err="1"/>
+              <a:t>rwx,g</a:t>
+            </a:r>
+            <a:r>
+              <a:rPr lang="en-US" altLang="zh-CN" sz="2000" dirty="0"/>
+              <a:t>=</a:t>
+            </a:r>
+            <a:r>
+              <a:rPr lang="en-US" altLang="zh-CN" sz="2000" dirty="0" err="1"/>
+              <a:t>rw,o</a:t>
+            </a:r>
+            <a:r>
+              <a:rPr lang="en-US" altLang="zh-CN" sz="2000" dirty="0"/>
+              <a:t>=r test</a:t>
+            </a:r>
+          </a:p>
+          <a:p>
+            <a:r>
+              <a:rPr lang="en-US" altLang="zh-CN" sz="2000" dirty="0" err="1"/>
+              <a:t>chmod</a:t>
+            </a:r>
+            <a:r>
+              <a:rPr lang="en-US" altLang="zh-CN" sz="2000" dirty="0"/>
+              <a:t> </a:t>
+            </a:r>
+            <a:r>
+              <a:rPr lang="en-US" altLang="zh-CN" sz="2000" dirty="0" err="1"/>
+              <a:t>a+x</a:t>
+            </a:r>
+            <a:r>
+              <a:rPr lang="en-US" altLang="zh-CN" sz="2000" dirty="0"/>
+              <a:t> test</a:t>
+            </a:r>
+          </a:p>
+          <a:p>
+            <a:r>
+              <a:rPr lang="en-US" altLang="zh-CN" sz="2000" dirty="0" err="1"/>
+              <a:t>chmod</a:t>
+            </a:r>
+            <a:r>
+              <a:rPr lang="en-US" altLang="zh-CN" sz="2000" dirty="0"/>
+              <a:t> +x test </a:t>
+            </a:r>
+            <a:r>
+              <a:rPr lang="zh-CN" altLang="en-US" sz="2000" dirty="0"/>
+              <a:t>对全体用户和组生效　</a:t>
+            </a:r>
+            <a:endParaRPr lang="en-US" altLang="zh-CN" sz="2000" dirty="0"/>
+          </a:p>
+          <a:p>
+            <a:r>
+              <a:rPr lang="en-US" altLang="zh-CN" sz="2000" dirty="0" err="1"/>
+              <a:t>chmod</a:t>
+            </a:r>
+            <a:r>
+              <a:rPr lang="en-US" altLang="zh-CN" sz="2000" dirty="0"/>
+              <a:t> 755 -R &lt;DIR&gt; </a:t>
+            </a:r>
+            <a:r>
+              <a:rPr lang="zh-CN" altLang="en-US" sz="2000" dirty="0"/>
+              <a:t>：以递归方式对目录及文件和子目录更改权限。</a:t>
+            </a:r>
+            <a:endParaRPr lang="en-US" altLang="zh-CN" sz="2000" dirty="0"/>
+          </a:p>
+          <a:p>
+            <a:r>
+              <a:rPr lang="zh-CN" altLang="en-US" sz="2000" dirty="0"/>
+              <a:t>更改文件权限的操作仅限于当前用户的文件，更改其他用户的文件权限需要管理员或文件所属用户的权限。</a:t>
+            </a:r>
+            <a:r>
+              <a:rPr lang="en-US" altLang="zh-CN" sz="2000" dirty="0"/>
+              <a:t>root</a:t>
+            </a:r>
+            <a:r>
+              <a:rPr lang="zh-CN" altLang="en-US" sz="2000" dirty="0"/>
+              <a:t>用户的文件需要获取</a:t>
+            </a:r>
+            <a:r>
+              <a:rPr lang="en-US" altLang="zh-CN" sz="2000" dirty="0"/>
+              <a:t>root</a:t>
+            </a:r>
+            <a:r>
+              <a:rPr lang="zh-CN" altLang="en-US" sz="2000" dirty="0"/>
+              <a:t>权限才可以更改文件权限。</a:t>
+            </a:r>
+            <a:endParaRPr lang="en-US" altLang="zh-CN" sz="2000" dirty="0"/>
+          </a:p>
+          <a:p>
+            <a:r>
+              <a:rPr lang="zh-CN" altLang="en-US" sz="2000" dirty="0"/>
+              <a:t>符号连接的权限无法变更，如果用户对符号连接修改权限，其权限改变会作用在被连接的文件上，但符号连接文件本身的权限。</a:t>
+            </a:r>
+            <a:endParaRPr lang="en-US" altLang="zh-CN" sz="2000" dirty="0"/>
+          </a:p>
+          <a:p>
+            <a:r>
+              <a:rPr lang="zh-CN" altLang="en-US" sz="2000" dirty="0"/>
+              <a:t>符号连接文件是一个特殊的文件，给符号连接文件变更权限是没有意义的。如果用户对符号连接文件修改权限，其效果会作用到被连接的原始文件上，而符号连接文件本身的权限不会改变。</a:t>
+            </a:r>
+            <a:endParaRPr lang="en-US" altLang="zh-CN" sz="2000" dirty="0"/>
           </a:p>
         </p:txBody>
       </p:sp>
     </p:spTree>
     <p:extLst>
       <p:ext uri="{BB962C8B-B14F-4D97-AF65-F5344CB8AC3E}">
-        <p14:creationId xmlns:p14="http://schemas.microsoft.com/office/powerpoint/2010/main" val="682001193"/>
+        <p14:creationId xmlns:p14="http://schemas.microsoft.com/office/powerpoint/2010/main" val="3466496868"/>
       </p:ext>
     </p:extLst>
   </p:cSld>

--- a/materials/slides/ch07-file-management.pptx
+++ b/materials/slides/ch07-file-management.pptx
@@ -5,6 +5,9 @@
     <p:sldMasterId id="2147483648" r:id="rId1"/>
     <p:sldMasterId id="2147483660" r:id="rId2"/>
   </p:sldMasterIdLst>
+  <p:notesMasterIdLst>
+    <p:notesMasterId r:id="rId15"/>
+  </p:notesMasterIdLst>
   <p:sldIdLst>
     <p:sldId id="260" r:id="rId3"/>
     <p:sldId id="273" r:id="rId4"/>
@@ -133,6 +136,439 @@
     </p:ext>
   </p:extLst>
 </p:presentation>
+</file>
+
+<file path=ppt/notesMasters/notesMaster1.xml><?xml version="1.0" encoding="utf-8"?>
+<p:notesMaster xmlns:a="http://schemas.openxmlformats.org/drawingml/2006/main" xmlns:r="http://schemas.openxmlformats.org/officeDocument/2006/relationships" xmlns:p="http://schemas.openxmlformats.org/presentationml/2006/main">
+  <p:cSld>
+    <p:bg>
+      <p:bgRef idx="1001">
+        <a:schemeClr val="bg1"/>
+      </p:bgRef>
+    </p:bg>
+    <p:spTree>
+      <p:nvGrpSpPr>
+        <p:cNvPr id="1" name=""/>
+        <p:cNvGrpSpPr/>
+        <p:nvPr/>
+      </p:nvGrpSpPr>
+      <p:grpSpPr>
+        <a:xfrm>
+          <a:off x="0" y="0"/>
+          <a:ext cx="0" cy="0"/>
+          <a:chOff x="0" y="0"/>
+          <a:chExt cx="0" cy="0"/>
+        </a:xfrm>
+      </p:grpSpPr>
+      <p:sp>
+        <p:nvSpPr>
+          <p:cNvPr id="2" name="页眉占位符 1"/>
+          <p:cNvSpPr>
+            <a:spLocks noGrp="1"/>
+          </p:cNvSpPr>
+          <p:nvPr>
+            <p:ph type="hdr" sz="quarter"/>
+          </p:nvPr>
+        </p:nvSpPr>
+        <p:spPr>
+          <a:xfrm>
+            <a:off x="0" y="0"/>
+            <a:ext cx="2971800" cy="458788"/>
+          </a:xfrm>
+          <a:prstGeom prst="rect">
+            <a:avLst/>
+          </a:prstGeom>
+        </p:spPr>
+        <p:txBody>
+          <a:bodyPr vert="horz" lIns="91440" tIns="45720" rIns="91440" bIns="45720" rtlCol="0"/>
+          <a:lstStyle>
+            <a:lvl1pPr algn="l">
+              <a:defRPr sz="1200"/>
+            </a:lvl1pPr>
+          </a:lstStyle>
+          <a:p>
+            <a:endParaRPr lang="zh-CN" altLang="en-US"/>
+          </a:p>
+        </p:txBody>
+      </p:sp>
+      <p:sp>
+        <p:nvSpPr>
+          <p:cNvPr id="3" name="日期占位符 2"/>
+          <p:cNvSpPr>
+            <a:spLocks noGrp="1"/>
+          </p:cNvSpPr>
+          <p:nvPr>
+            <p:ph type="dt" idx="1"/>
+          </p:nvPr>
+        </p:nvSpPr>
+        <p:spPr>
+          <a:xfrm>
+            <a:off x="3884613" y="0"/>
+            <a:ext cx="2971800" cy="458788"/>
+          </a:xfrm>
+          <a:prstGeom prst="rect">
+            <a:avLst/>
+          </a:prstGeom>
+        </p:spPr>
+        <p:txBody>
+          <a:bodyPr vert="horz" lIns="91440" tIns="45720" rIns="91440" bIns="45720" rtlCol="0"/>
+          <a:lstStyle>
+            <a:lvl1pPr algn="r">
+              <a:defRPr sz="1200"/>
+            </a:lvl1pPr>
+          </a:lstStyle>
+          <a:p>
+            <a:fld id="{7367A9EC-59FC-4705-AAF4-46D667D19B05}" type="datetimeFigureOut">
+              <a:rPr lang="zh-CN" altLang="en-US" smtClean="0"/>
+              <a:t>2018/2/25</a:t>
+            </a:fld>
+            <a:endParaRPr lang="zh-CN" altLang="en-US"/>
+          </a:p>
+        </p:txBody>
+      </p:sp>
+      <p:sp>
+        <p:nvSpPr>
+          <p:cNvPr id="4" name="幻灯片图像占位符 3"/>
+          <p:cNvSpPr>
+            <a:spLocks noGrp="1" noRot="1" noChangeAspect="1"/>
+          </p:cNvSpPr>
+          <p:nvPr>
+            <p:ph type="sldImg" idx="2"/>
+          </p:nvPr>
+        </p:nvSpPr>
+        <p:spPr>
+          <a:xfrm>
+            <a:off x="685800" y="1143000"/>
+            <a:ext cx="5486400" cy="3086100"/>
+          </a:xfrm>
+          <a:prstGeom prst="rect">
+            <a:avLst/>
+          </a:prstGeom>
+          <a:noFill/>
+          <a:ln w="12700">
+            <a:solidFill>
+              <a:prstClr val="black"/>
+            </a:solidFill>
+          </a:ln>
+        </p:spPr>
+        <p:txBody>
+          <a:bodyPr vert="horz" lIns="91440" tIns="45720" rIns="91440" bIns="45720" rtlCol="0" anchor="ctr"/>
+          <a:lstStyle/>
+          <a:p>
+            <a:endParaRPr lang="zh-CN" altLang="en-US"/>
+          </a:p>
+        </p:txBody>
+      </p:sp>
+      <p:sp>
+        <p:nvSpPr>
+          <p:cNvPr id="5" name="备注占位符 4"/>
+          <p:cNvSpPr>
+            <a:spLocks noGrp="1"/>
+          </p:cNvSpPr>
+          <p:nvPr>
+            <p:ph type="body" sz="quarter" idx="3"/>
+          </p:nvPr>
+        </p:nvSpPr>
+        <p:spPr>
+          <a:xfrm>
+            <a:off x="685800" y="4400550"/>
+            <a:ext cx="5486400" cy="3600450"/>
+          </a:xfrm>
+          <a:prstGeom prst="rect">
+            <a:avLst/>
+          </a:prstGeom>
+        </p:spPr>
+        <p:txBody>
+          <a:bodyPr vert="horz" lIns="91440" tIns="45720" rIns="91440" bIns="45720" rtlCol="0"/>
+          <a:lstStyle/>
+          <a:p>
+            <a:pPr lvl="0"/>
+            <a:r>
+              <a:rPr lang="zh-CN" altLang="en-US"/>
+              <a:t>编辑母版文本样式</a:t>
+            </a:r>
+          </a:p>
+          <a:p>
+            <a:pPr lvl="1"/>
+            <a:r>
+              <a:rPr lang="zh-CN" altLang="en-US"/>
+              <a:t>第二级</a:t>
+            </a:r>
+          </a:p>
+          <a:p>
+            <a:pPr lvl="2"/>
+            <a:r>
+              <a:rPr lang="zh-CN" altLang="en-US"/>
+              <a:t>第三级</a:t>
+            </a:r>
+          </a:p>
+          <a:p>
+            <a:pPr lvl="3"/>
+            <a:r>
+              <a:rPr lang="zh-CN" altLang="en-US"/>
+              <a:t>第四级</a:t>
+            </a:r>
+          </a:p>
+          <a:p>
+            <a:pPr lvl="4"/>
+            <a:r>
+              <a:rPr lang="zh-CN" altLang="en-US"/>
+              <a:t>第五级</a:t>
+            </a:r>
+          </a:p>
+        </p:txBody>
+      </p:sp>
+      <p:sp>
+        <p:nvSpPr>
+          <p:cNvPr id="6" name="页脚占位符 5"/>
+          <p:cNvSpPr>
+            <a:spLocks noGrp="1"/>
+          </p:cNvSpPr>
+          <p:nvPr>
+            <p:ph type="ftr" sz="quarter" idx="4"/>
+          </p:nvPr>
+        </p:nvSpPr>
+        <p:spPr>
+          <a:xfrm>
+            <a:off x="0" y="8685213"/>
+            <a:ext cx="2971800" cy="458787"/>
+          </a:xfrm>
+          <a:prstGeom prst="rect">
+            <a:avLst/>
+          </a:prstGeom>
+        </p:spPr>
+        <p:txBody>
+          <a:bodyPr vert="horz" lIns="91440" tIns="45720" rIns="91440" bIns="45720" rtlCol="0" anchor="b"/>
+          <a:lstStyle>
+            <a:lvl1pPr algn="l">
+              <a:defRPr sz="1200"/>
+            </a:lvl1pPr>
+          </a:lstStyle>
+          <a:p>
+            <a:endParaRPr lang="zh-CN" altLang="en-US"/>
+          </a:p>
+        </p:txBody>
+      </p:sp>
+      <p:sp>
+        <p:nvSpPr>
+          <p:cNvPr id="7" name="灯片编号占位符 6"/>
+          <p:cNvSpPr>
+            <a:spLocks noGrp="1"/>
+          </p:cNvSpPr>
+          <p:nvPr>
+            <p:ph type="sldNum" sz="quarter" idx="5"/>
+          </p:nvPr>
+        </p:nvSpPr>
+        <p:spPr>
+          <a:xfrm>
+            <a:off x="3884613" y="8685213"/>
+            <a:ext cx="2971800" cy="458787"/>
+          </a:xfrm>
+          <a:prstGeom prst="rect">
+            <a:avLst/>
+          </a:prstGeom>
+        </p:spPr>
+        <p:txBody>
+          <a:bodyPr vert="horz" lIns="91440" tIns="45720" rIns="91440" bIns="45720" rtlCol="0" anchor="b"/>
+          <a:lstStyle>
+            <a:lvl1pPr algn="r">
+              <a:defRPr sz="1200"/>
+            </a:lvl1pPr>
+          </a:lstStyle>
+          <a:p>
+            <a:fld id="{EF2BBB61-4DD5-4F5D-BB5F-C938FD6F5862}" type="slidenum">
+              <a:rPr lang="zh-CN" altLang="en-US" smtClean="0"/>
+              <a:t>‹#›</a:t>
+            </a:fld>
+            <a:endParaRPr lang="zh-CN" altLang="en-US"/>
+          </a:p>
+        </p:txBody>
+      </p:sp>
+    </p:spTree>
+    <p:extLst>
+      <p:ext uri="{BB962C8B-B14F-4D97-AF65-F5344CB8AC3E}">
+        <p14:creationId xmlns:p14="http://schemas.microsoft.com/office/powerpoint/2010/main" val="2579707396"/>
+      </p:ext>
+    </p:extLst>
+  </p:cSld>
+  <p:clrMap bg1="lt1" tx1="dk1" bg2="lt2" tx2="dk2" accent1="accent1" accent2="accent2" accent3="accent3" accent4="accent4" accent5="accent5" accent6="accent6" hlink="hlink" folHlink="folHlink"/>
+  <p:notesStyle>
+    <a:lvl1pPr marL="0" algn="l" defTabSz="914400" rtl="0" eaLnBrk="1" latinLnBrk="0" hangingPunct="1">
+      <a:defRPr sz="1200" kern="1200">
+        <a:solidFill>
+          <a:schemeClr val="tx1"/>
+        </a:solidFill>
+        <a:latin typeface="+mn-lt"/>
+        <a:ea typeface="+mn-ea"/>
+        <a:cs typeface="+mn-cs"/>
+      </a:defRPr>
+    </a:lvl1pPr>
+    <a:lvl2pPr marL="457200" algn="l" defTabSz="914400" rtl="0" eaLnBrk="1" latinLnBrk="0" hangingPunct="1">
+      <a:defRPr sz="1200" kern="1200">
+        <a:solidFill>
+          <a:schemeClr val="tx1"/>
+        </a:solidFill>
+        <a:latin typeface="+mn-lt"/>
+        <a:ea typeface="+mn-ea"/>
+        <a:cs typeface="+mn-cs"/>
+      </a:defRPr>
+    </a:lvl2pPr>
+    <a:lvl3pPr marL="914400" algn="l" defTabSz="914400" rtl="0" eaLnBrk="1" latinLnBrk="0" hangingPunct="1">
+      <a:defRPr sz="1200" kern="1200">
+        <a:solidFill>
+          <a:schemeClr val="tx1"/>
+        </a:solidFill>
+        <a:latin typeface="+mn-lt"/>
+        <a:ea typeface="+mn-ea"/>
+        <a:cs typeface="+mn-cs"/>
+      </a:defRPr>
+    </a:lvl3pPr>
+    <a:lvl4pPr marL="1371600" algn="l" defTabSz="914400" rtl="0" eaLnBrk="1" latinLnBrk="0" hangingPunct="1">
+      <a:defRPr sz="1200" kern="1200">
+        <a:solidFill>
+          <a:schemeClr val="tx1"/>
+        </a:solidFill>
+        <a:latin typeface="+mn-lt"/>
+        <a:ea typeface="+mn-ea"/>
+        <a:cs typeface="+mn-cs"/>
+      </a:defRPr>
+    </a:lvl4pPr>
+    <a:lvl5pPr marL="1828800" algn="l" defTabSz="914400" rtl="0" eaLnBrk="1" latinLnBrk="0" hangingPunct="1">
+      <a:defRPr sz="1200" kern="1200">
+        <a:solidFill>
+          <a:schemeClr val="tx1"/>
+        </a:solidFill>
+        <a:latin typeface="+mn-lt"/>
+        <a:ea typeface="+mn-ea"/>
+        <a:cs typeface="+mn-cs"/>
+      </a:defRPr>
+    </a:lvl5pPr>
+    <a:lvl6pPr marL="2286000" algn="l" defTabSz="914400" rtl="0" eaLnBrk="1" latinLnBrk="0" hangingPunct="1">
+      <a:defRPr sz="1200" kern="1200">
+        <a:solidFill>
+          <a:schemeClr val="tx1"/>
+        </a:solidFill>
+        <a:latin typeface="+mn-lt"/>
+        <a:ea typeface="+mn-ea"/>
+        <a:cs typeface="+mn-cs"/>
+      </a:defRPr>
+    </a:lvl6pPr>
+    <a:lvl7pPr marL="2743200" algn="l" defTabSz="914400" rtl="0" eaLnBrk="1" latinLnBrk="0" hangingPunct="1">
+      <a:defRPr sz="1200" kern="1200">
+        <a:solidFill>
+          <a:schemeClr val="tx1"/>
+        </a:solidFill>
+        <a:latin typeface="+mn-lt"/>
+        <a:ea typeface="+mn-ea"/>
+        <a:cs typeface="+mn-cs"/>
+      </a:defRPr>
+    </a:lvl7pPr>
+    <a:lvl8pPr marL="3200400" algn="l" defTabSz="914400" rtl="0" eaLnBrk="1" latinLnBrk="0" hangingPunct="1">
+      <a:defRPr sz="1200" kern="1200">
+        <a:solidFill>
+          <a:schemeClr val="tx1"/>
+        </a:solidFill>
+        <a:latin typeface="+mn-lt"/>
+        <a:ea typeface="+mn-ea"/>
+        <a:cs typeface="+mn-cs"/>
+      </a:defRPr>
+    </a:lvl8pPr>
+    <a:lvl9pPr marL="3657600" algn="l" defTabSz="914400" rtl="0" eaLnBrk="1" latinLnBrk="0" hangingPunct="1">
+      <a:defRPr sz="1200" kern="1200">
+        <a:solidFill>
+          <a:schemeClr val="tx1"/>
+        </a:solidFill>
+        <a:latin typeface="+mn-lt"/>
+        <a:ea typeface="+mn-ea"/>
+        <a:cs typeface="+mn-cs"/>
+      </a:defRPr>
+    </a:lvl9pPr>
+  </p:notesStyle>
+</p:notesMaster>
+</file>
+
+<file path=ppt/notesSlides/notesSlide1.xml><?xml version="1.0" encoding="utf-8"?>
+<p:notes xmlns:a="http://schemas.openxmlformats.org/drawingml/2006/main" xmlns:r="http://schemas.openxmlformats.org/officeDocument/2006/relationships" xmlns:p="http://schemas.openxmlformats.org/presentationml/2006/main">
+  <p:cSld>
+    <p:spTree>
+      <p:nvGrpSpPr>
+        <p:cNvPr id="1" name=""/>
+        <p:cNvGrpSpPr/>
+        <p:nvPr/>
+      </p:nvGrpSpPr>
+      <p:grpSpPr>
+        <a:xfrm>
+          <a:off x="0" y="0"/>
+          <a:ext cx="0" cy="0"/>
+          <a:chOff x="0" y="0"/>
+          <a:chExt cx="0" cy="0"/>
+        </a:xfrm>
+      </p:grpSpPr>
+      <p:sp>
+        <p:nvSpPr>
+          <p:cNvPr id="2" name="幻灯片图像占位符 1"/>
+          <p:cNvSpPr>
+            <a:spLocks noGrp="1" noRot="1" noChangeAspect="1"/>
+          </p:cNvSpPr>
+          <p:nvPr>
+            <p:ph type="sldImg"/>
+          </p:nvPr>
+        </p:nvSpPr>
+        <p:spPr/>
+      </p:sp>
+      <p:sp>
+        <p:nvSpPr>
+          <p:cNvPr id="3" name="备注占位符 2"/>
+          <p:cNvSpPr>
+            <a:spLocks noGrp="1"/>
+          </p:cNvSpPr>
+          <p:nvPr>
+            <p:ph type="body" idx="1"/>
+          </p:nvPr>
+        </p:nvSpPr>
+        <p:spPr/>
+        <p:txBody>
+          <a:bodyPr/>
+          <a:lstStyle/>
+          <a:p>
+            <a:endParaRPr lang="zh-CN" altLang="en-US" dirty="0"/>
+          </a:p>
+        </p:txBody>
+      </p:sp>
+      <p:sp>
+        <p:nvSpPr>
+          <p:cNvPr id="4" name="灯片编号占位符 3"/>
+          <p:cNvSpPr>
+            <a:spLocks noGrp="1"/>
+          </p:cNvSpPr>
+          <p:nvPr>
+            <p:ph type="sldNum" sz="quarter" idx="10"/>
+          </p:nvPr>
+        </p:nvSpPr>
+        <p:spPr/>
+        <p:txBody>
+          <a:bodyPr/>
+          <a:lstStyle/>
+          <a:p>
+            <a:fld id="{EF2BBB61-4DD5-4F5D-BB5F-C938FD6F5862}" type="slidenum">
+              <a:rPr lang="zh-CN" altLang="en-US" smtClean="0"/>
+              <a:t>3</a:t>
+            </a:fld>
+            <a:endParaRPr lang="zh-CN" altLang="en-US"/>
+          </a:p>
+        </p:txBody>
+      </p:sp>
+    </p:spTree>
+    <p:extLst>
+      <p:ext uri="{BB962C8B-B14F-4D97-AF65-F5344CB8AC3E}">
+        <p14:creationId xmlns:p14="http://schemas.microsoft.com/office/powerpoint/2010/main" val="1119140308"/>
+      </p:ext>
+    </p:extLst>
+  </p:cSld>
+  <p:clrMapOvr>
+    <a:masterClrMapping/>
+  </p:clrMapOvr>
+</p:notes>
 </file>
 
 <file path=ppt/slideLayouts/slideLayout1.xml><?xml version="1.0" encoding="utf-8"?>
@@ -7676,7 +8112,7 @@
           <a:p>
             <a:r>
               <a:rPr lang="zh-CN" altLang="en-US" dirty="0"/>
-              <a:t>目录</a:t>
+              <a:t>一切皆文件</a:t>
             </a:r>
           </a:p>
         </p:txBody>
@@ -7709,23 +8145,15 @@
             </a:pPr>
             <a:r>
               <a:rPr lang="zh-CN" altLang="en-US" sz="2000" dirty="0"/>
-              <a:t>目录也是文件，也有对应的</a:t>
-            </a:r>
-            <a:r>
-              <a:rPr lang="en-US" altLang="zh-CN" sz="2000" dirty="0" err="1"/>
-              <a:t>inode</a:t>
-            </a:r>
-            <a:r>
-              <a:rPr lang="zh-CN" altLang="en-US" sz="2000" dirty="0"/>
-              <a:t>和数据块。打开目录，实际上就是打开目录文件。目录文件的结构非常简单，就是一系列目录项的列表。每个目录项，由两部分组成：所包含文件的文件名，以及该文件名对应的</a:t>
-            </a:r>
-            <a:r>
-              <a:rPr lang="en-US" altLang="zh-CN" sz="2000" dirty="0" err="1"/>
-              <a:t>inode</a:t>
-            </a:r>
-            <a:r>
-              <a:rPr lang="zh-CN" altLang="en-US" sz="2000" dirty="0"/>
-              <a:t>号码（在这里，子目录也是以文件来对待）。</a:t>
+              <a:t>在</a:t>
+            </a:r>
+            <a:r>
+              <a:rPr lang="en-US" altLang="zh-CN" sz="2000" dirty="0"/>
+              <a:t>Linux</a:t>
+            </a:r>
+            <a:r>
+              <a:rPr lang="zh-CN" altLang="en-US" sz="2000" dirty="0"/>
+              <a:t>上，一切皆是文件，外接设备也会被映射为文件。这是具有统一性的设计理念，对开发以及平常使用都具备统一的操作方式。</a:t>
             </a:r>
             <a:endParaRPr lang="en-US" altLang="zh-CN" sz="2000" dirty="0"/>
           </a:p>
@@ -7743,6 +8171,10 @@
                 <a:spcPct val="100000"/>
               </a:lnSpc>
             </a:pPr>
+            <a:r>
+              <a:rPr lang="zh-CN" altLang="en-US" sz="2000" dirty="0"/>
+              <a:t>目录也是文件，一种特殊的文件，记录的是其他文件的信息。</a:t>
+            </a:r>
             <a:endParaRPr lang="en-US" altLang="zh-CN" sz="2000" dirty="0"/>
           </a:p>
           <a:p>
@@ -7759,158 +8191,10 @@
                 <a:spcPct val="100000"/>
               </a:lnSpc>
             </a:pPr>
-            <a:r>
-              <a:rPr lang="zh-CN" altLang="en-US" sz="2000" dirty="0"/>
-              <a:t>通过挂载点的信息找到根目录的</a:t>
-            </a:r>
-            <a:r>
-              <a:rPr lang="en-US" altLang="zh-CN" sz="2000" dirty="0" err="1"/>
-              <a:t>inode</a:t>
-            </a:r>
-            <a:r>
-              <a:rPr lang="zh-CN" altLang="en-US" sz="2000" dirty="0"/>
-              <a:t>号码为</a:t>
-            </a:r>
-            <a:r>
-              <a:rPr lang="en-US" altLang="zh-CN" sz="2000" dirty="0"/>
-              <a:t>2</a:t>
-            </a:r>
-            <a:r>
-              <a:rPr lang="zh-CN" altLang="en-US" sz="2000" dirty="0"/>
-              <a:t>，通过号码为</a:t>
-            </a:r>
-            <a:r>
-              <a:rPr lang="en-US" altLang="zh-CN" sz="2000" dirty="0"/>
-              <a:t>2</a:t>
-            </a:r>
-            <a:r>
-              <a:rPr lang="zh-CN" altLang="en-US" sz="2000" dirty="0"/>
-              <a:t>的</a:t>
-            </a:r>
-            <a:r>
-              <a:rPr lang="en-US" altLang="zh-CN" sz="2000" dirty="0" err="1"/>
-              <a:t>inode</a:t>
-            </a:r>
-            <a:r>
-              <a:rPr lang="zh-CN" altLang="en-US" sz="2000" dirty="0"/>
-              <a:t>指向的数据块，读取根目录文件的数据项，这样一步一步，就构建了硬盘文件系统完整的目录树。</a:t>
-            </a:r>
             <a:endParaRPr lang="en-US" altLang="zh-CN" sz="2000" dirty="0"/>
           </a:p>
-          <a:p>
-            <a:pPr>
-              <a:lnSpc>
-                <a:spcPct val="100000"/>
-              </a:lnSpc>
-            </a:pPr>
-            <a:r>
-              <a:rPr lang="zh-CN" altLang="en-US" sz="2000" dirty="0"/>
-              <a:t>根目录的父目录是自己</a:t>
-            </a:r>
-            <a:endParaRPr lang="en-US" altLang="zh-CN" sz="2000" dirty="0"/>
-          </a:p>
-        </p:txBody>
-      </p:sp>
-      <p:pic>
-        <p:nvPicPr>
-          <p:cNvPr id="4100" name="Picture 4"/>
-          <p:cNvPicPr>
-            <a:picLocks noChangeAspect="1" noChangeArrowheads="1"/>
-          </p:cNvPicPr>
-          <p:nvPr/>
-        </p:nvPicPr>
-        <p:blipFill>
-          <a:blip r:embed="rId2">
-            <a:extLst>
-              <a:ext uri="{28A0092B-C50C-407E-A947-70E740481C1C}">
-                <a14:useLocalDpi xmlns:a14="http://schemas.microsoft.com/office/drawing/2010/main" val="0"/>
-              </a:ext>
-            </a:extLst>
-          </a:blip>
-          <a:srcRect/>
-          <a:stretch>
-            <a:fillRect/>
-          </a:stretch>
-        </p:blipFill>
-        <p:spPr bwMode="auto">
-          <a:xfrm>
-            <a:off x="4672819" y="2803442"/>
-            <a:ext cx="3452028" cy="1091667"/>
-          </a:xfrm>
-          <a:prstGeom prst="rect">
-            <a:avLst/>
-          </a:prstGeom>
-          <a:noFill/>
-          <a:ln>
-            <a:noFill/>
-          </a:ln>
-          <a:effectLst/>
-          <a:extLst>
-            <a:ext uri="{909E8E84-426E-40DD-AFC4-6F175D3DCCD1}">
-              <a14:hiddenFill xmlns:a14="http://schemas.microsoft.com/office/drawing/2010/main">
-                <a:solidFill>
-                  <a:schemeClr val="accent1"/>
-                </a:solidFill>
-              </a14:hiddenFill>
-            </a:ext>
-            <a:ext uri="{91240B29-F687-4F45-9708-019B960494DF}">
-              <a14:hiddenLine xmlns:a14="http://schemas.microsoft.com/office/drawing/2010/main" w="9525">
-                <a:solidFill>
-                  <a:schemeClr val="tx1"/>
-                </a:solidFill>
-                <a:miter lim="800000"/>
-                <a:headEnd/>
-                <a:tailEnd/>
-              </a14:hiddenLine>
-            </a:ext>
-            <a:ext uri="{AF507438-7753-43E0-B8FC-AC1667EBCBE1}">
-              <a14:hiddenEffects xmlns:a14="http://schemas.microsoft.com/office/drawing/2010/main">
-                <a:effectLst>
-                  <a:outerShdw dist="35921" dir="2700000" algn="ctr" rotWithShape="0">
-                    <a:schemeClr val="bg2"/>
-                  </a:outerShdw>
-                </a:effectLst>
-              </a14:hiddenEffects>
-            </a:ext>
-          </a:extLst>
-        </p:spPr>
-      </p:pic>
-      <p:pic>
-        <p:nvPicPr>
-          <p:cNvPr id="5" name="图片 4">
-            <a:extLst>
-              <a:ext uri="{FF2B5EF4-FFF2-40B4-BE49-F238E27FC236}">
-                <a16:creationId xmlns:a16="http://schemas.microsoft.com/office/drawing/2014/main" id="{61429196-267B-4265-97F1-E1DF20EF5886}"/>
-              </a:ext>
-            </a:extLst>
-          </p:cNvPr>
-          <p:cNvPicPr>
-            <a:picLocks noChangeAspect="1"/>
-          </p:cNvPicPr>
-          <p:nvPr/>
-        </p:nvPicPr>
-        <p:blipFill>
-          <a:blip r:embed="rId3">
-            <a:extLst>
-              <a:ext uri="{28A0092B-C50C-407E-A947-70E740481C1C}">
-                <a14:useLocalDpi xmlns:a14="http://schemas.microsoft.com/office/drawing/2010/main" val="0"/>
-              </a:ext>
-            </a:extLst>
-          </a:blip>
-          <a:stretch>
-            <a:fillRect/>
-          </a:stretch>
-        </p:blipFill>
-        <p:spPr>
-          <a:xfrm>
-            <a:off x="2944613" y="5153889"/>
-            <a:ext cx="8877300" cy="1394460"/>
-          </a:xfrm>
-          <a:prstGeom prst="rect">
-            <a:avLst/>
-          </a:prstGeom>
-        </p:spPr>
-      </p:pic>
+        </p:txBody>
+      </p:sp>
     </p:spTree>
     <p:extLst>
       <p:ext uri="{BB962C8B-B14F-4D97-AF65-F5344CB8AC3E}">
@@ -7963,8 +8247,12 @@
           <a:lstStyle/>
           <a:p>
             <a:r>
+              <a:rPr lang="en-US" altLang="zh-CN" dirty="0"/>
+              <a:t>Linux</a:t>
+            </a:r>
+            <a:r>
               <a:rPr lang="zh-CN" altLang="en-US" dirty="0"/>
-              <a:t>文件的创建</a:t>
+              <a:t>文件系统简明解释</a:t>
             </a:r>
           </a:p>
         </p:txBody>
@@ -7992,63 +8280,176 @@
           <a:p>
             <a:r>
               <a:rPr lang="zh-CN" altLang="en-US" sz="2000" dirty="0"/>
-              <a:t>创建一个文件时，系统会分配一个空白 </a:t>
+              <a:t>磁盘存储数据是以块为单位，称为扇区。一般一个扇区</a:t>
+            </a:r>
+            <a:r>
+              <a:rPr lang="en-US" altLang="zh-CN" sz="2000" dirty="0"/>
+              <a:t>512</a:t>
+            </a:r>
+            <a:r>
+              <a:rPr lang="zh-CN" altLang="en-US" sz="2000" dirty="0"/>
+              <a:t>字节。文件系统在此基础上把数据存储分为</a:t>
+            </a:r>
+            <a:r>
+              <a:rPr lang="en-US" altLang="zh-CN" sz="2000" dirty="0"/>
+              <a:t>Boot block</a:t>
+            </a:r>
+            <a:r>
+              <a:rPr lang="zh-CN" altLang="en-US" sz="2000" dirty="0"/>
+              <a:t>，</a:t>
+            </a:r>
+            <a:r>
+              <a:rPr lang="en-US" altLang="zh-CN" sz="2000" dirty="0"/>
+              <a:t>Super block</a:t>
+            </a:r>
+            <a:r>
+              <a:rPr lang="zh-CN" altLang="en-US" sz="2000" dirty="0"/>
+              <a:t>，</a:t>
             </a:r>
             <a:r>
               <a:rPr lang="en-US" altLang="zh-CN" sz="2000" dirty="0" err="1"/>
-              <a:t>inode</a:t>
-            </a:r>
-            <a:r>
-              <a:rPr lang="en-US" altLang="zh-CN" sz="2000" dirty="0"/>
-              <a:t> </a:t>
-            </a:r>
-            <a:r>
-              <a:rPr lang="zh-CN" altLang="en-US" sz="2000" dirty="0"/>
-              <a:t>给该文件，并将此 </a:t>
+              <a:t>i</a:t>
+            </a:r>
+            <a:r>
+              <a:rPr lang="en-US" altLang="zh-CN" sz="2000" dirty="0"/>
+              <a:t> nodes</a:t>
+            </a:r>
+            <a:r>
+              <a:rPr lang="zh-CN" altLang="en-US" sz="2000" dirty="0"/>
+              <a:t>，</a:t>
+            </a:r>
+            <a:r>
+              <a:rPr lang="en-US" altLang="zh-CN" sz="2000" dirty="0"/>
+              <a:t>Data blocks</a:t>
+            </a:r>
+            <a:r>
+              <a:rPr lang="zh-CN" altLang="en-US" sz="2000" dirty="0"/>
+              <a:t>几个区域。实际存储数据的是</a:t>
+            </a:r>
+            <a:r>
+              <a:rPr lang="en-US" altLang="zh-CN" sz="2000" dirty="0"/>
+              <a:t>Data blocks</a:t>
+            </a:r>
+            <a:r>
+              <a:rPr lang="zh-CN" altLang="en-US" sz="2000" dirty="0"/>
+              <a:t>，</a:t>
             </a:r>
             <a:r>
               <a:rPr lang="en-US" altLang="zh-CN" sz="2000" dirty="0" err="1"/>
-              <a:t>inode</a:t>
-            </a:r>
-            <a:r>
-              <a:rPr lang="en-US" altLang="zh-CN" sz="2000" dirty="0"/>
-              <a:t> </a:t>
-            </a:r>
-            <a:r>
-              <a:rPr lang="zh-CN" altLang="en-US" sz="2000" dirty="0"/>
-              <a:t>编号记入该文件所属的目录。</a:t>
+              <a:t>i</a:t>
+            </a:r>
+            <a:r>
+              <a:rPr lang="en-US" altLang="zh-CN" sz="2000" dirty="0"/>
+              <a:t> nodes </a:t>
+            </a:r>
+            <a:r>
+              <a:rPr lang="zh-CN" altLang="en-US" sz="2000" dirty="0"/>
+              <a:t>记录文件的类型，</a:t>
+            </a:r>
+            <a:r>
+              <a:rPr lang="en-US" altLang="zh-CN" sz="2000" dirty="0"/>
+              <a:t>Data blocks</a:t>
+            </a:r>
+            <a:r>
+              <a:rPr lang="zh-CN" altLang="en-US" sz="2000" dirty="0"/>
+              <a:t>存放位置等信息。</a:t>
+            </a:r>
+            <a:r>
+              <a:rPr lang="en-US" altLang="zh-CN" sz="2000" dirty="0"/>
+              <a:t>Super block</a:t>
+            </a:r>
+            <a:r>
+              <a:rPr lang="zh-CN" altLang="en-US" sz="2000" dirty="0"/>
+              <a:t>存储文件系统类型等信息。</a:t>
             </a:r>
             <a:endParaRPr lang="en-US" altLang="zh-CN" sz="2000" dirty="0"/>
           </a:p>
           <a:p>
             <a:r>
-              <a:rPr lang="zh-CN" altLang="en-US" sz="2000" dirty="0"/>
-              <a:t>然后选取空白的数据块，让 </a:t>
+              <a:rPr lang="en-US" altLang="zh-CN" sz="2000" dirty="0"/>
+              <a:t>Boot block</a:t>
+            </a:r>
+            <a:r>
+              <a:rPr lang="zh-CN" altLang="en-US" sz="2000" dirty="0"/>
+              <a:t>对于可启动分区有用。如果系统安装在此分区，则此区域存储启动信息。</a:t>
+            </a:r>
+            <a:endParaRPr lang="en-US" altLang="zh-CN" sz="2000" dirty="0"/>
+          </a:p>
+          <a:p>
+            <a:r>
+              <a:rPr lang="zh-CN" altLang="en-US" sz="2000" dirty="0"/>
+              <a:t>通过文件名操作文件，在系统层面来说，实际是找到文件的</a:t>
             </a:r>
             <a:r>
               <a:rPr lang="en-US" altLang="zh-CN" sz="2000" dirty="0" err="1"/>
-              <a:t>inode</a:t>
-            </a:r>
-            <a:r>
-              <a:rPr lang="en-US" altLang="zh-CN" sz="2000" dirty="0"/>
-              <a:t> </a:t>
-            </a:r>
-            <a:r>
-              <a:rPr lang="zh-CN" altLang="en-US" sz="2000" dirty="0"/>
-              <a:t>的指针指向这些数据块。保存文件时，将内存中的数据写入</a:t>
-            </a:r>
-            <a:r>
-              <a:rPr lang="en-US" altLang="zh-CN" sz="2000" dirty="0" err="1"/>
-              <a:t>inode</a:t>
-            </a:r>
-            <a:r>
-              <a:rPr lang="zh-CN" altLang="en-US" sz="2000" dirty="0"/>
-              <a:t>指向的数据块。</a:t>
+              <a:t>i</a:t>
+            </a:r>
+            <a:r>
+              <a:rPr lang="en-US" altLang="zh-CN" sz="2000" dirty="0"/>
+              <a:t> node</a:t>
+            </a:r>
+            <a:r>
+              <a:rPr lang="zh-CN" altLang="en-US" sz="2000" dirty="0"/>
+              <a:t>然后对文件数据进行操作。对于通常使用来说，这些都是透明的，用户并不需要关心这些。</a:t>
             </a:r>
             <a:endParaRPr lang="en-US" altLang="zh-CN" sz="2000" dirty="0"/>
           </a:p>
-        </p:txBody>
-      </p:sp>
+          <a:p>
+            <a:r>
+              <a:rPr lang="zh-CN" altLang="en-US" sz="2000" dirty="0"/>
+              <a:t>了解这些，对后面讲到的软链接与硬链接有帮助。</a:t>
+            </a:r>
+            <a:endParaRPr lang="en-US" altLang="zh-CN" sz="2000" dirty="0"/>
+          </a:p>
+        </p:txBody>
+      </p:sp>
+      <p:pic>
+        <p:nvPicPr>
+          <p:cNvPr id="5" name="Picture 2" descr="https://images0.cnblogs.com/blog/413416/201402/250221581092754.png">
+            <a:extLst>
+              <a:ext uri="{FF2B5EF4-FFF2-40B4-BE49-F238E27FC236}">
+                <a16:creationId xmlns:a16="http://schemas.microsoft.com/office/drawing/2014/main" id="{2B8CE52F-F6E5-4E33-83CB-1FC5A83CF75B}"/>
+              </a:ext>
+            </a:extLst>
+          </p:cNvPr>
+          <p:cNvPicPr>
+            <a:picLocks noChangeAspect="1" noChangeArrowheads="1"/>
+          </p:cNvPicPr>
+          <p:nvPr/>
+        </p:nvPicPr>
+        <p:blipFill>
+          <a:blip r:embed="rId3">
+            <a:extLst>
+              <a:ext uri="{28A0092B-C50C-407E-A947-70E740481C1C}">
+                <a14:useLocalDpi xmlns:a14="http://schemas.microsoft.com/office/drawing/2010/main" val="0"/>
+              </a:ext>
+            </a:extLst>
+          </a:blip>
+          <a:srcRect/>
+          <a:stretch>
+            <a:fillRect/>
+          </a:stretch>
+        </p:blipFill>
+        <p:spPr bwMode="auto">
+          <a:xfrm>
+            <a:off x="1486270" y="4370035"/>
+            <a:ext cx="8536619" cy="1841570"/>
+          </a:xfrm>
+          <a:prstGeom prst="rect">
+            <a:avLst/>
+          </a:prstGeom>
+          <a:noFill/>
+          <a:extLst>
+            <a:ext uri="{909E8E84-426E-40DD-AFC4-6F175D3DCCD1}">
+              <a14:hiddenFill xmlns:a14="http://schemas.microsoft.com/office/drawing/2010/main">
+                <a:solidFill>
+                  <a:srgbClr val="FFFFFF"/>
+                </a:solidFill>
+              </a14:hiddenFill>
+            </a:ext>
+          </a:extLst>
+        </p:spPr>
+      </p:pic>
     </p:spTree>
     <p:extLst>
       <p:ext uri="{BB962C8B-B14F-4D97-AF65-F5344CB8AC3E}">
@@ -8601,7 +9002,7 @@
             </a:pPr>
             <a:r>
               <a:rPr lang="en-US" altLang="zh-CN" sz="2000" dirty="0"/>
-              <a:t>    r</a:t>
+              <a:t>    r </a:t>
             </a:r>
             <a:r>
               <a:rPr lang="zh-CN" altLang="en-US" sz="2000" dirty="0"/>
@@ -8627,7 +9028,7 @@
             </a:pPr>
             <a:r>
               <a:rPr lang="en-US" altLang="zh-CN" sz="2000" dirty="0"/>
-              <a:t>    x</a:t>
+              <a:t>    x </a:t>
             </a:r>
             <a:r>
               <a:rPr lang="zh-CN" altLang="en-US" sz="2000" dirty="0"/>
@@ -10234,4 +10635,299 @@
     </a:ext>
   </a:extLst>
 </a:theme>
+</file>
+
+<file path=ppt/theme/theme3.xml><?xml version="1.0" encoding="utf-8"?>
+<a:theme xmlns:a="http://schemas.openxmlformats.org/drawingml/2006/main" name="Office 主题​​">
+  <a:themeElements>
+    <a:clrScheme name="Office">
+      <a:dk1>
+        <a:sysClr val="windowText" lastClr="000000"/>
+      </a:dk1>
+      <a:lt1>
+        <a:sysClr val="window" lastClr="FFFFFF"/>
+      </a:lt1>
+      <a:dk2>
+        <a:srgbClr val="44546A"/>
+      </a:dk2>
+      <a:lt2>
+        <a:srgbClr val="E7E6E6"/>
+      </a:lt2>
+      <a:accent1>
+        <a:srgbClr val="4472C4"/>
+      </a:accent1>
+      <a:accent2>
+        <a:srgbClr val="ED7D31"/>
+      </a:accent2>
+      <a:accent3>
+        <a:srgbClr val="A5A5A5"/>
+      </a:accent3>
+      <a:accent4>
+        <a:srgbClr val="FFC000"/>
+      </a:accent4>
+      <a:accent5>
+        <a:srgbClr val="5B9BD5"/>
+      </a:accent5>
+      <a:accent6>
+        <a:srgbClr val="70AD47"/>
+      </a:accent6>
+      <a:hlink>
+        <a:srgbClr val="0563C1"/>
+      </a:hlink>
+      <a:folHlink>
+        <a:srgbClr val="954F72"/>
+      </a:folHlink>
+    </a:clrScheme>
+    <a:fontScheme name="Office">
+      <a:majorFont>
+        <a:latin typeface="等线 Light" panose="020F0302020204030204"/>
+        <a:ea typeface=""/>
+        <a:cs typeface=""/>
+        <a:font script="Jpan" typeface="游ゴシック Light"/>
+        <a:font script="Hang" typeface="맑은 고딕"/>
+        <a:font script="Hans" typeface="等线 Light"/>
+        <a:font script="Hant" typeface="新細明體"/>
+        <a:font script="Arab" typeface="Times New Roman"/>
+        <a:font script="Hebr" typeface="Times New Roman"/>
+        <a:font script="Thai" typeface="Angsana New"/>
+        <a:font script="Ethi" typeface="Nyala"/>
+        <a:font script="Beng" typeface="Vrinda"/>
+        <a:font script="Gujr" typeface="Shruti"/>
+        <a:font script="Khmr" typeface="MoolBoran"/>
+        <a:font script="Knda" typeface="Tunga"/>
+        <a:font script="Guru" typeface="Raavi"/>
+        <a:font script="Cans" typeface="Euphemia"/>
+        <a:font script="Cher" typeface="Plantagenet Cherokee"/>
+        <a:font script="Yiii" typeface="Microsoft Yi Baiti"/>
+        <a:font script="Tibt" typeface="Microsoft Himalaya"/>
+        <a:font script="Thaa" typeface="MV Boli"/>
+        <a:font script="Deva" typeface="Mangal"/>
+        <a:font script="Telu" typeface="Gautami"/>
+        <a:font script="Taml" typeface="Latha"/>
+        <a:font script="Syrc" typeface="Estrangelo Edessa"/>
+        <a:font script="Orya" typeface="Kalinga"/>
+        <a:font script="Mlym" typeface="Kartika"/>
+        <a:font script="Laoo" typeface="DokChampa"/>
+        <a:font script="Sinh" typeface="Iskoola Pota"/>
+        <a:font script="Mong" typeface="Mongolian Baiti"/>
+        <a:font script="Viet" typeface="Times New Roman"/>
+        <a:font script="Uigh" typeface="Microsoft Uighur"/>
+        <a:font script="Geor" typeface="Sylfaen"/>
+        <a:font script="Armn" typeface="Arial"/>
+        <a:font script="Bugi" typeface="Leelawadee UI"/>
+        <a:font script="Bopo" typeface="Microsoft JhengHei"/>
+        <a:font script="Java" typeface="Javanese Text"/>
+        <a:font script="Lisu" typeface="Segoe UI"/>
+        <a:font script="Mymr" typeface="Myanmar Text"/>
+        <a:font script="Nkoo" typeface="Ebrima"/>
+        <a:font script="Olck" typeface="Nirmala UI"/>
+        <a:font script="Osma" typeface="Ebrima"/>
+        <a:font script="Phag" typeface="Phagspa"/>
+        <a:font script="Syrn" typeface="Estrangelo Edessa"/>
+        <a:font script="Syrj" typeface="Estrangelo Edessa"/>
+        <a:font script="Syre" typeface="Estrangelo Edessa"/>
+        <a:font script="Sora" typeface="Nirmala UI"/>
+        <a:font script="Tale" typeface="Microsoft Tai Le"/>
+        <a:font script="Talu" typeface="Microsoft New Tai Lue"/>
+        <a:font script="Tfng" typeface="Ebrima"/>
+      </a:majorFont>
+      <a:minorFont>
+        <a:latin typeface="等线" panose="020F0502020204030204"/>
+        <a:ea typeface=""/>
+        <a:cs typeface=""/>
+        <a:font script="Jpan" typeface="游ゴシック"/>
+        <a:font script="Hang" typeface="맑은 고딕"/>
+        <a:font script="Hans" typeface="等线"/>
+        <a:font script="Hant" typeface="新細明體"/>
+        <a:font script="Arab" typeface="Arial"/>
+        <a:font script="Hebr" typeface="Arial"/>
+        <a:font script="Thai" typeface="Cordia New"/>
+        <a:font script="Ethi" typeface="Nyala"/>
+        <a:font script="Beng" typeface="Vrinda"/>
+        <a:font script="Gujr" typeface="Shruti"/>
+        <a:font script="Khmr" typeface="DaunPenh"/>
+        <a:font script="Knda" typeface="Tunga"/>
+        <a:font script="Guru" typeface="Raavi"/>
+        <a:font script="Cans" typeface="Euphemia"/>
+        <a:font script="Cher" typeface="Plantagenet Cherokee"/>
+        <a:font script="Yiii" typeface="Microsoft Yi Baiti"/>
+        <a:font script="Tibt" typeface="Microsoft Himalaya"/>
+        <a:font script="Thaa" typeface="MV Boli"/>
+        <a:font script="Deva" typeface="Mangal"/>
+        <a:font script="Telu" typeface="Gautami"/>
+        <a:font script="Taml" typeface="Latha"/>
+        <a:font script="Syrc" typeface="Estrangelo Edessa"/>
+        <a:font script="Orya" typeface="Kalinga"/>
+        <a:font script="Mlym" typeface="Kartika"/>
+        <a:font script="Laoo" typeface="DokChampa"/>
+        <a:font script="Sinh" typeface="Iskoola Pota"/>
+        <a:font script="Mong" typeface="Mongolian Baiti"/>
+        <a:font script="Viet" typeface="Arial"/>
+        <a:font script="Uigh" typeface="Microsoft Uighur"/>
+        <a:font script="Geor" typeface="Sylfaen"/>
+        <a:font script="Armn" typeface="Arial"/>
+        <a:font script="Bugi" typeface="Leelawadee UI"/>
+        <a:font script="Bopo" typeface="Microsoft JhengHei"/>
+        <a:font script="Java" typeface="Javanese Text"/>
+        <a:font script="Lisu" typeface="Segoe UI"/>
+        <a:font script="Mymr" typeface="Myanmar Text"/>
+        <a:font script="Nkoo" typeface="Ebrima"/>
+        <a:font script="Olck" typeface="Nirmala UI"/>
+        <a:font script="Osma" typeface="Ebrima"/>
+        <a:font script="Phag" typeface="Phagspa"/>
+        <a:font script="Syrn" typeface="Estrangelo Edessa"/>
+        <a:font script="Syrj" typeface="Estrangelo Edessa"/>
+        <a:font script="Syre" typeface="Estrangelo Edessa"/>
+        <a:font script="Sora" typeface="Nirmala UI"/>
+        <a:font script="Tale" typeface="Microsoft Tai Le"/>
+        <a:font script="Talu" typeface="Microsoft New Tai Lue"/>
+        <a:font script="Tfng" typeface="Ebrima"/>
+      </a:minorFont>
+    </a:fontScheme>
+    <a:fmtScheme name="Office">
+      <a:fillStyleLst>
+        <a:solidFill>
+          <a:schemeClr val="phClr"/>
+        </a:solidFill>
+        <a:gradFill rotWithShape="1">
+          <a:gsLst>
+            <a:gs pos="0">
+              <a:schemeClr val="phClr">
+                <a:lumMod val="110000"/>
+                <a:satMod val="105000"/>
+                <a:tint val="67000"/>
+              </a:schemeClr>
+            </a:gs>
+            <a:gs pos="50000">
+              <a:schemeClr val="phClr">
+                <a:lumMod val="105000"/>
+                <a:satMod val="103000"/>
+                <a:tint val="73000"/>
+              </a:schemeClr>
+            </a:gs>
+            <a:gs pos="100000">
+              <a:schemeClr val="phClr">
+                <a:lumMod val="105000"/>
+                <a:satMod val="109000"/>
+                <a:tint val="81000"/>
+              </a:schemeClr>
+            </a:gs>
+          </a:gsLst>
+          <a:lin ang="5400000" scaled="0"/>
+        </a:gradFill>
+        <a:gradFill rotWithShape="1">
+          <a:gsLst>
+            <a:gs pos="0">
+              <a:schemeClr val="phClr">
+                <a:satMod val="103000"/>
+                <a:lumMod val="102000"/>
+                <a:tint val="94000"/>
+              </a:schemeClr>
+            </a:gs>
+            <a:gs pos="50000">
+              <a:schemeClr val="phClr">
+                <a:satMod val="110000"/>
+                <a:lumMod val="100000"/>
+                <a:shade val="100000"/>
+              </a:schemeClr>
+            </a:gs>
+            <a:gs pos="100000">
+              <a:schemeClr val="phClr">
+                <a:lumMod val="99000"/>
+                <a:satMod val="120000"/>
+                <a:shade val="78000"/>
+              </a:schemeClr>
+            </a:gs>
+          </a:gsLst>
+          <a:lin ang="5400000" scaled="0"/>
+        </a:gradFill>
+      </a:fillStyleLst>
+      <a:lnStyleLst>
+        <a:ln w="6350" cap="flat" cmpd="sng" algn="ctr">
+          <a:solidFill>
+            <a:schemeClr val="phClr"/>
+          </a:solidFill>
+          <a:prstDash val="solid"/>
+          <a:miter lim="800000"/>
+        </a:ln>
+        <a:ln w="12700" cap="flat" cmpd="sng" algn="ctr">
+          <a:solidFill>
+            <a:schemeClr val="phClr"/>
+          </a:solidFill>
+          <a:prstDash val="solid"/>
+          <a:miter lim="800000"/>
+        </a:ln>
+        <a:ln w="19050" cap="flat" cmpd="sng" algn="ctr">
+          <a:solidFill>
+            <a:schemeClr val="phClr"/>
+          </a:solidFill>
+          <a:prstDash val="solid"/>
+          <a:miter lim="800000"/>
+        </a:ln>
+      </a:lnStyleLst>
+      <a:effectStyleLst>
+        <a:effectStyle>
+          <a:effectLst/>
+        </a:effectStyle>
+        <a:effectStyle>
+          <a:effectLst/>
+        </a:effectStyle>
+        <a:effectStyle>
+          <a:effectLst>
+            <a:outerShdw blurRad="57150" dist="19050" dir="5400000" algn="ctr" rotWithShape="0">
+              <a:srgbClr val="000000">
+                <a:alpha val="63000"/>
+              </a:srgbClr>
+            </a:outerShdw>
+          </a:effectLst>
+        </a:effectStyle>
+      </a:effectStyleLst>
+      <a:bgFillStyleLst>
+        <a:solidFill>
+          <a:schemeClr val="phClr"/>
+        </a:solidFill>
+        <a:solidFill>
+          <a:schemeClr val="phClr">
+            <a:tint val="95000"/>
+            <a:satMod val="170000"/>
+          </a:schemeClr>
+        </a:solidFill>
+        <a:gradFill rotWithShape="1">
+          <a:gsLst>
+            <a:gs pos="0">
+              <a:schemeClr val="phClr">
+                <a:tint val="93000"/>
+                <a:satMod val="150000"/>
+                <a:shade val="98000"/>
+                <a:lumMod val="102000"/>
+              </a:schemeClr>
+            </a:gs>
+            <a:gs pos="50000">
+              <a:schemeClr val="phClr">
+                <a:tint val="98000"/>
+                <a:satMod val="130000"/>
+                <a:shade val="90000"/>
+                <a:lumMod val="103000"/>
+              </a:schemeClr>
+            </a:gs>
+            <a:gs pos="100000">
+              <a:schemeClr val="phClr">
+                <a:shade val="63000"/>
+                <a:satMod val="120000"/>
+              </a:schemeClr>
+            </a:gs>
+          </a:gsLst>
+          <a:lin ang="5400000" scaled="0"/>
+        </a:gradFill>
+      </a:bgFillStyleLst>
+    </a:fmtScheme>
+  </a:themeElements>
+  <a:objectDefaults/>
+  <a:extraClrSchemeLst/>
+  <a:extLst>
+    <a:ext uri="{05A4C25C-085E-4340-85A3-A5531E510DB2}">
+      <thm15:themeFamily xmlns:thm15="http://schemas.microsoft.com/office/thememl/2012/main" name="Office Theme" id="{62F939B6-93AF-4DB8-9C6B-D6C7DFDC589F}" vid="{4A3C46E8-61CC-4603-A589-7422A47A8E4A}"/>
+    </a:ext>
+  </a:extLst>
+</a:theme>
 </file>